--- a/img/legend.pptx
+++ b/img/legend.pptx
@@ -6,6 +6,7 @@
   </p:sldMasterIdLst>
   <p:sldIdLst>
     <p:sldId id="256" r:id="rId2"/>
+    <p:sldId id="257" r:id="rId3"/>
   </p:sldIdLst>
   <p:sldSz cx="12192000" cy="6858000"/>
   <p:notesSz cx="6858000" cy="9144000"/>
@@ -104,13 +105,18 @@
       </a:defRPr>
     </a:lvl9pPr>
   </p:defaultTextStyle>
+  <p:extLst>
+    <p:ext uri="{EFAFB233-063F-42B5-8137-9DF3F51BA10A}">
+      <p15:sldGuideLst xmlns:p15="http://schemas.microsoft.com/office/powerpoint/2012/main"/>
+    </p:ext>
+  </p:extLst>
 </p:presentation>
 </file>
 
 <file path=ppt/revisionInfo.xml><?xml version="1.0" encoding="utf-8"?>
 <p1510:revInfo xmlns:a="http://schemas.openxmlformats.org/drawingml/2006/main" xmlns:r="http://schemas.openxmlformats.org/officeDocument/2006/relationships" xmlns:p1510="http://schemas.microsoft.com/office/powerpoint/2015/10/main">
   <p1510:revLst>
-    <p1510:client id="{EA4B0CD5-DD6E-472D-8434-D554C9FD8ECF}" v="13" dt="2022-07-25T00:12:56.628"/>
+    <p1510:client id="{EA4B0CD5-DD6E-472D-8434-D554C9FD8ECF}" v="33" dt="2022-07-27T03:11:08.734"/>
   </p1510:revLst>
 </p1510:revInfo>
 </file>
@@ -119,19 +125,19 @@
 <pc:chgInfo xmlns:a="http://schemas.openxmlformats.org/drawingml/2006/main" xmlns:r="http://schemas.openxmlformats.org/officeDocument/2006/relationships" xmlns:ac="http://schemas.microsoft.com/office/drawing/2013/main/command" xmlns:pc="http://schemas.microsoft.com/office/powerpoint/2013/main/command">
   <pc:docChgLst>
     <pc:chgData name="Joy DiFranza" userId="501b6ac7ae2a39ee" providerId="LiveId" clId="{EA4B0CD5-DD6E-472D-8434-D554C9FD8ECF}"/>
-    <pc:docChg chg="undo custSel modSld">
-      <pc:chgData name="Joy DiFranza" userId="501b6ac7ae2a39ee" providerId="LiveId" clId="{EA4B0CD5-DD6E-472D-8434-D554C9FD8ECF}" dt="2022-07-25T00:12:56.628" v="248" actId="164"/>
+    <pc:docChg chg="undo custSel addSld modSld">
+      <pc:chgData name="Joy DiFranza" userId="501b6ac7ae2a39ee" providerId="LiveId" clId="{EA4B0CD5-DD6E-472D-8434-D554C9FD8ECF}" dt="2022-07-27T03:12:34.920" v="510" actId="1076"/>
       <pc:docMkLst>
         <pc:docMk/>
       </pc:docMkLst>
       <pc:sldChg chg="addSp delSp modSp mod">
-        <pc:chgData name="Joy DiFranza" userId="501b6ac7ae2a39ee" providerId="LiveId" clId="{EA4B0CD5-DD6E-472D-8434-D554C9FD8ECF}" dt="2022-07-25T00:12:56.628" v="248" actId="164"/>
+        <pc:chgData name="Joy DiFranza" userId="501b6ac7ae2a39ee" providerId="LiveId" clId="{EA4B0CD5-DD6E-472D-8434-D554C9FD8ECF}" dt="2022-07-25T21:33:12.932" v="321" actId="164"/>
         <pc:sldMkLst>
           <pc:docMk/>
           <pc:sldMk cId="542090854" sldId="256"/>
         </pc:sldMkLst>
         <pc:spChg chg="mod">
-          <ac:chgData name="Joy DiFranza" userId="501b6ac7ae2a39ee" providerId="LiveId" clId="{EA4B0CD5-DD6E-472D-8434-D554C9FD8ECF}" dt="2022-07-25T00:09:44.352" v="140" actId="165"/>
+          <ac:chgData name="Joy DiFranza" userId="501b6ac7ae2a39ee" providerId="LiveId" clId="{EA4B0CD5-DD6E-472D-8434-D554C9FD8ECF}" dt="2022-07-25T21:32:33.092" v="249" actId="165"/>
           <ac:spMkLst>
             <pc:docMk/>
             <pc:sldMk cId="542090854" sldId="256"/>
@@ -139,7 +145,7 @@
           </ac:spMkLst>
         </pc:spChg>
         <pc:spChg chg="mod">
-          <ac:chgData name="Joy DiFranza" userId="501b6ac7ae2a39ee" providerId="LiveId" clId="{EA4B0CD5-DD6E-472D-8434-D554C9FD8ECF}" dt="2022-07-25T00:09:44.352" v="140" actId="165"/>
+          <ac:chgData name="Joy DiFranza" userId="501b6ac7ae2a39ee" providerId="LiveId" clId="{EA4B0CD5-DD6E-472D-8434-D554C9FD8ECF}" dt="2022-07-25T21:32:33.092" v="249" actId="165"/>
           <ac:spMkLst>
             <pc:docMk/>
             <pc:sldMk cId="542090854" sldId="256"/>
@@ -147,7 +153,7 @@
           </ac:spMkLst>
         </pc:spChg>
         <pc:spChg chg="mod">
-          <ac:chgData name="Joy DiFranza" userId="501b6ac7ae2a39ee" providerId="LiveId" clId="{EA4B0CD5-DD6E-472D-8434-D554C9FD8ECF}" dt="2022-07-25T00:09:44.352" v="140" actId="165"/>
+          <ac:chgData name="Joy DiFranza" userId="501b6ac7ae2a39ee" providerId="LiveId" clId="{EA4B0CD5-DD6E-472D-8434-D554C9FD8ECF}" dt="2022-07-25T21:32:33.092" v="249" actId="165"/>
           <ac:spMkLst>
             <pc:docMk/>
             <pc:sldMk cId="542090854" sldId="256"/>
@@ -155,7 +161,7 @@
           </ac:spMkLst>
         </pc:spChg>
         <pc:spChg chg="mod topLvl">
-          <ac:chgData name="Joy DiFranza" userId="501b6ac7ae2a39ee" providerId="LiveId" clId="{EA4B0CD5-DD6E-472D-8434-D554C9FD8ECF}" dt="2022-07-25T00:09:44.352" v="140" actId="165"/>
+          <ac:chgData name="Joy DiFranza" userId="501b6ac7ae2a39ee" providerId="LiveId" clId="{EA4B0CD5-DD6E-472D-8434-D554C9FD8ECF}" dt="2022-07-25T21:32:33.092" v="249" actId="165"/>
           <ac:spMkLst>
             <pc:docMk/>
             <pc:sldMk cId="542090854" sldId="256"/>
@@ -163,7 +169,7 @@
           </ac:spMkLst>
         </pc:spChg>
         <pc:spChg chg="mod topLvl">
-          <ac:chgData name="Joy DiFranza" userId="501b6ac7ae2a39ee" providerId="LiveId" clId="{EA4B0CD5-DD6E-472D-8434-D554C9FD8ECF}" dt="2022-07-25T00:09:44.352" v="140" actId="165"/>
+          <ac:chgData name="Joy DiFranza" userId="501b6ac7ae2a39ee" providerId="LiveId" clId="{EA4B0CD5-DD6E-472D-8434-D554C9FD8ECF}" dt="2022-07-25T21:32:33.092" v="249" actId="165"/>
           <ac:spMkLst>
             <pc:docMk/>
             <pc:sldMk cId="542090854" sldId="256"/>
@@ -171,7 +177,7 @@
           </ac:spMkLst>
         </pc:spChg>
         <pc:spChg chg="mod topLvl">
-          <ac:chgData name="Joy DiFranza" userId="501b6ac7ae2a39ee" providerId="LiveId" clId="{EA4B0CD5-DD6E-472D-8434-D554C9FD8ECF}" dt="2022-07-25T00:09:44.352" v="140" actId="165"/>
+          <ac:chgData name="Joy DiFranza" userId="501b6ac7ae2a39ee" providerId="LiveId" clId="{EA4B0CD5-DD6E-472D-8434-D554C9FD8ECF}" dt="2022-07-25T21:32:33.092" v="249" actId="165"/>
           <ac:spMkLst>
             <pc:docMk/>
             <pc:sldMk cId="542090854" sldId="256"/>
@@ -179,7 +185,7 @@
           </ac:spMkLst>
         </pc:spChg>
         <pc:spChg chg="mod topLvl">
-          <ac:chgData name="Joy DiFranza" userId="501b6ac7ae2a39ee" providerId="LiveId" clId="{EA4B0CD5-DD6E-472D-8434-D554C9FD8ECF}" dt="2022-07-25T00:09:44.352" v="140" actId="165"/>
+          <ac:chgData name="Joy DiFranza" userId="501b6ac7ae2a39ee" providerId="LiveId" clId="{EA4B0CD5-DD6E-472D-8434-D554C9FD8ECF}" dt="2022-07-25T21:32:33.092" v="249" actId="165"/>
           <ac:spMkLst>
             <pc:docMk/>
             <pc:sldMk cId="542090854" sldId="256"/>
@@ -187,7 +193,7 @@
           </ac:spMkLst>
         </pc:spChg>
         <pc:spChg chg="mod topLvl">
-          <ac:chgData name="Joy DiFranza" userId="501b6ac7ae2a39ee" providerId="LiveId" clId="{EA4B0CD5-DD6E-472D-8434-D554C9FD8ECF}" dt="2022-07-25T00:09:44.352" v="140" actId="165"/>
+          <ac:chgData name="Joy DiFranza" userId="501b6ac7ae2a39ee" providerId="LiveId" clId="{EA4B0CD5-DD6E-472D-8434-D554C9FD8ECF}" dt="2022-07-25T21:32:33.092" v="249" actId="165"/>
           <ac:spMkLst>
             <pc:docMk/>
             <pc:sldMk cId="542090854" sldId="256"/>
@@ -195,7 +201,7 @@
           </ac:spMkLst>
         </pc:spChg>
         <pc:spChg chg="mod topLvl">
-          <ac:chgData name="Joy DiFranza" userId="501b6ac7ae2a39ee" providerId="LiveId" clId="{EA4B0CD5-DD6E-472D-8434-D554C9FD8ECF}" dt="2022-07-25T00:09:44.352" v="140" actId="165"/>
+          <ac:chgData name="Joy DiFranza" userId="501b6ac7ae2a39ee" providerId="LiveId" clId="{EA4B0CD5-DD6E-472D-8434-D554C9FD8ECF}" dt="2022-07-25T21:32:33.092" v="249" actId="165"/>
           <ac:spMkLst>
             <pc:docMk/>
             <pc:sldMk cId="542090854" sldId="256"/>
@@ -203,7 +209,7 @@
           </ac:spMkLst>
         </pc:spChg>
         <pc:spChg chg="mod topLvl">
-          <ac:chgData name="Joy DiFranza" userId="501b6ac7ae2a39ee" providerId="LiveId" clId="{EA4B0CD5-DD6E-472D-8434-D554C9FD8ECF}" dt="2022-07-25T00:09:44.352" v="140" actId="165"/>
+          <ac:chgData name="Joy DiFranza" userId="501b6ac7ae2a39ee" providerId="LiveId" clId="{EA4B0CD5-DD6E-472D-8434-D554C9FD8ECF}" dt="2022-07-25T21:32:33.092" v="249" actId="165"/>
           <ac:spMkLst>
             <pc:docMk/>
             <pc:sldMk cId="542090854" sldId="256"/>
@@ -211,7 +217,7 @@
           </ac:spMkLst>
         </pc:spChg>
         <pc:spChg chg="mod">
-          <ac:chgData name="Joy DiFranza" userId="501b6ac7ae2a39ee" providerId="LiveId" clId="{EA4B0CD5-DD6E-472D-8434-D554C9FD8ECF}" dt="2022-07-25T00:09:44.352" v="140" actId="165"/>
+          <ac:chgData name="Joy DiFranza" userId="501b6ac7ae2a39ee" providerId="LiveId" clId="{EA4B0CD5-DD6E-472D-8434-D554C9FD8ECF}" dt="2022-07-25T21:32:33.092" v="249" actId="165"/>
           <ac:spMkLst>
             <pc:docMk/>
             <pc:sldMk cId="542090854" sldId="256"/>
@@ -219,7 +225,7 @@
           </ac:spMkLst>
         </pc:spChg>
         <pc:spChg chg="mod">
-          <ac:chgData name="Joy DiFranza" userId="501b6ac7ae2a39ee" providerId="LiveId" clId="{EA4B0CD5-DD6E-472D-8434-D554C9FD8ECF}" dt="2022-07-25T00:09:44.352" v="140" actId="165"/>
+          <ac:chgData name="Joy DiFranza" userId="501b6ac7ae2a39ee" providerId="LiveId" clId="{EA4B0CD5-DD6E-472D-8434-D554C9FD8ECF}" dt="2022-07-25T21:32:33.092" v="249" actId="165"/>
           <ac:spMkLst>
             <pc:docMk/>
             <pc:sldMk cId="542090854" sldId="256"/>
@@ -227,7 +233,7 @@
           </ac:spMkLst>
         </pc:spChg>
         <pc:spChg chg="mod">
-          <ac:chgData name="Joy DiFranza" userId="501b6ac7ae2a39ee" providerId="LiveId" clId="{EA4B0CD5-DD6E-472D-8434-D554C9FD8ECF}" dt="2022-07-25T00:09:44.352" v="140" actId="165"/>
+          <ac:chgData name="Joy DiFranza" userId="501b6ac7ae2a39ee" providerId="LiveId" clId="{EA4B0CD5-DD6E-472D-8434-D554C9FD8ECF}" dt="2022-07-25T21:32:33.092" v="249" actId="165"/>
           <ac:spMkLst>
             <pc:docMk/>
             <pc:sldMk cId="542090854" sldId="256"/>
@@ -235,7 +241,7 @@
           </ac:spMkLst>
         </pc:spChg>
         <pc:spChg chg="mod">
-          <ac:chgData name="Joy DiFranza" userId="501b6ac7ae2a39ee" providerId="LiveId" clId="{EA4B0CD5-DD6E-472D-8434-D554C9FD8ECF}" dt="2022-07-25T00:09:44.352" v="140" actId="165"/>
+          <ac:chgData name="Joy DiFranza" userId="501b6ac7ae2a39ee" providerId="LiveId" clId="{EA4B0CD5-DD6E-472D-8434-D554C9FD8ECF}" dt="2022-07-25T21:32:33.092" v="249" actId="165"/>
           <ac:spMkLst>
             <pc:docMk/>
             <pc:sldMk cId="542090854" sldId="256"/>
@@ -243,7 +249,7 @@
           </ac:spMkLst>
         </pc:spChg>
         <pc:spChg chg="mod">
-          <ac:chgData name="Joy DiFranza" userId="501b6ac7ae2a39ee" providerId="LiveId" clId="{EA4B0CD5-DD6E-472D-8434-D554C9FD8ECF}" dt="2022-07-25T00:09:44.352" v="140" actId="165"/>
+          <ac:chgData name="Joy DiFranza" userId="501b6ac7ae2a39ee" providerId="LiveId" clId="{EA4B0CD5-DD6E-472D-8434-D554C9FD8ECF}" dt="2022-07-25T21:32:33.092" v="249" actId="165"/>
           <ac:spMkLst>
             <pc:docMk/>
             <pc:sldMk cId="542090854" sldId="256"/>
@@ -251,7 +257,7 @@
           </ac:spMkLst>
         </pc:spChg>
         <pc:spChg chg="mod">
-          <ac:chgData name="Joy DiFranza" userId="501b6ac7ae2a39ee" providerId="LiveId" clId="{EA4B0CD5-DD6E-472D-8434-D554C9FD8ECF}" dt="2022-07-25T00:09:44.352" v="140" actId="165"/>
+          <ac:chgData name="Joy DiFranza" userId="501b6ac7ae2a39ee" providerId="LiveId" clId="{EA4B0CD5-DD6E-472D-8434-D554C9FD8ECF}" dt="2022-07-25T21:32:33.092" v="249" actId="165"/>
           <ac:spMkLst>
             <pc:docMk/>
             <pc:sldMk cId="542090854" sldId="256"/>
@@ -259,7 +265,7 @@
           </ac:spMkLst>
         </pc:spChg>
         <pc:spChg chg="mod">
-          <ac:chgData name="Joy DiFranza" userId="501b6ac7ae2a39ee" providerId="LiveId" clId="{EA4B0CD5-DD6E-472D-8434-D554C9FD8ECF}" dt="2022-07-25T00:09:44.352" v="140" actId="165"/>
+          <ac:chgData name="Joy DiFranza" userId="501b6ac7ae2a39ee" providerId="LiveId" clId="{EA4B0CD5-DD6E-472D-8434-D554C9FD8ECF}" dt="2022-07-25T21:32:33.092" v="249" actId="165"/>
           <ac:spMkLst>
             <pc:docMk/>
             <pc:sldMk cId="542090854" sldId="256"/>
@@ -267,7 +273,7 @@
           </ac:spMkLst>
         </pc:spChg>
         <pc:spChg chg="mod">
-          <ac:chgData name="Joy DiFranza" userId="501b6ac7ae2a39ee" providerId="LiveId" clId="{EA4B0CD5-DD6E-472D-8434-D554C9FD8ECF}" dt="2022-07-25T00:09:44.352" v="140" actId="165"/>
+          <ac:chgData name="Joy DiFranza" userId="501b6ac7ae2a39ee" providerId="LiveId" clId="{EA4B0CD5-DD6E-472D-8434-D554C9FD8ECF}" dt="2022-07-25T21:32:33.092" v="249" actId="165"/>
           <ac:spMkLst>
             <pc:docMk/>
             <pc:sldMk cId="542090854" sldId="256"/>
@@ -275,7 +281,7 @@
           </ac:spMkLst>
         </pc:spChg>
         <pc:spChg chg="mod">
-          <ac:chgData name="Joy DiFranza" userId="501b6ac7ae2a39ee" providerId="LiveId" clId="{EA4B0CD5-DD6E-472D-8434-D554C9FD8ECF}" dt="2022-07-25T00:09:44.352" v="140" actId="165"/>
+          <ac:chgData name="Joy DiFranza" userId="501b6ac7ae2a39ee" providerId="LiveId" clId="{EA4B0CD5-DD6E-472D-8434-D554C9FD8ECF}" dt="2022-07-25T21:32:33.092" v="249" actId="165"/>
           <ac:spMkLst>
             <pc:docMk/>
             <pc:sldMk cId="542090854" sldId="256"/>
@@ -283,7 +289,7 @@
           </ac:spMkLst>
         </pc:spChg>
         <pc:spChg chg="mod">
-          <ac:chgData name="Joy DiFranza" userId="501b6ac7ae2a39ee" providerId="LiveId" clId="{EA4B0CD5-DD6E-472D-8434-D554C9FD8ECF}" dt="2022-07-25T00:09:44.352" v="140" actId="165"/>
+          <ac:chgData name="Joy DiFranza" userId="501b6ac7ae2a39ee" providerId="LiveId" clId="{EA4B0CD5-DD6E-472D-8434-D554C9FD8ECF}" dt="2022-07-25T21:32:33.092" v="249" actId="165"/>
           <ac:spMkLst>
             <pc:docMk/>
             <pc:sldMk cId="542090854" sldId="256"/>
@@ -291,7 +297,7 @@
           </ac:spMkLst>
         </pc:spChg>
         <pc:spChg chg="mod topLvl">
-          <ac:chgData name="Joy DiFranza" userId="501b6ac7ae2a39ee" providerId="LiveId" clId="{EA4B0CD5-DD6E-472D-8434-D554C9FD8ECF}" dt="2022-07-25T00:09:44.352" v="140" actId="165"/>
+          <ac:chgData name="Joy DiFranza" userId="501b6ac7ae2a39ee" providerId="LiveId" clId="{EA4B0CD5-DD6E-472D-8434-D554C9FD8ECF}" dt="2022-07-25T21:32:33.092" v="249" actId="165"/>
           <ac:spMkLst>
             <pc:docMk/>
             <pc:sldMk cId="542090854" sldId="256"/>
@@ -299,7 +305,7 @@
           </ac:spMkLst>
         </pc:spChg>
         <pc:spChg chg="mod">
-          <ac:chgData name="Joy DiFranza" userId="501b6ac7ae2a39ee" providerId="LiveId" clId="{EA4B0CD5-DD6E-472D-8434-D554C9FD8ECF}" dt="2022-07-25T00:09:44.352" v="140" actId="165"/>
+          <ac:chgData name="Joy DiFranza" userId="501b6ac7ae2a39ee" providerId="LiveId" clId="{EA4B0CD5-DD6E-472D-8434-D554C9FD8ECF}" dt="2022-07-25T21:32:33.092" v="249" actId="165"/>
           <ac:spMkLst>
             <pc:docMk/>
             <pc:sldMk cId="542090854" sldId="256"/>
@@ -307,7 +313,7 @@
           </ac:spMkLst>
         </pc:spChg>
         <pc:spChg chg="mod">
-          <ac:chgData name="Joy DiFranza" userId="501b6ac7ae2a39ee" providerId="LiveId" clId="{EA4B0CD5-DD6E-472D-8434-D554C9FD8ECF}" dt="2022-07-25T00:09:44.352" v="140" actId="165"/>
+          <ac:chgData name="Joy DiFranza" userId="501b6ac7ae2a39ee" providerId="LiveId" clId="{EA4B0CD5-DD6E-472D-8434-D554C9FD8ECF}" dt="2022-07-25T21:32:33.092" v="249" actId="165"/>
           <ac:spMkLst>
             <pc:docMk/>
             <pc:sldMk cId="542090854" sldId="256"/>
@@ -315,7 +321,7 @@
           </ac:spMkLst>
         </pc:spChg>
         <pc:spChg chg="mod">
-          <ac:chgData name="Joy DiFranza" userId="501b6ac7ae2a39ee" providerId="LiveId" clId="{EA4B0CD5-DD6E-472D-8434-D554C9FD8ECF}" dt="2022-07-25T00:09:44.352" v="140" actId="165"/>
+          <ac:chgData name="Joy DiFranza" userId="501b6ac7ae2a39ee" providerId="LiveId" clId="{EA4B0CD5-DD6E-472D-8434-D554C9FD8ECF}" dt="2022-07-25T21:32:33.092" v="249" actId="165"/>
           <ac:spMkLst>
             <pc:docMk/>
             <pc:sldMk cId="542090854" sldId="256"/>
@@ -323,7 +329,7 @@
           </ac:spMkLst>
         </pc:spChg>
         <pc:spChg chg="mod">
-          <ac:chgData name="Joy DiFranza" userId="501b6ac7ae2a39ee" providerId="LiveId" clId="{EA4B0CD5-DD6E-472D-8434-D554C9FD8ECF}" dt="2022-07-25T00:09:44.352" v="140" actId="165"/>
+          <ac:chgData name="Joy DiFranza" userId="501b6ac7ae2a39ee" providerId="LiveId" clId="{EA4B0CD5-DD6E-472D-8434-D554C9FD8ECF}" dt="2022-07-25T21:32:33.092" v="249" actId="165"/>
           <ac:spMkLst>
             <pc:docMk/>
             <pc:sldMk cId="542090854" sldId="256"/>
@@ -331,7 +337,7 @@
           </ac:spMkLst>
         </pc:spChg>
         <pc:spChg chg="mod">
-          <ac:chgData name="Joy DiFranza" userId="501b6ac7ae2a39ee" providerId="LiveId" clId="{EA4B0CD5-DD6E-472D-8434-D554C9FD8ECF}" dt="2022-07-25T00:09:44.352" v="140" actId="165"/>
+          <ac:chgData name="Joy DiFranza" userId="501b6ac7ae2a39ee" providerId="LiveId" clId="{EA4B0CD5-DD6E-472D-8434-D554C9FD8ECF}" dt="2022-07-25T21:32:33.092" v="249" actId="165"/>
           <ac:spMkLst>
             <pc:docMk/>
             <pc:sldMk cId="542090854" sldId="256"/>
@@ -339,7 +345,7 @@
           </ac:spMkLst>
         </pc:spChg>
         <pc:spChg chg="mod">
-          <ac:chgData name="Joy DiFranza" userId="501b6ac7ae2a39ee" providerId="LiveId" clId="{EA4B0CD5-DD6E-472D-8434-D554C9FD8ECF}" dt="2022-07-25T00:09:44.352" v="140" actId="165"/>
+          <ac:chgData name="Joy DiFranza" userId="501b6ac7ae2a39ee" providerId="LiveId" clId="{EA4B0CD5-DD6E-472D-8434-D554C9FD8ECF}" dt="2022-07-25T21:32:33.092" v="249" actId="165"/>
           <ac:spMkLst>
             <pc:docMk/>
             <pc:sldMk cId="542090854" sldId="256"/>
@@ -347,7 +353,31 @@
           </ac:spMkLst>
         </pc:spChg>
         <pc:spChg chg="mod">
-          <ac:chgData name="Joy DiFranza" userId="501b6ac7ae2a39ee" providerId="LiveId" clId="{EA4B0CD5-DD6E-472D-8434-D554C9FD8ECF}" dt="2022-07-25T00:10:26.219" v="145" actId="692"/>
+          <ac:chgData name="Joy DiFranza" userId="501b6ac7ae2a39ee" providerId="LiveId" clId="{EA4B0CD5-DD6E-472D-8434-D554C9FD8ECF}" dt="2022-07-25T21:32:40.985" v="250"/>
+          <ac:spMkLst>
+            <pc:docMk/>
+            <pc:sldMk cId="542090854" sldId="256"/>
+            <ac:spMk id="54" creationId="{4D58CC69-84AF-1F81-C257-1CF61F091A52}"/>
+          </ac:spMkLst>
+        </pc:spChg>
+        <pc:spChg chg="mod">
+          <ac:chgData name="Joy DiFranza" userId="501b6ac7ae2a39ee" providerId="LiveId" clId="{EA4B0CD5-DD6E-472D-8434-D554C9FD8ECF}" dt="2022-07-25T21:32:40.985" v="250"/>
+          <ac:spMkLst>
+            <pc:docMk/>
+            <pc:sldMk cId="542090854" sldId="256"/>
+            <ac:spMk id="58" creationId="{E2902BBF-E38C-3279-B1CB-D3358C5B7ACA}"/>
+          </ac:spMkLst>
+        </pc:spChg>
+        <pc:spChg chg="mod">
+          <ac:chgData name="Joy DiFranza" userId="501b6ac7ae2a39ee" providerId="LiveId" clId="{EA4B0CD5-DD6E-472D-8434-D554C9FD8ECF}" dt="2022-07-25T21:32:40.985" v="250"/>
+          <ac:spMkLst>
+            <pc:docMk/>
+            <pc:sldMk cId="542090854" sldId="256"/>
+            <ac:spMk id="62" creationId="{1E124869-2A09-3F37-48AF-D0089C59F156}"/>
+          </ac:spMkLst>
+        </pc:spChg>
+        <pc:spChg chg="mod">
+          <ac:chgData name="Joy DiFranza" userId="501b6ac7ae2a39ee" providerId="LiveId" clId="{EA4B0CD5-DD6E-472D-8434-D554C9FD8ECF}" dt="2022-07-25T21:32:33.092" v="249" actId="165"/>
           <ac:spMkLst>
             <pc:docMk/>
             <pc:sldMk cId="542090854" sldId="256"/>
@@ -355,7 +385,7 @@
           </ac:spMkLst>
         </pc:spChg>
         <pc:spChg chg="mod">
-          <ac:chgData name="Joy DiFranza" userId="501b6ac7ae2a39ee" providerId="LiveId" clId="{EA4B0CD5-DD6E-472D-8434-D554C9FD8ECF}" dt="2022-07-25T00:10:33.448" v="158" actId="20577"/>
+          <ac:chgData name="Joy DiFranza" userId="501b6ac7ae2a39ee" providerId="LiveId" clId="{EA4B0CD5-DD6E-472D-8434-D554C9FD8ECF}" dt="2022-07-25T21:32:33.092" v="249" actId="165"/>
           <ac:spMkLst>
             <pc:docMk/>
             <pc:sldMk cId="542090854" sldId="256"/>
@@ -363,7 +393,7 @@
           </ac:spMkLst>
         </pc:spChg>
         <pc:spChg chg="mod">
-          <ac:chgData name="Joy DiFranza" userId="501b6ac7ae2a39ee" providerId="LiveId" clId="{EA4B0CD5-DD6E-472D-8434-D554C9FD8ECF}" dt="2022-07-25T00:11:55.002" v="199" actId="207"/>
+          <ac:chgData name="Joy DiFranza" userId="501b6ac7ae2a39ee" providerId="LiveId" clId="{EA4B0CD5-DD6E-472D-8434-D554C9FD8ECF}" dt="2022-07-25T21:32:33.092" v="249" actId="165"/>
           <ac:spMkLst>
             <pc:docMk/>
             <pc:sldMk cId="542090854" sldId="256"/>
@@ -371,13 +401,101 @@
           </ac:spMkLst>
         </pc:spChg>
         <pc:spChg chg="mod">
-          <ac:chgData name="Joy DiFranza" userId="501b6ac7ae2a39ee" providerId="LiveId" clId="{EA4B0CD5-DD6E-472D-8434-D554C9FD8ECF}" dt="2022-07-25T00:10:52.399" v="194" actId="6549"/>
+          <ac:chgData name="Joy DiFranza" userId="501b6ac7ae2a39ee" providerId="LiveId" clId="{EA4B0CD5-DD6E-472D-8434-D554C9FD8ECF}" dt="2022-07-25T21:32:33.092" v="249" actId="165"/>
           <ac:spMkLst>
             <pc:docMk/>
             <pc:sldMk cId="542090854" sldId="256"/>
             <ac:spMk id="68" creationId="{7AF608A2-6058-33E5-8098-8A84E0960561}"/>
           </ac:spMkLst>
         </pc:spChg>
+        <pc:spChg chg="mod">
+          <ac:chgData name="Joy DiFranza" userId="501b6ac7ae2a39ee" providerId="LiveId" clId="{EA4B0CD5-DD6E-472D-8434-D554C9FD8ECF}" dt="2022-07-25T21:32:40.985" v="250"/>
+          <ac:spMkLst>
+            <pc:docMk/>
+            <pc:sldMk cId="542090854" sldId="256"/>
+            <ac:spMk id="70" creationId="{24D7A0D8-5CFB-AB7F-3285-4C4DBBE64434}"/>
+          </ac:spMkLst>
+        </pc:spChg>
+        <pc:spChg chg="mod">
+          <ac:chgData name="Joy DiFranza" userId="501b6ac7ae2a39ee" providerId="LiveId" clId="{EA4B0CD5-DD6E-472D-8434-D554C9FD8ECF}" dt="2022-07-25T21:32:40.985" v="250"/>
+          <ac:spMkLst>
+            <pc:docMk/>
+            <pc:sldMk cId="542090854" sldId="256"/>
+            <ac:spMk id="71" creationId="{BC467BB5-A2E9-F4D2-C710-3EDB602DAEDD}"/>
+          </ac:spMkLst>
+        </pc:spChg>
+        <pc:spChg chg="mod">
+          <ac:chgData name="Joy DiFranza" userId="501b6ac7ae2a39ee" providerId="LiveId" clId="{EA4B0CD5-DD6E-472D-8434-D554C9FD8ECF}" dt="2022-07-25T21:32:40.985" v="250"/>
+          <ac:spMkLst>
+            <pc:docMk/>
+            <pc:sldMk cId="542090854" sldId="256"/>
+            <ac:spMk id="72" creationId="{784B01E1-240B-E710-6F30-2F4CAE7C9749}"/>
+          </ac:spMkLst>
+        </pc:spChg>
+        <pc:spChg chg="mod">
+          <ac:chgData name="Joy DiFranza" userId="501b6ac7ae2a39ee" providerId="LiveId" clId="{EA4B0CD5-DD6E-472D-8434-D554C9FD8ECF}" dt="2022-07-25T21:32:40.985" v="250"/>
+          <ac:spMkLst>
+            <pc:docMk/>
+            <pc:sldMk cId="542090854" sldId="256"/>
+            <ac:spMk id="73" creationId="{320402CE-D8F0-3D06-B76A-848FC4571B7C}"/>
+          </ac:spMkLst>
+        </pc:spChg>
+        <pc:spChg chg="mod">
+          <ac:chgData name="Joy DiFranza" userId="501b6ac7ae2a39ee" providerId="LiveId" clId="{EA4B0CD5-DD6E-472D-8434-D554C9FD8ECF}" dt="2022-07-25T21:32:40.985" v="250"/>
+          <ac:spMkLst>
+            <pc:docMk/>
+            <pc:sldMk cId="542090854" sldId="256"/>
+            <ac:spMk id="74" creationId="{780007B5-C358-A4D4-F8B9-F8392428DDD2}"/>
+          </ac:spMkLst>
+        </pc:spChg>
+        <pc:spChg chg="mod">
+          <ac:chgData name="Joy DiFranza" userId="501b6ac7ae2a39ee" providerId="LiveId" clId="{EA4B0CD5-DD6E-472D-8434-D554C9FD8ECF}" dt="2022-07-25T21:32:40.985" v="250"/>
+          <ac:spMkLst>
+            <pc:docMk/>
+            <pc:sldMk cId="542090854" sldId="256"/>
+            <ac:spMk id="75" creationId="{ED12AD40-8EA1-46D4-51EA-C7BBD78543EF}"/>
+          </ac:spMkLst>
+        </pc:spChg>
+        <pc:spChg chg="mod">
+          <ac:chgData name="Joy DiFranza" userId="501b6ac7ae2a39ee" providerId="LiveId" clId="{EA4B0CD5-DD6E-472D-8434-D554C9FD8ECF}" dt="2022-07-25T21:32:40.985" v="250"/>
+          <ac:spMkLst>
+            <pc:docMk/>
+            <pc:sldMk cId="542090854" sldId="256"/>
+            <ac:spMk id="76" creationId="{0A7F3B7B-ECC6-CAD8-DFB3-5B507D130E7D}"/>
+          </ac:spMkLst>
+        </pc:spChg>
+        <pc:spChg chg="mod">
+          <ac:chgData name="Joy DiFranza" userId="501b6ac7ae2a39ee" providerId="LiveId" clId="{EA4B0CD5-DD6E-472D-8434-D554C9FD8ECF}" dt="2022-07-25T21:32:40.985" v="250"/>
+          <ac:spMkLst>
+            <pc:docMk/>
+            <pc:sldMk cId="542090854" sldId="256"/>
+            <ac:spMk id="77" creationId="{BE5912BB-801A-18AA-FEE1-34C56FDF98E5}"/>
+          </ac:spMkLst>
+        </pc:spChg>
+        <pc:spChg chg="mod">
+          <ac:chgData name="Joy DiFranza" userId="501b6ac7ae2a39ee" providerId="LiveId" clId="{EA4B0CD5-DD6E-472D-8434-D554C9FD8ECF}" dt="2022-07-25T21:32:40.985" v="250"/>
+          <ac:spMkLst>
+            <pc:docMk/>
+            <pc:sldMk cId="542090854" sldId="256"/>
+            <ac:spMk id="79" creationId="{A7031607-E364-F17E-709A-621BCD0C4674}"/>
+          </ac:spMkLst>
+        </pc:spChg>
+        <pc:spChg chg="mod">
+          <ac:chgData name="Joy DiFranza" userId="501b6ac7ae2a39ee" providerId="LiveId" clId="{EA4B0CD5-DD6E-472D-8434-D554C9FD8ECF}" dt="2022-07-25T21:32:40.985" v="250"/>
+          <ac:spMkLst>
+            <pc:docMk/>
+            <pc:sldMk cId="542090854" sldId="256"/>
+            <ac:spMk id="80" creationId="{5D3AFA2D-6F6E-989C-0BBC-EF00BDFE8323}"/>
+          </ac:spMkLst>
+        </pc:spChg>
+        <pc:grpChg chg="add mod">
+          <ac:chgData name="Joy DiFranza" userId="501b6ac7ae2a39ee" providerId="LiveId" clId="{EA4B0CD5-DD6E-472D-8434-D554C9FD8ECF}" dt="2022-07-25T21:33:12.932" v="321" actId="164"/>
+          <ac:grpSpMkLst>
+            <pc:docMk/>
+            <pc:sldMk cId="542090854" sldId="256"/>
+            <ac:grpSpMk id="2" creationId="{39B50A60-1D42-DB5B-26DF-6DD7BA6A8261}"/>
+          </ac:grpSpMkLst>
+        </pc:grpChg>
         <pc:grpChg chg="del mod topLvl">
           <ac:chgData name="Joy DiFranza" userId="501b6ac7ae2a39ee" providerId="LiveId" clId="{EA4B0CD5-DD6E-472D-8434-D554C9FD8ECF}" dt="2022-07-24T21:31:29.533" v="3" actId="165"/>
           <ac:grpSpMkLst>
@@ -387,7 +505,7 @@
           </ac:grpSpMkLst>
         </pc:grpChg>
         <pc:grpChg chg="mod topLvl">
-          <ac:chgData name="Joy DiFranza" userId="501b6ac7ae2a39ee" providerId="LiveId" clId="{EA4B0CD5-DD6E-472D-8434-D554C9FD8ECF}" dt="2022-07-25T00:09:44.352" v="140" actId="165"/>
+          <ac:chgData name="Joy DiFranza" userId="501b6ac7ae2a39ee" providerId="LiveId" clId="{EA4B0CD5-DD6E-472D-8434-D554C9FD8ECF}" dt="2022-07-25T21:32:33.092" v="249" actId="165"/>
           <ac:grpSpMkLst>
             <pc:docMk/>
             <pc:sldMk cId="542090854" sldId="256"/>
@@ -411,7 +529,7 @@
           </ac:grpSpMkLst>
         </pc:grpChg>
         <pc:grpChg chg="mod topLvl">
-          <ac:chgData name="Joy DiFranza" userId="501b6ac7ae2a39ee" providerId="LiveId" clId="{EA4B0CD5-DD6E-472D-8434-D554C9FD8ECF}" dt="2022-07-25T00:12:56.628" v="248" actId="164"/>
+          <ac:chgData name="Joy DiFranza" userId="501b6ac7ae2a39ee" providerId="LiveId" clId="{EA4B0CD5-DD6E-472D-8434-D554C9FD8ECF}" dt="2022-07-25T21:32:33.092" v="249" actId="165"/>
           <ac:grpSpMkLst>
             <pc:docMk/>
             <pc:sldMk cId="542090854" sldId="256"/>
@@ -419,7 +537,7 @@
           </ac:grpSpMkLst>
         </pc:grpChg>
         <pc:grpChg chg="mod topLvl">
-          <ac:chgData name="Joy DiFranza" userId="501b6ac7ae2a39ee" providerId="LiveId" clId="{EA4B0CD5-DD6E-472D-8434-D554C9FD8ECF}" dt="2022-07-25T00:12:56.628" v="248" actId="164"/>
+          <ac:chgData name="Joy DiFranza" userId="501b6ac7ae2a39ee" providerId="LiveId" clId="{EA4B0CD5-DD6E-472D-8434-D554C9FD8ECF}" dt="2022-07-25T21:32:33.092" v="249" actId="165"/>
           <ac:grpSpMkLst>
             <pc:docMk/>
             <pc:sldMk cId="542090854" sldId="256"/>
@@ -427,15 +545,31 @@
           </ac:grpSpMkLst>
         </pc:grpChg>
         <pc:grpChg chg="mod topLvl">
-          <ac:chgData name="Joy DiFranza" userId="501b6ac7ae2a39ee" providerId="LiveId" clId="{EA4B0CD5-DD6E-472D-8434-D554C9FD8ECF}" dt="2022-07-25T00:12:56.628" v="248" actId="164"/>
+          <ac:chgData name="Joy DiFranza" userId="501b6ac7ae2a39ee" providerId="LiveId" clId="{EA4B0CD5-DD6E-472D-8434-D554C9FD8ECF}" dt="2022-07-25T21:32:33.092" v="249" actId="165"/>
           <ac:grpSpMkLst>
             <pc:docMk/>
             <pc:sldMk cId="542090854" sldId="256"/>
             <ac:grpSpMk id="51" creationId="{82DB199C-8391-602B-0DBC-CE6BE41B50BA}"/>
           </ac:grpSpMkLst>
         </pc:grpChg>
+        <pc:grpChg chg="add mod">
+          <ac:chgData name="Joy DiFranza" userId="501b6ac7ae2a39ee" providerId="LiveId" clId="{EA4B0CD5-DD6E-472D-8434-D554C9FD8ECF}" dt="2022-07-25T21:33:12.932" v="321" actId="164"/>
+          <ac:grpSpMkLst>
+            <pc:docMk/>
+            <pc:sldMk cId="542090854" sldId="256"/>
+            <ac:grpSpMk id="52" creationId="{E1D377C0-3638-5645-8E9C-7DA1A94B7FD1}"/>
+          </ac:grpSpMkLst>
+        </pc:grpChg>
+        <pc:grpChg chg="mod">
+          <ac:chgData name="Joy DiFranza" userId="501b6ac7ae2a39ee" providerId="LiveId" clId="{EA4B0CD5-DD6E-472D-8434-D554C9FD8ECF}" dt="2022-07-25T21:32:40.985" v="250"/>
+          <ac:grpSpMkLst>
+            <pc:docMk/>
+            <pc:sldMk cId="542090854" sldId="256"/>
+            <ac:grpSpMk id="53" creationId="{BA4B2B81-415A-344D-5513-FDEAD59EE6CF}"/>
+          </ac:grpSpMkLst>
+        </pc:grpChg>
         <pc:grpChg chg="mod topLvl">
-          <ac:chgData name="Joy DiFranza" userId="501b6ac7ae2a39ee" providerId="LiveId" clId="{EA4B0CD5-DD6E-472D-8434-D554C9FD8ECF}" dt="2022-07-25T00:12:56.628" v="248" actId="164"/>
+          <ac:chgData name="Joy DiFranza" userId="501b6ac7ae2a39ee" providerId="LiveId" clId="{EA4B0CD5-DD6E-472D-8434-D554C9FD8ECF}" dt="2022-07-25T21:32:33.092" v="249" actId="165"/>
           <ac:grpSpMkLst>
             <pc:docMk/>
             <pc:sldMk cId="542090854" sldId="256"/>
@@ -443,7 +577,7 @@
           </ac:grpSpMkLst>
         </pc:grpChg>
         <pc:grpChg chg="mod topLvl">
-          <ac:chgData name="Joy DiFranza" userId="501b6ac7ae2a39ee" providerId="LiveId" clId="{EA4B0CD5-DD6E-472D-8434-D554C9FD8ECF}" dt="2022-07-25T00:12:56.628" v="248" actId="164"/>
+          <ac:chgData name="Joy DiFranza" userId="501b6ac7ae2a39ee" providerId="LiveId" clId="{EA4B0CD5-DD6E-472D-8434-D554C9FD8ECF}" dt="2022-07-25T21:32:33.092" v="249" actId="165"/>
           <ac:grpSpMkLst>
             <pc:docMk/>
             <pc:sldMk cId="542090854" sldId="256"/>
@@ -451,7 +585,7 @@
           </ac:grpSpMkLst>
         </pc:grpChg>
         <pc:grpChg chg="mod topLvl">
-          <ac:chgData name="Joy DiFranza" userId="501b6ac7ae2a39ee" providerId="LiveId" clId="{EA4B0CD5-DD6E-472D-8434-D554C9FD8ECF}" dt="2022-07-25T00:12:56.628" v="248" actId="164"/>
+          <ac:chgData name="Joy DiFranza" userId="501b6ac7ae2a39ee" providerId="LiveId" clId="{EA4B0CD5-DD6E-472D-8434-D554C9FD8ECF}" dt="2022-07-25T21:32:33.092" v="249" actId="165"/>
           <ac:grpSpMkLst>
             <pc:docMk/>
             <pc:sldMk cId="542090854" sldId="256"/>
@@ -467,7 +601,7 @@
           </ac:grpSpMkLst>
         </pc:grpChg>
         <pc:grpChg chg="add mod topLvl">
-          <ac:chgData name="Joy DiFranza" userId="501b6ac7ae2a39ee" providerId="LiveId" clId="{EA4B0CD5-DD6E-472D-8434-D554C9FD8ECF}" dt="2022-07-25T00:12:56.628" v="248" actId="164"/>
+          <ac:chgData name="Joy DiFranza" userId="501b6ac7ae2a39ee" providerId="LiveId" clId="{EA4B0CD5-DD6E-472D-8434-D554C9FD8ECF}" dt="2022-07-25T21:32:33.092" v="249" actId="165"/>
           <ac:grpSpMkLst>
             <pc:docMk/>
             <pc:sldMk cId="542090854" sldId="256"/>
@@ -475,7 +609,7 @@
           </ac:grpSpMkLst>
         </pc:grpChg>
         <pc:grpChg chg="add mod">
-          <ac:chgData name="Joy DiFranza" userId="501b6ac7ae2a39ee" providerId="LiveId" clId="{EA4B0CD5-DD6E-472D-8434-D554C9FD8ECF}" dt="2022-07-25T00:09:44.352" v="140" actId="165"/>
+          <ac:chgData name="Joy DiFranza" userId="501b6ac7ae2a39ee" providerId="LiveId" clId="{EA4B0CD5-DD6E-472D-8434-D554C9FD8ECF}" dt="2022-07-25T21:32:33.092" v="249" actId="165"/>
           <ac:grpSpMkLst>
             <pc:docMk/>
             <pc:sldMk cId="542090854" sldId="256"/>
@@ -483,7 +617,7 @@
           </ac:grpSpMkLst>
         </pc:grpChg>
         <pc:grpChg chg="add mod topLvl">
-          <ac:chgData name="Joy DiFranza" userId="501b6ac7ae2a39ee" providerId="LiveId" clId="{EA4B0CD5-DD6E-472D-8434-D554C9FD8ECF}" dt="2022-07-25T00:12:56.628" v="248" actId="164"/>
+          <ac:chgData name="Joy DiFranza" userId="501b6ac7ae2a39ee" providerId="LiveId" clId="{EA4B0CD5-DD6E-472D-8434-D554C9FD8ECF}" dt="2022-07-25T21:32:33.092" v="249" actId="165"/>
           <ac:grpSpMkLst>
             <pc:docMk/>
             <pc:sldMk cId="542090854" sldId="256"/>
@@ -498,32 +632,40 @@
             <ac:grpSpMk id="62" creationId="{FEBDE78D-CD04-1353-69FC-FA5DFC074AF8}"/>
           </ac:grpSpMkLst>
         </pc:grpChg>
-        <pc:grpChg chg="add mod">
-          <ac:chgData name="Joy DiFranza" userId="501b6ac7ae2a39ee" providerId="LiveId" clId="{EA4B0CD5-DD6E-472D-8434-D554C9FD8ECF}" dt="2022-07-25T00:12:56.628" v="248" actId="164"/>
+        <pc:grpChg chg="add mod topLvl">
+          <ac:chgData name="Joy DiFranza" userId="501b6ac7ae2a39ee" providerId="LiveId" clId="{EA4B0CD5-DD6E-472D-8434-D554C9FD8ECF}" dt="2022-07-25T21:32:33.092" v="249" actId="165"/>
           <ac:grpSpMkLst>
             <pc:docMk/>
             <pc:sldMk cId="542090854" sldId="256"/>
             <ac:grpSpMk id="63" creationId="{963FCAA4-BC47-5B58-F243-8F630C9D7847}"/>
           </ac:grpSpMkLst>
         </pc:grpChg>
-        <pc:grpChg chg="add mod">
-          <ac:chgData name="Joy DiFranza" userId="501b6ac7ae2a39ee" providerId="LiveId" clId="{EA4B0CD5-DD6E-472D-8434-D554C9FD8ECF}" dt="2022-07-25T00:12:56.628" v="248" actId="164"/>
+        <pc:grpChg chg="add mod topLvl">
+          <ac:chgData name="Joy DiFranza" userId="501b6ac7ae2a39ee" providerId="LiveId" clId="{EA4B0CD5-DD6E-472D-8434-D554C9FD8ECF}" dt="2022-07-25T21:32:33.092" v="249" actId="165"/>
           <ac:grpSpMkLst>
             <pc:docMk/>
             <pc:sldMk cId="542090854" sldId="256"/>
             <ac:grpSpMk id="66" creationId="{5C0D297D-C4D4-592D-0807-B637212DB59E}"/>
           </ac:grpSpMkLst>
         </pc:grpChg>
-        <pc:grpChg chg="add mod">
-          <ac:chgData name="Joy DiFranza" userId="501b6ac7ae2a39ee" providerId="LiveId" clId="{EA4B0CD5-DD6E-472D-8434-D554C9FD8ECF}" dt="2022-07-25T00:12:56.628" v="248" actId="164"/>
+        <pc:grpChg chg="add del mod">
+          <ac:chgData name="Joy DiFranza" userId="501b6ac7ae2a39ee" providerId="LiveId" clId="{EA4B0CD5-DD6E-472D-8434-D554C9FD8ECF}" dt="2022-07-25T21:32:33.092" v="249" actId="165"/>
           <ac:grpSpMkLst>
             <pc:docMk/>
             <pc:sldMk cId="542090854" sldId="256"/>
             <ac:grpSpMk id="69" creationId="{C3DE0477-F2C4-3103-424D-6830C5413883}"/>
           </ac:grpSpMkLst>
         </pc:grpChg>
+        <pc:grpChg chg="add mod">
+          <ac:chgData name="Joy DiFranza" userId="501b6ac7ae2a39ee" providerId="LiveId" clId="{EA4B0CD5-DD6E-472D-8434-D554C9FD8ECF}" dt="2022-07-25T21:33:12.932" v="321" actId="164"/>
+          <ac:grpSpMkLst>
+            <pc:docMk/>
+            <pc:sldMk cId="542090854" sldId="256"/>
+            <ac:grpSpMk id="78" creationId="{CE9FBA5F-5AE5-8852-40FA-CC5BE6B046E6}"/>
+          </ac:grpSpMkLst>
+        </pc:grpChg>
         <pc:picChg chg="mod">
-          <ac:chgData name="Joy DiFranza" userId="501b6ac7ae2a39ee" providerId="LiveId" clId="{EA4B0CD5-DD6E-472D-8434-D554C9FD8ECF}" dt="2022-07-25T00:09:44.352" v="140" actId="165"/>
+          <ac:chgData name="Joy DiFranza" userId="501b6ac7ae2a39ee" providerId="LiveId" clId="{EA4B0CD5-DD6E-472D-8434-D554C9FD8ECF}" dt="2022-07-25T21:32:33.092" v="249" actId="165"/>
           <ac:picMkLst>
             <pc:docMk/>
             <pc:sldMk cId="542090854" sldId="256"/>
@@ -531,7 +673,7 @@
           </ac:picMkLst>
         </pc:picChg>
         <pc:picChg chg="mod">
-          <ac:chgData name="Joy DiFranza" userId="501b6ac7ae2a39ee" providerId="LiveId" clId="{EA4B0CD5-DD6E-472D-8434-D554C9FD8ECF}" dt="2022-07-25T00:09:44.352" v="140" actId="165"/>
+          <ac:chgData name="Joy DiFranza" userId="501b6ac7ae2a39ee" providerId="LiveId" clId="{EA4B0CD5-DD6E-472D-8434-D554C9FD8ECF}" dt="2022-07-25T21:32:33.092" v="249" actId="165"/>
           <ac:picMkLst>
             <pc:docMk/>
             <pc:sldMk cId="542090854" sldId="256"/>
@@ -539,13 +681,188 @@
           </ac:picMkLst>
         </pc:picChg>
         <pc:picChg chg="mod">
-          <ac:chgData name="Joy DiFranza" userId="501b6ac7ae2a39ee" providerId="LiveId" clId="{EA4B0CD5-DD6E-472D-8434-D554C9FD8ECF}" dt="2022-07-25T00:09:44.352" v="140" actId="165"/>
+          <ac:chgData name="Joy DiFranza" userId="501b6ac7ae2a39ee" providerId="LiveId" clId="{EA4B0CD5-DD6E-472D-8434-D554C9FD8ECF}" dt="2022-07-25T21:32:33.092" v="249" actId="165"/>
           <ac:picMkLst>
             <pc:docMk/>
             <pc:sldMk cId="542090854" sldId="256"/>
             <ac:picMk id="13" creationId="{68B48F61-F52C-DAA5-A95B-64E8C0FEFA7D}"/>
           </ac:picMkLst>
         </pc:picChg>
+      </pc:sldChg>
+      <pc:sldChg chg="addSp delSp modSp new mod">
+        <pc:chgData name="Joy DiFranza" userId="501b6ac7ae2a39ee" providerId="LiveId" clId="{EA4B0CD5-DD6E-472D-8434-D554C9FD8ECF}" dt="2022-07-27T03:12:34.920" v="510" actId="1076"/>
+        <pc:sldMkLst>
+          <pc:docMk/>
+          <pc:sldMk cId="2536962033" sldId="257"/>
+        </pc:sldMkLst>
+        <pc:spChg chg="del">
+          <ac:chgData name="Joy DiFranza" userId="501b6ac7ae2a39ee" providerId="LiveId" clId="{EA4B0CD5-DD6E-472D-8434-D554C9FD8ECF}" dt="2022-07-26T19:09:06.609" v="323" actId="478"/>
+          <ac:spMkLst>
+            <pc:docMk/>
+            <pc:sldMk cId="2536962033" sldId="257"/>
+            <ac:spMk id="2" creationId="{A659B81C-8FEC-DECC-DAE3-54DC4ED21673}"/>
+          </ac:spMkLst>
+        </pc:spChg>
+        <pc:spChg chg="del">
+          <ac:chgData name="Joy DiFranza" userId="501b6ac7ae2a39ee" providerId="LiveId" clId="{EA4B0CD5-DD6E-472D-8434-D554C9FD8ECF}" dt="2022-07-26T19:09:07.946" v="324" actId="478"/>
+          <ac:spMkLst>
+            <pc:docMk/>
+            <pc:sldMk cId="2536962033" sldId="257"/>
+            <ac:spMk id="3" creationId="{61506201-3196-8948-A156-BA0D905DD3C2}"/>
+          </ac:spMkLst>
+        </pc:spChg>
+        <pc:spChg chg="mod topLvl">
+          <ac:chgData name="Joy DiFranza" userId="501b6ac7ae2a39ee" providerId="LiveId" clId="{EA4B0CD5-DD6E-472D-8434-D554C9FD8ECF}" dt="2022-07-27T03:12:20.711" v="508" actId="208"/>
+          <ac:spMkLst>
+            <pc:docMk/>
+            <pc:sldMk cId="2536962033" sldId="257"/>
+            <ac:spMk id="24" creationId="{F2E7603F-D784-978D-7DEE-72F61C5745AF}"/>
+          </ac:spMkLst>
+        </pc:spChg>
+        <pc:spChg chg="mod topLvl">
+          <ac:chgData name="Joy DiFranza" userId="501b6ac7ae2a39ee" providerId="LiveId" clId="{EA4B0CD5-DD6E-472D-8434-D554C9FD8ECF}" dt="2022-07-27T03:12:20.711" v="508" actId="208"/>
+          <ac:spMkLst>
+            <pc:docMk/>
+            <pc:sldMk cId="2536962033" sldId="257"/>
+            <ac:spMk id="25" creationId="{E3908099-2722-D490-223D-5F22205DD3F4}"/>
+          </ac:spMkLst>
+        </pc:spChg>
+        <pc:grpChg chg="add del mod">
+          <ac:chgData name="Joy DiFranza" userId="501b6ac7ae2a39ee" providerId="LiveId" clId="{EA4B0CD5-DD6E-472D-8434-D554C9FD8ECF}" dt="2022-07-27T03:12:34.920" v="510" actId="1076"/>
+          <ac:grpSpMkLst>
+            <pc:docMk/>
+            <pc:sldMk cId="2536962033" sldId="257"/>
+            <ac:grpSpMk id="23" creationId="{FB22DE93-6ADB-BBF8-1375-EB42AE103476}"/>
+          </ac:grpSpMkLst>
+        </pc:grpChg>
+        <pc:grpChg chg="add mod ord topLvl">
+          <ac:chgData name="Joy DiFranza" userId="501b6ac7ae2a39ee" providerId="LiveId" clId="{EA4B0CD5-DD6E-472D-8434-D554C9FD8ECF}" dt="2022-07-27T03:10:16.744" v="495" actId="688"/>
+          <ac:grpSpMkLst>
+            <pc:docMk/>
+            <pc:sldMk cId="2536962033" sldId="257"/>
+            <ac:grpSpMk id="28" creationId="{0F39D4B5-1D69-8471-1F84-A00BC82A97DB}"/>
+          </ac:grpSpMkLst>
+        </pc:grpChg>
+        <pc:grpChg chg="add del mod">
+          <ac:chgData name="Joy DiFranza" userId="501b6ac7ae2a39ee" providerId="LiveId" clId="{EA4B0CD5-DD6E-472D-8434-D554C9FD8ECF}" dt="2022-07-27T03:08:53.130" v="485" actId="165"/>
+          <ac:grpSpMkLst>
+            <pc:docMk/>
+            <pc:sldMk cId="2536962033" sldId="257"/>
+            <ac:grpSpMk id="33" creationId="{C152FB0C-9CF5-95B7-B497-4C1DC673F4FB}"/>
+          </ac:grpSpMkLst>
+        </pc:grpChg>
+        <pc:picChg chg="add mod">
+          <ac:chgData name="Joy DiFranza" userId="501b6ac7ae2a39ee" providerId="LiveId" clId="{EA4B0CD5-DD6E-472D-8434-D554C9FD8ECF}" dt="2022-07-27T03:12:02.918" v="505" actId="1076"/>
+          <ac:picMkLst>
+            <pc:docMk/>
+            <pc:sldMk cId="2536962033" sldId="257"/>
+            <ac:picMk id="3" creationId="{8F50E144-2C35-CCED-6E65-685BD4A0FE08}"/>
+          </ac:picMkLst>
+        </pc:picChg>
+        <pc:picChg chg="add mod modCrop">
+          <ac:chgData name="Joy DiFranza" userId="501b6ac7ae2a39ee" providerId="LiveId" clId="{EA4B0CD5-DD6E-472D-8434-D554C9FD8ECF}" dt="2022-07-26T19:17:52.887" v="334" actId="1076"/>
+          <ac:picMkLst>
+            <pc:docMk/>
+            <pc:sldMk cId="2536962033" sldId="257"/>
+            <ac:picMk id="5" creationId="{FB318DB4-D8B2-EF7B-9B35-E0864E9A16B3}"/>
+          </ac:picMkLst>
+        </pc:picChg>
+        <pc:picChg chg="add mod topLvl modCrop">
+          <ac:chgData name="Joy DiFranza" userId="501b6ac7ae2a39ee" providerId="LiveId" clId="{EA4B0CD5-DD6E-472D-8434-D554C9FD8ECF}" dt="2022-07-27T03:08:53.130" v="485" actId="165"/>
+          <ac:picMkLst>
+            <pc:docMk/>
+            <pc:sldMk cId="2536962033" sldId="257"/>
+            <ac:picMk id="7" creationId="{03914BDF-1233-4221-8DDB-D5D9AF8FFF9F}"/>
+          </ac:picMkLst>
+        </pc:picChg>
+        <pc:picChg chg="add mod">
+          <ac:chgData name="Joy DiFranza" userId="501b6ac7ae2a39ee" providerId="LiveId" clId="{EA4B0CD5-DD6E-472D-8434-D554C9FD8ECF}" dt="2022-07-26T19:39:35.014" v="345" actId="1076"/>
+          <ac:picMkLst>
+            <pc:docMk/>
+            <pc:sldMk cId="2536962033" sldId="257"/>
+            <ac:picMk id="9" creationId="{B7FA97DF-C8F6-9303-13DF-68718B20C506}"/>
+          </ac:picMkLst>
+        </pc:picChg>
+        <pc:picChg chg="add mod modCrop">
+          <ac:chgData name="Joy DiFranza" userId="501b6ac7ae2a39ee" providerId="LiveId" clId="{EA4B0CD5-DD6E-472D-8434-D554C9FD8ECF}" dt="2022-07-26T19:42:09.430" v="365" actId="1076"/>
+          <ac:picMkLst>
+            <pc:docMk/>
+            <pc:sldMk cId="2536962033" sldId="257"/>
+            <ac:picMk id="10" creationId="{37EBCC8E-CCC4-0197-F6B3-13B827E5E311}"/>
+          </ac:picMkLst>
+        </pc:picChg>
+        <pc:picChg chg="add mod">
+          <ac:chgData name="Joy DiFranza" userId="501b6ac7ae2a39ee" providerId="LiveId" clId="{EA4B0CD5-DD6E-472D-8434-D554C9FD8ECF}" dt="2022-07-27T03:10:46.919" v="497" actId="14100"/>
+          <ac:picMkLst>
+            <pc:docMk/>
+            <pc:sldMk cId="2536962033" sldId="257"/>
+            <ac:picMk id="12" creationId="{A6623F25-1F80-DD8E-91F7-A8EA1A3ABD06}"/>
+          </ac:picMkLst>
+        </pc:picChg>
+        <pc:picChg chg="add del mod">
+          <ac:chgData name="Joy DiFranza" userId="501b6ac7ae2a39ee" providerId="LiveId" clId="{EA4B0CD5-DD6E-472D-8434-D554C9FD8ECF}" dt="2022-07-26T19:44:44.941" v="391" actId="27803"/>
+          <ac:picMkLst>
+            <pc:docMk/>
+            <pc:sldMk cId="2536962033" sldId="257"/>
+            <ac:picMk id="14" creationId="{624DB56B-153F-D3DC-74DD-8349296C0A36}"/>
+          </ac:picMkLst>
+        </pc:picChg>
+        <pc:picChg chg="add mod">
+          <ac:chgData name="Joy DiFranza" userId="501b6ac7ae2a39ee" providerId="LiveId" clId="{EA4B0CD5-DD6E-472D-8434-D554C9FD8ECF}" dt="2022-07-26T19:42:12.646" v="367" actId="1076"/>
+          <ac:picMkLst>
+            <pc:docMk/>
+            <pc:sldMk cId="2536962033" sldId="257"/>
+            <ac:picMk id="16" creationId="{D2BED891-8C98-89DF-C232-6FC5B974C883}"/>
+          </ac:picMkLst>
+        </pc:picChg>
+        <pc:picChg chg="add mod">
+          <ac:chgData name="Joy DiFranza" userId="501b6ac7ae2a39ee" providerId="LiveId" clId="{EA4B0CD5-DD6E-472D-8434-D554C9FD8ECF}" dt="2022-07-26T19:42:10.783" v="366" actId="1076"/>
+          <ac:picMkLst>
+            <pc:docMk/>
+            <pc:sldMk cId="2536962033" sldId="257"/>
+            <ac:picMk id="18" creationId="{0AC0D4B8-1831-7DB2-1CE7-2ECD4264E891}"/>
+          </ac:picMkLst>
+        </pc:picChg>
+        <pc:picChg chg="add mod">
+          <ac:chgData name="Joy DiFranza" userId="501b6ac7ae2a39ee" providerId="LiveId" clId="{EA4B0CD5-DD6E-472D-8434-D554C9FD8ECF}" dt="2022-07-26T19:42:41.912" v="370" actId="1076"/>
+          <ac:picMkLst>
+            <pc:docMk/>
+            <pc:sldMk cId="2536962033" sldId="257"/>
+            <ac:picMk id="20" creationId="{4FE77FF6-DAE5-F2AE-03B5-119401C995FA}"/>
+          </ac:picMkLst>
+        </pc:picChg>
+        <pc:picChg chg="add mod modCrop">
+          <ac:chgData name="Joy DiFranza" userId="501b6ac7ae2a39ee" providerId="LiveId" clId="{EA4B0CD5-DD6E-472D-8434-D554C9FD8ECF}" dt="2022-07-27T03:08:53.130" v="485" actId="165"/>
+          <ac:picMkLst>
+            <pc:docMk/>
+            <pc:sldMk cId="2536962033" sldId="257"/>
+            <ac:picMk id="22" creationId="{ED15DF32-83E3-2276-6E53-FE5F57CA9426}"/>
+          </ac:picMkLst>
+        </pc:picChg>
+        <pc:picChg chg="add mod">
+          <ac:chgData name="Joy DiFranza" userId="501b6ac7ae2a39ee" providerId="LiveId" clId="{EA4B0CD5-DD6E-472D-8434-D554C9FD8ECF}" dt="2022-07-27T03:08:53.130" v="485" actId="165"/>
+          <ac:picMkLst>
+            <pc:docMk/>
+            <pc:sldMk cId="2536962033" sldId="257"/>
+            <ac:picMk id="27" creationId="{95C7C987-76AA-C500-DE55-21D60E9E1E3C}"/>
+          </ac:picMkLst>
+        </pc:picChg>
+        <pc:cxnChg chg="add del mod">
+          <ac:chgData name="Joy DiFranza" userId="501b6ac7ae2a39ee" providerId="LiveId" clId="{EA4B0CD5-DD6E-472D-8434-D554C9FD8ECF}" dt="2022-07-26T19:54:07.358" v="431" actId="478"/>
+          <ac:cxnSpMkLst>
+            <pc:docMk/>
+            <pc:sldMk cId="2536962033" sldId="257"/>
+            <ac:cxnSpMk id="30" creationId="{7FD11590-9ED9-6227-E900-A89E175B3906}"/>
+          </ac:cxnSpMkLst>
+        </pc:cxnChg>
+        <pc:cxnChg chg="add del mod">
+          <ac:chgData name="Joy DiFranza" userId="501b6ac7ae2a39ee" providerId="LiveId" clId="{EA4B0CD5-DD6E-472D-8434-D554C9FD8ECF}" dt="2022-07-26T19:58:43.329" v="482" actId="478"/>
+          <ac:cxnSpMkLst>
+            <pc:docMk/>
+            <pc:sldMk cId="2536962033" sldId="257"/>
+            <ac:cxnSpMk id="32" creationId="{1A95C30E-2F18-F8B4-9521-0EDBC6F8837C}"/>
+          </ac:cxnSpMkLst>
+        </pc:cxnChg>
       </pc:sldChg>
     </pc:docChg>
   </pc:docChgLst>
@@ -699,7 +1016,7 @@
           <a:p>
             <a:fld id="{B0491D98-C25C-45E2-89F1-45B0CEFF5870}" type="datetimeFigureOut">
               <a:rPr lang="en-US" smtClean="0"/>
-              <a:t>7/24/2022</a:t>
+              <a:t>7/26/2022</a:t>
             </a:fld>
             <a:endParaRPr lang="en-US"/>
           </a:p>
@@ -897,7 +1214,7 @@
           <a:p>
             <a:fld id="{B0491D98-C25C-45E2-89F1-45B0CEFF5870}" type="datetimeFigureOut">
               <a:rPr lang="en-US" smtClean="0"/>
-              <a:t>7/24/2022</a:t>
+              <a:t>7/26/2022</a:t>
             </a:fld>
             <a:endParaRPr lang="en-US"/>
           </a:p>
@@ -1105,7 +1422,7 @@
           <a:p>
             <a:fld id="{B0491D98-C25C-45E2-89F1-45B0CEFF5870}" type="datetimeFigureOut">
               <a:rPr lang="en-US" smtClean="0"/>
-              <a:t>7/24/2022</a:t>
+              <a:t>7/26/2022</a:t>
             </a:fld>
             <a:endParaRPr lang="en-US"/>
           </a:p>
@@ -1303,7 +1620,7 @@
           <a:p>
             <a:fld id="{B0491D98-C25C-45E2-89F1-45B0CEFF5870}" type="datetimeFigureOut">
               <a:rPr lang="en-US" smtClean="0"/>
-              <a:t>7/24/2022</a:t>
+              <a:t>7/26/2022</a:t>
             </a:fld>
             <a:endParaRPr lang="en-US"/>
           </a:p>
@@ -1578,7 +1895,7 @@
           <a:p>
             <a:fld id="{B0491D98-C25C-45E2-89F1-45B0CEFF5870}" type="datetimeFigureOut">
               <a:rPr lang="en-US" smtClean="0"/>
-              <a:t>7/24/2022</a:t>
+              <a:t>7/26/2022</a:t>
             </a:fld>
             <a:endParaRPr lang="en-US"/>
           </a:p>
@@ -1843,7 +2160,7 @@
           <a:p>
             <a:fld id="{B0491D98-C25C-45E2-89F1-45B0CEFF5870}" type="datetimeFigureOut">
               <a:rPr lang="en-US" smtClean="0"/>
-              <a:t>7/24/2022</a:t>
+              <a:t>7/26/2022</a:t>
             </a:fld>
             <a:endParaRPr lang="en-US"/>
           </a:p>
@@ -2255,7 +2572,7 @@
           <a:p>
             <a:fld id="{B0491D98-C25C-45E2-89F1-45B0CEFF5870}" type="datetimeFigureOut">
               <a:rPr lang="en-US" smtClean="0"/>
-              <a:t>7/24/2022</a:t>
+              <a:t>7/26/2022</a:t>
             </a:fld>
             <a:endParaRPr lang="en-US"/>
           </a:p>
@@ -2396,7 +2713,7 @@
           <a:p>
             <a:fld id="{B0491D98-C25C-45E2-89F1-45B0CEFF5870}" type="datetimeFigureOut">
               <a:rPr lang="en-US" smtClean="0"/>
-              <a:t>7/24/2022</a:t>
+              <a:t>7/26/2022</a:t>
             </a:fld>
             <a:endParaRPr lang="en-US"/>
           </a:p>
@@ -2509,7 +2826,7 @@
           <a:p>
             <a:fld id="{B0491D98-C25C-45E2-89F1-45B0CEFF5870}" type="datetimeFigureOut">
               <a:rPr lang="en-US" smtClean="0"/>
-              <a:t>7/24/2022</a:t>
+              <a:t>7/26/2022</a:t>
             </a:fld>
             <a:endParaRPr lang="en-US"/>
           </a:p>
@@ -2820,7 +3137,7 @@
           <a:p>
             <a:fld id="{B0491D98-C25C-45E2-89F1-45B0CEFF5870}" type="datetimeFigureOut">
               <a:rPr lang="en-US" smtClean="0"/>
-              <a:t>7/24/2022</a:t>
+              <a:t>7/26/2022</a:t>
             </a:fld>
             <a:endParaRPr lang="en-US"/>
           </a:p>
@@ -3108,7 +3425,7 @@
           <a:p>
             <a:fld id="{B0491D98-C25C-45E2-89F1-45B0CEFF5870}" type="datetimeFigureOut">
               <a:rPr lang="en-US" smtClean="0"/>
-              <a:t>7/24/2022</a:t>
+              <a:t>7/26/2022</a:t>
             </a:fld>
             <a:endParaRPr lang="en-US"/>
           </a:p>
@@ -3349,7 +3666,7 @@
           <a:p>
             <a:fld id="{B0491D98-C25C-45E2-89F1-45B0CEFF5870}" type="datetimeFigureOut">
               <a:rPr lang="en-US" smtClean="0"/>
-              <a:t>7/24/2022</a:t>
+              <a:t>7/26/2022</a:t>
             </a:fld>
             <a:endParaRPr lang="en-US"/>
           </a:p>
@@ -3863,10 +4180,10 @@
       </p:pic>
       <p:grpSp>
         <p:nvGrpSpPr>
-          <p:cNvPr id="69" name="Group 68">
-            <a:extLst>
-              <a:ext uri="{FF2B5EF4-FFF2-40B4-BE49-F238E27FC236}">
-                <a16:creationId xmlns:a16="http://schemas.microsoft.com/office/drawing/2014/main" id="{C3DE0477-F2C4-3103-424D-6830C5413883}"/>
+          <p:cNvPr id="61" name="Group 60">
+            <a:extLst>
+              <a:ext uri="{FF2B5EF4-FFF2-40B4-BE49-F238E27FC236}">
+                <a16:creationId xmlns:a16="http://schemas.microsoft.com/office/drawing/2014/main" id="{3AE9D064-BE1A-2C56-E71F-DC69A5A4E1D3}"/>
               </a:ext>
             </a:extLst>
           </p:cNvPr>
@@ -3875,18 +4192,18 @@
         </p:nvGrpSpPr>
         <p:grpSpPr>
           <a:xfrm>
-            <a:off x="898251" y="987547"/>
-            <a:ext cx="2485860" cy="4566359"/>
-            <a:chOff x="898251" y="987547"/>
-            <a:chExt cx="2485860" cy="4566359"/>
+            <a:off x="903976" y="3633634"/>
+            <a:ext cx="1665649" cy="754474"/>
+            <a:chOff x="903976" y="3633253"/>
+            <a:chExt cx="1665649" cy="754474"/>
           </a:xfrm>
         </p:grpSpPr>
         <p:grpSp>
           <p:nvGrpSpPr>
-            <p:cNvPr id="61" name="Group 60">
+            <p:cNvPr id="60" name="Group 59">
               <a:extLst>
                 <a:ext uri="{FF2B5EF4-FFF2-40B4-BE49-F238E27FC236}">
-                  <a16:creationId xmlns:a16="http://schemas.microsoft.com/office/drawing/2014/main" id="{3AE9D064-BE1A-2C56-E71F-DC69A5A4E1D3}"/>
+                  <a16:creationId xmlns:a16="http://schemas.microsoft.com/office/drawing/2014/main" id="{A4F537C5-5A4F-2B33-9A6C-F3E2322F7471}"/>
                 </a:ext>
               </a:extLst>
             </p:cNvPr>
@@ -3895,315 +4212,186 @@
           </p:nvGrpSpPr>
           <p:grpSpPr>
             <a:xfrm>
-              <a:off x="903976" y="3633634"/>
-              <a:ext cx="1665649" cy="754474"/>
-              <a:chOff x="903976" y="3633253"/>
-              <a:chExt cx="1665649" cy="754474"/>
+              <a:off x="910234" y="3864191"/>
+              <a:ext cx="804238" cy="523536"/>
+              <a:chOff x="910234" y="3864191"/>
+              <a:chExt cx="804238" cy="523536"/>
             </a:xfrm>
           </p:grpSpPr>
-          <p:grpSp>
-            <p:nvGrpSpPr>
-              <p:cNvPr id="60" name="Group 59">
+          <p:sp>
+            <p:nvSpPr>
+              <p:cNvPr id="17" name="Rectangle 16">
                 <a:extLst>
                   <a:ext uri="{FF2B5EF4-FFF2-40B4-BE49-F238E27FC236}">
-                    <a16:creationId xmlns:a16="http://schemas.microsoft.com/office/drawing/2014/main" id="{A4F537C5-5A4F-2B33-9A6C-F3E2322F7471}"/>
+                    <a16:creationId xmlns:a16="http://schemas.microsoft.com/office/drawing/2014/main" id="{6772B2C9-7DB9-8F31-F761-631D75DC2345}"/>
                   </a:ext>
                 </a:extLst>
               </p:cNvPr>
-              <p:cNvGrpSpPr/>
+              <p:cNvSpPr/>
               <p:nvPr/>
-            </p:nvGrpSpPr>
-            <p:grpSpPr>
+            </p:nvSpPr>
+            <p:spPr>
               <a:xfrm>
-                <a:off x="910234" y="3864191"/>
-                <a:ext cx="804238" cy="523536"/>
-                <a:chOff x="910234" y="3864191"/>
-                <a:chExt cx="804238" cy="523536"/>
+                <a:off x="910236" y="3898790"/>
+                <a:ext cx="118872" cy="118872"/>
               </a:xfrm>
-            </p:grpSpPr>
-            <p:sp>
-              <p:nvSpPr>
-                <p:cNvPr id="17" name="Rectangle 16">
-                  <a:extLst>
-                    <a:ext uri="{FF2B5EF4-FFF2-40B4-BE49-F238E27FC236}">
-                      <a16:creationId xmlns:a16="http://schemas.microsoft.com/office/drawing/2014/main" id="{6772B2C9-7DB9-8F31-F761-631D75DC2345}"/>
-                    </a:ext>
-                  </a:extLst>
-                </p:cNvPr>
-                <p:cNvSpPr/>
-                <p:nvPr/>
-              </p:nvSpPr>
-              <p:spPr>
-                <a:xfrm>
-                  <a:off x="910236" y="3898790"/>
-                  <a:ext cx="118872" cy="118872"/>
-                </a:xfrm>
-                <a:prstGeom prst="rect">
-                  <a:avLst/>
-                </a:prstGeom>
+              <a:prstGeom prst="rect">
+                <a:avLst/>
+              </a:prstGeom>
+              <a:solidFill>
+                <a:srgbClr val="B4C9A5"/>
+              </a:solidFill>
+              <a:ln w="6350">
                 <a:solidFill>
-                  <a:srgbClr val="B4C9A5"/>
+                  <a:schemeClr val="bg2">
+                    <a:lumMod val="50000"/>
+                  </a:schemeClr>
                 </a:solidFill>
-                <a:ln w="6350">
-                  <a:solidFill>
-                    <a:schemeClr val="bg2">
-                      <a:lumMod val="50000"/>
-                    </a:schemeClr>
-                  </a:solidFill>
-                </a:ln>
-              </p:spPr>
-              <p:style>
-                <a:lnRef idx="2">
-                  <a:schemeClr val="accent1">
-                    <a:shade val="50000"/>
-                  </a:schemeClr>
-                </a:lnRef>
-                <a:fillRef idx="1">
-                  <a:schemeClr val="accent1"/>
-                </a:fillRef>
-                <a:effectRef idx="0">
-                  <a:schemeClr val="accent1"/>
-                </a:effectRef>
-                <a:fontRef idx="minor">
-                  <a:schemeClr val="lt1"/>
-                </a:fontRef>
-              </p:style>
-              <p:txBody>
-                <a:bodyPr rtlCol="0" anchor="ctr"/>
-                <a:lstStyle/>
-                <a:p>
-                  <a:pPr algn="ctr"/>
-                  <a:endParaRPr lang="en-US" dirty="0"/>
-                </a:p>
-              </p:txBody>
-            </p:sp>
-            <p:sp>
-              <p:nvSpPr>
-                <p:cNvPr id="18" name="Rectangle 17">
-                  <a:extLst>
-                    <a:ext uri="{FF2B5EF4-FFF2-40B4-BE49-F238E27FC236}">
-                      <a16:creationId xmlns:a16="http://schemas.microsoft.com/office/drawing/2014/main" id="{6AF2C28C-3030-7D52-CEE9-A3F793BDF992}"/>
-                    </a:ext>
-                  </a:extLst>
-                </p:cNvPr>
-                <p:cNvSpPr/>
-                <p:nvPr/>
-              </p:nvSpPr>
-              <p:spPr>
-                <a:xfrm>
-                  <a:off x="910235" y="4066359"/>
-                  <a:ext cx="118872" cy="118872"/>
-                </a:xfrm>
-                <a:prstGeom prst="rect">
-                  <a:avLst/>
-                </a:prstGeom>
-                <a:solidFill>
-                  <a:srgbClr val="FFFF92"/>
-                </a:solidFill>
-                <a:ln w="6350">
-                  <a:solidFill>
-                    <a:schemeClr val="bg2">
-                      <a:lumMod val="50000"/>
-                    </a:schemeClr>
-                  </a:solidFill>
-                </a:ln>
-              </p:spPr>
-              <p:style>
-                <a:lnRef idx="2">
-                  <a:schemeClr val="accent1">
-                    <a:shade val="50000"/>
-                  </a:schemeClr>
-                </a:lnRef>
-                <a:fillRef idx="1">
-                  <a:schemeClr val="accent1"/>
-                </a:fillRef>
-                <a:effectRef idx="0">
-                  <a:schemeClr val="accent1"/>
-                </a:effectRef>
-                <a:fontRef idx="minor">
-                  <a:schemeClr val="lt1"/>
-                </a:fontRef>
-              </p:style>
-              <p:txBody>
-                <a:bodyPr rtlCol="0" anchor="ctr"/>
-                <a:lstStyle/>
-                <a:p>
-                  <a:pPr algn="ctr"/>
-                  <a:endParaRPr lang="en-US"/>
-                </a:p>
-              </p:txBody>
-            </p:sp>
-            <p:sp>
-              <p:nvSpPr>
-                <p:cNvPr id="19" name="Rectangle 18">
-                  <a:extLst>
-                    <a:ext uri="{FF2B5EF4-FFF2-40B4-BE49-F238E27FC236}">
-                      <a16:creationId xmlns:a16="http://schemas.microsoft.com/office/drawing/2014/main" id="{C9393C85-896E-0D8B-221B-8E00ABCBF1A3}"/>
-                    </a:ext>
-                  </a:extLst>
-                </p:cNvPr>
-                <p:cNvSpPr/>
-                <p:nvPr/>
-              </p:nvSpPr>
-              <p:spPr>
-                <a:xfrm>
-                  <a:off x="910234" y="4233928"/>
-                  <a:ext cx="118872" cy="118872"/>
-                </a:xfrm>
-                <a:prstGeom prst="rect">
-                  <a:avLst/>
-                </a:prstGeom>
-                <a:solidFill>
-                  <a:srgbClr val="BEBEBE"/>
-                </a:solidFill>
-                <a:ln w="6350">
-                  <a:solidFill>
-                    <a:schemeClr val="bg2">
-                      <a:lumMod val="50000"/>
-                    </a:schemeClr>
-                  </a:solidFill>
-                </a:ln>
-              </p:spPr>
-              <p:style>
-                <a:lnRef idx="2">
-                  <a:schemeClr val="accent1">
-                    <a:shade val="50000"/>
-                  </a:schemeClr>
-                </a:lnRef>
-                <a:fillRef idx="1">
-                  <a:schemeClr val="accent1"/>
-                </a:fillRef>
-                <a:effectRef idx="0">
-                  <a:schemeClr val="accent1"/>
-                </a:effectRef>
-                <a:fontRef idx="minor">
-                  <a:schemeClr val="lt1"/>
-                </a:fontRef>
-              </p:style>
-              <p:txBody>
-                <a:bodyPr rtlCol="0" anchor="ctr"/>
-                <a:lstStyle/>
-                <a:p>
-                  <a:pPr algn="ctr"/>
-                  <a:endParaRPr lang="en-US"/>
-                </a:p>
-              </p:txBody>
-            </p:sp>
-            <p:sp>
-              <p:nvSpPr>
-                <p:cNvPr id="21" name="TextBox 20">
-                  <a:extLst>
-                    <a:ext uri="{FF2B5EF4-FFF2-40B4-BE49-F238E27FC236}">
-                      <a16:creationId xmlns:a16="http://schemas.microsoft.com/office/drawing/2014/main" id="{A8FA2B49-C4FB-15DC-6B83-2D7AC1F5E4F7}"/>
-                    </a:ext>
-                  </a:extLst>
-                </p:cNvPr>
-                <p:cNvSpPr txBox="1"/>
-                <p:nvPr/>
-              </p:nvSpPr>
-              <p:spPr>
-                <a:xfrm>
-                  <a:off x="1073596" y="3864191"/>
-                  <a:ext cx="640876" cy="184666"/>
-                </a:xfrm>
-                <a:prstGeom prst="rect">
-                  <a:avLst/>
-                </a:prstGeom>
-                <a:noFill/>
-              </p:spPr>
-              <p:txBody>
-                <a:bodyPr wrap="square" lIns="0" tIns="0" rIns="0" bIns="0" rtlCol="0">
-                  <a:spAutoFit/>
-                </a:bodyPr>
-                <a:lstStyle/>
-                <a:p>
-                  <a:r>
-                    <a:rPr lang="en-US" sz="1200" dirty="0"/>
-                    <a:t>Federal</a:t>
-                  </a:r>
-                  <a:endParaRPr lang="en-US" sz="900" dirty="0"/>
-                </a:p>
-              </p:txBody>
-            </p:sp>
-            <p:sp>
-              <p:nvSpPr>
-                <p:cNvPr id="22" name="TextBox 21">
-                  <a:extLst>
-                    <a:ext uri="{FF2B5EF4-FFF2-40B4-BE49-F238E27FC236}">
-                      <a16:creationId xmlns:a16="http://schemas.microsoft.com/office/drawing/2014/main" id="{6DB62C51-FE8F-00EF-C87F-A0BD265D1E91}"/>
-                    </a:ext>
-                  </a:extLst>
-                </p:cNvPr>
-                <p:cNvSpPr txBox="1"/>
-                <p:nvPr/>
-              </p:nvSpPr>
-              <p:spPr>
-                <a:xfrm>
-                  <a:off x="1071063" y="4035802"/>
-                  <a:ext cx="590391" cy="184666"/>
-                </a:xfrm>
-                <a:prstGeom prst="rect">
-                  <a:avLst/>
-                </a:prstGeom>
-                <a:noFill/>
-              </p:spPr>
-              <p:txBody>
-                <a:bodyPr wrap="square" lIns="0" tIns="0" rIns="0" bIns="0" rtlCol="0">
-                  <a:spAutoFit/>
-                </a:bodyPr>
-                <a:lstStyle/>
-                <a:p>
-                  <a:r>
-                    <a:rPr lang="en-US" sz="1200" dirty="0"/>
-                    <a:t>State</a:t>
-                  </a:r>
-                  <a:endParaRPr lang="en-US" sz="900" dirty="0"/>
-                </a:p>
-              </p:txBody>
-            </p:sp>
-            <p:sp>
-              <p:nvSpPr>
-                <p:cNvPr id="23" name="TextBox 22">
-                  <a:extLst>
-                    <a:ext uri="{FF2B5EF4-FFF2-40B4-BE49-F238E27FC236}">
-                      <a16:creationId xmlns:a16="http://schemas.microsoft.com/office/drawing/2014/main" id="{BC94424A-330B-ACA5-31AC-F138495FE7A2}"/>
-                    </a:ext>
-                  </a:extLst>
-                </p:cNvPr>
-                <p:cNvSpPr txBox="1"/>
-                <p:nvPr/>
-              </p:nvSpPr>
-              <p:spPr>
-                <a:xfrm>
-                  <a:off x="1073596" y="4203061"/>
-                  <a:ext cx="587858" cy="184666"/>
-                </a:xfrm>
-                <a:prstGeom prst="rect">
-                  <a:avLst/>
-                </a:prstGeom>
-                <a:noFill/>
-              </p:spPr>
-              <p:txBody>
-                <a:bodyPr wrap="square" lIns="0" tIns="0" rIns="0" bIns="0" rtlCol="0">
-                  <a:spAutoFit/>
-                </a:bodyPr>
-                <a:lstStyle/>
-                <a:p>
-                  <a:r>
-                    <a:rPr lang="en-US" sz="1200" dirty="0"/>
-                    <a:t>Local</a:t>
-                  </a:r>
-                  <a:endParaRPr lang="en-US" sz="900" dirty="0"/>
-                </a:p>
-              </p:txBody>
-            </p:sp>
-          </p:grpSp>
+              </a:ln>
+            </p:spPr>
+            <p:style>
+              <a:lnRef idx="2">
+                <a:schemeClr val="accent1">
+                  <a:shade val="50000"/>
+                </a:schemeClr>
+              </a:lnRef>
+              <a:fillRef idx="1">
+                <a:schemeClr val="accent1"/>
+              </a:fillRef>
+              <a:effectRef idx="0">
+                <a:schemeClr val="accent1"/>
+              </a:effectRef>
+              <a:fontRef idx="minor">
+                <a:schemeClr val="lt1"/>
+              </a:fontRef>
+            </p:style>
+            <p:txBody>
+              <a:bodyPr rtlCol="0" anchor="ctr"/>
+              <a:lstStyle/>
+              <a:p>
+                <a:pPr algn="ctr"/>
+                <a:endParaRPr lang="en-US" dirty="0"/>
+              </a:p>
+            </p:txBody>
+          </p:sp>
           <p:sp>
             <p:nvSpPr>
-              <p:cNvPr id="25" name="TextBox 24">
+              <p:cNvPr id="18" name="Rectangle 17">
                 <a:extLst>
                   <a:ext uri="{FF2B5EF4-FFF2-40B4-BE49-F238E27FC236}">
-                    <a16:creationId xmlns:a16="http://schemas.microsoft.com/office/drawing/2014/main" id="{3A1FFDFC-19D4-CFCB-3369-4C5409D78C11}"/>
+                    <a16:creationId xmlns:a16="http://schemas.microsoft.com/office/drawing/2014/main" id="{6AF2C28C-3030-7D52-CEE9-A3F793BDF992}"/>
+                  </a:ext>
+                </a:extLst>
+              </p:cNvPr>
+              <p:cNvSpPr/>
+              <p:nvPr/>
+            </p:nvSpPr>
+            <p:spPr>
+              <a:xfrm>
+                <a:off x="910235" y="4066359"/>
+                <a:ext cx="118872" cy="118872"/>
+              </a:xfrm>
+              <a:prstGeom prst="rect">
+                <a:avLst/>
+              </a:prstGeom>
+              <a:solidFill>
+                <a:srgbClr val="FFFF92"/>
+              </a:solidFill>
+              <a:ln w="6350">
+                <a:solidFill>
+                  <a:schemeClr val="bg2">
+                    <a:lumMod val="50000"/>
+                  </a:schemeClr>
+                </a:solidFill>
+              </a:ln>
+            </p:spPr>
+            <p:style>
+              <a:lnRef idx="2">
+                <a:schemeClr val="accent1">
+                  <a:shade val="50000"/>
+                </a:schemeClr>
+              </a:lnRef>
+              <a:fillRef idx="1">
+                <a:schemeClr val="accent1"/>
+              </a:fillRef>
+              <a:effectRef idx="0">
+                <a:schemeClr val="accent1"/>
+              </a:effectRef>
+              <a:fontRef idx="minor">
+                <a:schemeClr val="lt1"/>
+              </a:fontRef>
+            </p:style>
+            <p:txBody>
+              <a:bodyPr rtlCol="0" anchor="ctr"/>
+              <a:lstStyle/>
+              <a:p>
+                <a:pPr algn="ctr"/>
+                <a:endParaRPr lang="en-US"/>
+              </a:p>
+            </p:txBody>
+          </p:sp>
+          <p:sp>
+            <p:nvSpPr>
+              <p:cNvPr id="19" name="Rectangle 18">
+                <a:extLst>
+                  <a:ext uri="{FF2B5EF4-FFF2-40B4-BE49-F238E27FC236}">
+                    <a16:creationId xmlns:a16="http://schemas.microsoft.com/office/drawing/2014/main" id="{C9393C85-896E-0D8B-221B-8E00ABCBF1A3}"/>
+                  </a:ext>
+                </a:extLst>
+              </p:cNvPr>
+              <p:cNvSpPr/>
+              <p:nvPr/>
+            </p:nvSpPr>
+            <p:spPr>
+              <a:xfrm>
+                <a:off x="910234" y="4233928"/>
+                <a:ext cx="118872" cy="118872"/>
+              </a:xfrm>
+              <a:prstGeom prst="rect">
+                <a:avLst/>
+              </a:prstGeom>
+              <a:solidFill>
+                <a:srgbClr val="BEBEBE"/>
+              </a:solidFill>
+              <a:ln w="6350">
+                <a:solidFill>
+                  <a:schemeClr val="bg2">
+                    <a:lumMod val="50000"/>
+                  </a:schemeClr>
+                </a:solidFill>
+              </a:ln>
+            </p:spPr>
+            <p:style>
+              <a:lnRef idx="2">
+                <a:schemeClr val="accent1">
+                  <a:shade val="50000"/>
+                </a:schemeClr>
+              </a:lnRef>
+              <a:fillRef idx="1">
+                <a:schemeClr val="accent1"/>
+              </a:fillRef>
+              <a:effectRef idx="0">
+                <a:schemeClr val="accent1"/>
+              </a:effectRef>
+              <a:fontRef idx="minor">
+                <a:schemeClr val="lt1"/>
+              </a:fontRef>
+            </p:style>
+            <p:txBody>
+              <a:bodyPr rtlCol="0" anchor="ctr"/>
+              <a:lstStyle/>
+              <a:p>
+                <a:pPr algn="ctr"/>
+                <a:endParaRPr lang="en-US"/>
+              </a:p>
+            </p:txBody>
+          </p:sp>
+          <p:sp>
+            <p:nvSpPr>
+              <p:cNvPr id="21" name="TextBox 20">
+                <a:extLst>
+                  <a:ext uri="{FF2B5EF4-FFF2-40B4-BE49-F238E27FC236}">
+                    <a16:creationId xmlns:a16="http://schemas.microsoft.com/office/drawing/2014/main" id="{A8FA2B49-C4FB-15DC-6B83-2D7AC1F5E4F7}"/>
                   </a:ext>
                 </a:extLst>
               </p:cNvPr>
@@ -4212,8 +4400,8 @@
             </p:nvSpPr>
             <p:spPr>
               <a:xfrm>
-                <a:off x="903976" y="3633253"/>
-                <a:ext cx="1665649" cy="246221"/>
+                <a:off x="1073596" y="3864191"/>
+                <a:ext cx="640876" cy="184666"/>
               </a:xfrm>
               <a:prstGeom prst="rect">
                 <a:avLst/>
@@ -4221,25 +4409,154 @@
               <a:noFill/>
             </p:spPr>
             <p:txBody>
-              <a:bodyPr wrap="none" lIns="0" tIns="0" rIns="0" bIns="0" rtlCol="0">
+              <a:bodyPr wrap="square" lIns="0" tIns="0" rIns="0" bIns="0" rtlCol="0">
                 <a:spAutoFit/>
               </a:bodyPr>
               <a:lstStyle/>
               <a:p>
                 <a:r>
-                  <a:rPr lang="en-US" sz="1600" dirty="0"/>
-                  <a:t>Responsibility Areas</a:t>
+                  <a:rPr lang="en-US" sz="1200" dirty="0"/>
+                  <a:t>Federal</a:t>
                 </a:r>
+                <a:endParaRPr lang="en-US" sz="900" dirty="0"/>
+              </a:p>
+            </p:txBody>
+          </p:sp>
+          <p:sp>
+            <p:nvSpPr>
+              <p:cNvPr id="22" name="TextBox 21">
+                <a:extLst>
+                  <a:ext uri="{FF2B5EF4-FFF2-40B4-BE49-F238E27FC236}">
+                    <a16:creationId xmlns:a16="http://schemas.microsoft.com/office/drawing/2014/main" id="{6DB62C51-FE8F-00EF-C87F-A0BD265D1E91}"/>
+                  </a:ext>
+                </a:extLst>
+              </p:cNvPr>
+              <p:cNvSpPr txBox="1"/>
+              <p:nvPr/>
+            </p:nvSpPr>
+            <p:spPr>
+              <a:xfrm>
+                <a:off x="1071063" y="4035802"/>
+                <a:ext cx="590391" cy="184666"/>
+              </a:xfrm>
+              <a:prstGeom prst="rect">
+                <a:avLst/>
+              </a:prstGeom>
+              <a:noFill/>
+            </p:spPr>
+            <p:txBody>
+              <a:bodyPr wrap="square" lIns="0" tIns="0" rIns="0" bIns="0" rtlCol="0">
+                <a:spAutoFit/>
+              </a:bodyPr>
+              <a:lstStyle/>
+              <a:p>
+                <a:r>
+                  <a:rPr lang="en-US" sz="1200" dirty="0"/>
+                  <a:t>State</a:t>
+                </a:r>
+                <a:endParaRPr lang="en-US" sz="900" dirty="0"/>
+              </a:p>
+            </p:txBody>
+          </p:sp>
+          <p:sp>
+            <p:nvSpPr>
+              <p:cNvPr id="23" name="TextBox 22">
+                <a:extLst>
+                  <a:ext uri="{FF2B5EF4-FFF2-40B4-BE49-F238E27FC236}">
+                    <a16:creationId xmlns:a16="http://schemas.microsoft.com/office/drawing/2014/main" id="{BC94424A-330B-ACA5-31AC-F138495FE7A2}"/>
+                  </a:ext>
+                </a:extLst>
+              </p:cNvPr>
+              <p:cNvSpPr txBox="1"/>
+              <p:nvPr/>
+            </p:nvSpPr>
+            <p:spPr>
+              <a:xfrm>
+                <a:off x="1073596" y="4203061"/>
+                <a:ext cx="587858" cy="184666"/>
+              </a:xfrm>
+              <a:prstGeom prst="rect">
+                <a:avLst/>
+              </a:prstGeom>
+              <a:noFill/>
+            </p:spPr>
+            <p:txBody>
+              <a:bodyPr wrap="square" lIns="0" tIns="0" rIns="0" bIns="0" rtlCol="0">
+                <a:spAutoFit/>
+              </a:bodyPr>
+              <a:lstStyle/>
+              <a:p>
+                <a:r>
+                  <a:rPr lang="en-US" sz="1200" dirty="0"/>
+                  <a:t>Local</a:t>
+                </a:r>
+                <a:endParaRPr lang="en-US" sz="900" dirty="0"/>
               </a:p>
             </p:txBody>
           </p:sp>
         </p:grpSp>
+        <p:sp>
+          <p:nvSpPr>
+            <p:cNvPr id="25" name="TextBox 24">
+              <a:extLst>
+                <a:ext uri="{FF2B5EF4-FFF2-40B4-BE49-F238E27FC236}">
+                  <a16:creationId xmlns:a16="http://schemas.microsoft.com/office/drawing/2014/main" id="{3A1FFDFC-19D4-CFCB-3369-4C5409D78C11}"/>
+                </a:ext>
+              </a:extLst>
+            </p:cNvPr>
+            <p:cNvSpPr txBox="1"/>
+            <p:nvPr/>
+          </p:nvSpPr>
+          <p:spPr>
+            <a:xfrm>
+              <a:off x="903976" y="3633253"/>
+              <a:ext cx="1665649" cy="246221"/>
+            </a:xfrm>
+            <a:prstGeom prst="rect">
+              <a:avLst/>
+            </a:prstGeom>
+            <a:noFill/>
+          </p:spPr>
+          <p:txBody>
+            <a:bodyPr wrap="none" lIns="0" tIns="0" rIns="0" bIns="0" rtlCol="0">
+              <a:spAutoFit/>
+            </a:bodyPr>
+            <a:lstStyle/>
+            <a:p>
+              <a:r>
+                <a:rPr lang="en-US" sz="1600" dirty="0"/>
+                <a:t>Responsibility Areas</a:t>
+              </a:r>
+            </a:p>
+          </p:txBody>
+        </p:sp>
+      </p:grpSp>
+      <p:grpSp>
+        <p:nvGrpSpPr>
+          <p:cNvPr id="59" name="Group 58">
+            <a:extLst>
+              <a:ext uri="{FF2B5EF4-FFF2-40B4-BE49-F238E27FC236}">
+                <a16:creationId xmlns:a16="http://schemas.microsoft.com/office/drawing/2014/main" id="{2BC5681B-A28F-7130-AC1F-7CE31A9384A6}"/>
+              </a:ext>
+            </a:extLst>
+          </p:cNvPr>
+          <p:cNvGrpSpPr/>
+          <p:nvPr/>
+        </p:nvGrpSpPr>
+        <p:grpSpPr>
+          <a:xfrm>
+            <a:off x="903976" y="4472570"/>
+            <a:ext cx="1530100" cy="1081336"/>
+            <a:chOff x="2911278" y="4684851"/>
+            <a:chExt cx="1530100" cy="1081336"/>
+          </a:xfrm>
+        </p:grpSpPr>
         <p:grpSp>
           <p:nvGrpSpPr>
-            <p:cNvPr id="59" name="Group 58">
+            <p:cNvPr id="37" name="Group 36">
               <a:extLst>
                 <a:ext uri="{FF2B5EF4-FFF2-40B4-BE49-F238E27FC236}">
-                  <a16:creationId xmlns:a16="http://schemas.microsoft.com/office/drawing/2014/main" id="{2BC5681B-A28F-7130-AC1F-7CE31A9384A6}"/>
+                  <a16:creationId xmlns:a16="http://schemas.microsoft.com/office/drawing/2014/main" id="{3388BC74-7711-A4CC-8320-522C58D04B2F}"/>
                 </a:ext>
               </a:extLst>
             </p:cNvPr>
@@ -4248,7 +4565,1387 @@
           </p:nvGrpSpPr>
           <p:grpSpPr>
             <a:xfrm>
-              <a:off x="903976" y="4472570"/>
+              <a:off x="2911278" y="4914471"/>
+              <a:ext cx="990687" cy="851716"/>
+              <a:chOff x="2109861" y="3775786"/>
+              <a:chExt cx="990687" cy="851716"/>
+            </a:xfrm>
+          </p:grpSpPr>
+          <p:sp>
+            <p:nvSpPr>
+              <p:cNvPr id="27" name="Rectangle 26">
+                <a:extLst>
+                  <a:ext uri="{FF2B5EF4-FFF2-40B4-BE49-F238E27FC236}">
+                    <a16:creationId xmlns:a16="http://schemas.microsoft.com/office/drawing/2014/main" id="{F5172A64-A4E8-557C-F904-0FB225EAEFCE}"/>
+                  </a:ext>
+                </a:extLst>
+              </p:cNvPr>
+              <p:cNvSpPr/>
+              <p:nvPr/>
+            </p:nvSpPr>
+            <p:spPr>
+              <a:xfrm>
+                <a:off x="2109863" y="3804409"/>
+                <a:ext cx="118872" cy="118872"/>
+              </a:xfrm>
+              <a:prstGeom prst="rect">
+                <a:avLst/>
+              </a:prstGeom>
+              <a:solidFill>
+                <a:srgbClr val="6BB1D8"/>
+              </a:solidFill>
+              <a:ln w="6350">
+                <a:solidFill>
+                  <a:schemeClr val="bg2">
+                    <a:lumMod val="50000"/>
+                  </a:schemeClr>
+                </a:solidFill>
+              </a:ln>
+            </p:spPr>
+            <p:style>
+              <a:lnRef idx="2">
+                <a:schemeClr val="accent1">
+                  <a:shade val="50000"/>
+                </a:schemeClr>
+              </a:lnRef>
+              <a:fillRef idx="1">
+                <a:schemeClr val="accent1"/>
+              </a:fillRef>
+              <a:effectRef idx="0">
+                <a:schemeClr val="accent1"/>
+              </a:effectRef>
+              <a:fontRef idx="minor">
+                <a:schemeClr val="lt1"/>
+              </a:fontRef>
+            </p:style>
+            <p:txBody>
+              <a:bodyPr rtlCol="0" anchor="ctr"/>
+              <a:lstStyle/>
+              <a:p>
+                <a:pPr algn="ctr"/>
+                <a:endParaRPr lang="en-US" dirty="0"/>
+              </a:p>
+            </p:txBody>
+          </p:sp>
+          <p:sp>
+            <p:nvSpPr>
+              <p:cNvPr id="28" name="Rectangle 27">
+                <a:extLst>
+                  <a:ext uri="{FF2B5EF4-FFF2-40B4-BE49-F238E27FC236}">
+                    <a16:creationId xmlns:a16="http://schemas.microsoft.com/office/drawing/2014/main" id="{B11460F8-82E6-3E88-12A8-B9E5E0EEE49F}"/>
+                  </a:ext>
+                </a:extLst>
+              </p:cNvPr>
+              <p:cNvSpPr/>
+              <p:nvPr/>
+            </p:nvSpPr>
+            <p:spPr>
+              <a:xfrm>
+                <a:off x="2109862" y="3971978"/>
+                <a:ext cx="118872" cy="118872"/>
+              </a:xfrm>
+              <a:prstGeom prst="rect">
+                <a:avLst/>
+              </a:prstGeom>
+              <a:solidFill>
+                <a:srgbClr val="BAE6B6"/>
+              </a:solidFill>
+              <a:ln w="6350">
+                <a:solidFill>
+                  <a:schemeClr val="bg2">
+                    <a:lumMod val="50000"/>
+                  </a:schemeClr>
+                </a:solidFill>
+              </a:ln>
+            </p:spPr>
+            <p:style>
+              <a:lnRef idx="2">
+                <a:schemeClr val="accent1">
+                  <a:shade val="50000"/>
+                </a:schemeClr>
+              </a:lnRef>
+              <a:fillRef idx="1">
+                <a:schemeClr val="accent1"/>
+              </a:fillRef>
+              <a:effectRef idx="0">
+                <a:schemeClr val="accent1"/>
+              </a:effectRef>
+              <a:fontRef idx="minor">
+                <a:schemeClr val="lt1"/>
+              </a:fontRef>
+            </p:style>
+            <p:txBody>
+              <a:bodyPr rtlCol="0" anchor="ctr"/>
+              <a:lstStyle/>
+              <a:p>
+                <a:pPr algn="ctr"/>
+                <a:endParaRPr lang="en-US" dirty="0"/>
+              </a:p>
+            </p:txBody>
+          </p:sp>
+          <p:sp>
+            <p:nvSpPr>
+              <p:cNvPr id="29" name="Rectangle 28">
+                <a:extLst>
+                  <a:ext uri="{FF2B5EF4-FFF2-40B4-BE49-F238E27FC236}">
+                    <a16:creationId xmlns:a16="http://schemas.microsoft.com/office/drawing/2014/main" id="{C06EF9CE-E3FD-EA3E-DF30-02B593A069FE}"/>
+                  </a:ext>
+                </a:extLst>
+              </p:cNvPr>
+              <p:cNvSpPr/>
+              <p:nvPr/>
+            </p:nvSpPr>
+            <p:spPr>
+              <a:xfrm>
+                <a:off x="2109861" y="4139547"/>
+                <a:ext cx="118872" cy="118872"/>
+              </a:xfrm>
+              <a:prstGeom prst="rect">
+                <a:avLst/>
+              </a:prstGeom>
+              <a:solidFill>
+                <a:srgbClr val="F5FABA"/>
+              </a:solidFill>
+              <a:ln w="6350">
+                <a:solidFill>
+                  <a:schemeClr val="bg2">
+                    <a:lumMod val="50000"/>
+                  </a:schemeClr>
+                </a:solidFill>
+              </a:ln>
+            </p:spPr>
+            <p:style>
+              <a:lnRef idx="2">
+                <a:schemeClr val="accent1">
+                  <a:shade val="50000"/>
+                </a:schemeClr>
+              </a:lnRef>
+              <a:fillRef idx="1">
+                <a:schemeClr val="accent1"/>
+              </a:fillRef>
+              <a:effectRef idx="0">
+                <a:schemeClr val="accent1"/>
+              </a:effectRef>
+              <a:fontRef idx="minor">
+                <a:schemeClr val="lt1"/>
+              </a:fontRef>
+            </p:style>
+            <p:txBody>
+              <a:bodyPr rtlCol="0" anchor="ctr"/>
+              <a:lstStyle/>
+              <a:p>
+                <a:pPr algn="ctr"/>
+                <a:endParaRPr lang="en-US" dirty="0"/>
+              </a:p>
+            </p:txBody>
+          </p:sp>
+          <p:sp>
+            <p:nvSpPr>
+              <p:cNvPr id="30" name="TextBox 29">
+                <a:extLst>
+                  <a:ext uri="{FF2B5EF4-FFF2-40B4-BE49-F238E27FC236}">
+                    <a16:creationId xmlns:a16="http://schemas.microsoft.com/office/drawing/2014/main" id="{768064F0-E435-021A-D5AE-B1B32FADA840}"/>
+                  </a:ext>
+                </a:extLst>
+              </p:cNvPr>
+              <p:cNvSpPr txBox="1"/>
+              <p:nvPr/>
+            </p:nvSpPr>
+            <p:spPr>
+              <a:xfrm>
+                <a:off x="2267247" y="3775786"/>
+                <a:ext cx="833301" cy="184666"/>
+              </a:xfrm>
+              <a:prstGeom prst="rect">
+                <a:avLst/>
+              </a:prstGeom>
+              <a:noFill/>
+            </p:spPr>
+            <p:txBody>
+              <a:bodyPr wrap="square" lIns="0" tIns="0" rIns="0" bIns="0" rtlCol="0">
+                <a:spAutoFit/>
+              </a:bodyPr>
+              <a:lstStyle/>
+              <a:p>
+                <a:r>
+                  <a:rPr lang="en-US" sz="1200" dirty="0"/>
+                  <a:t>Low</a:t>
+                </a:r>
+                <a:endParaRPr lang="en-US" sz="1000" dirty="0"/>
+              </a:p>
+            </p:txBody>
+          </p:sp>
+          <p:sp>
+            <p:nvSpPr>
+              <p:cNvPr id="31" name="TextBox 30">
+                <a:extLst>
+                  <a:ext uri="{FF2B5EF4-FFF2-40B4-BE49-F238E27FC236}">
+                    <a16:creationId xmlns:a16="http://schemas.microsoft.com/office/drawing/2014/main" id="{57F09FB8-412F-4962-43E9-B579ED3F894F}"/>
+                  </a:ext>
+                </a:extLst>
+              </p:cNvPr>
+              <p:cNvSpPr txBox="1"/>
+              <p:nvPr/>
+            </p:nvSpPr>
+            <p:spPr>
+              <a:xfrm>
+                <a:off x="2264715" y="3941421"/>
+                <a:ext cx="799852" cy="184666"/>
+              </a:xfrm>
+              <a:prstGeom prst="rect">
+                <a:avLst/>
+              </a:prstGeom>
+              <a:noFill/>
+            </p:spPr>
+            <p:txBody>
+              <a:bodyPr wrap="square" lIns="0" tIns="0" rIns="0" bIns="0" rtlCol="0">
+                <a:spAutoFit/>
+              </a:bodyPr>
+              <a:lstStyle/>
+              <a:p>
+                <a:r>
+                  <a:rPr lang="en-US" sz="1200" dirty="0"/>
+                  <a:t>Moderate</a:t>
+                </a:r>
+                <a:endParaRPr lang="en-US" sz="1000" dirty="0"/>
+              </a:p>
+            </p:txBody>
+          </p:sp>
+          <p:sp>
+            <p:nvSpPr>
+              <p:cNvPr id="32" name="TextBox 31">
+                <a:extLst>
+                  <a:ext uri="{FF2B5EF4-FFF2-40B4-BE49-F238E27FC236}">
+                    <a16:creationId xmlns:a16="http://schemas.microsoft.com/office/drawing/2014/main" id="{95545502-AA9E-E075-D9DB-7032E0027FE9}"/>
+                  </a:ext>
+                </a:extLst>
+              </p:cNvPr>
+              <p:cNvSpPr txBox="1"/>
+              <p:nvPr/>
+            </p:nvSpPr>
+            <p:spPr>
+              <a:xfrm>
+                <a:off x="2267247" y="4108680"/>
+                <a:ext cx="833301" cy="184666"/>
+              </a:xfrm>
+              <a:prstGeom prst="rect">
+                <a:avLst/>
+              </a:prstGeom>
+              <a:noFill/>
+            </p:spPr>
+            <p:txBody>
+              <a:bodyPr wrap="square" lIns="0" tIns="0" rIns="0" bIns="0" rtlCol="0">
+                <a:spAutoFit/>
+              </a:bodyPr>
+              <a:lstStyle/>
+              <a:p>
+                <a:r>
+                  <a:rPr lang="en-US" sz="1200" dirty="0"/>
+                  <a:t>High</a:t>
+                </a:r>
+                <a:endParaRPr lang="en-US" sz="1000" dirty="0"/>
+              </a:p>
+            </p:txBody>
+          </p:sp>
+          <p:sp>
+            <p:nvSpPr>
+              <p:cNvPr id="33" name="Rectangle 32">
+                <a:extLst>
+                  <a:ext uri="{FF2B5EF4-FFF2-40B4-BE49-F238E27FC236}">
+                    <a16:creationId xmlns:a16="http://schemas.microsoft.com/office/drawing/2014/main" id="{40DA98E6-0624-F97F-8427-3118ED47C445}"/>
+                  </a:ext>
+                </a:extLst>
+              </p:cNvPr>
+              <p:cNvSpPr/>
+              <p:nvPr/>
+            </p:nvSpPr>
+            <p:spPr>
+              <a:xfrm>
+                <a:off x="2109861" y="4307116"/>
+                <a:ext cx="118872" cy="118872"/>
+              </a:xfrm>
+              <a:prstGeom prst="rect">
+                <a:avLst/>
+              </a:prstGeom>
+              <a:solidFill>
+                <a:srgbClr val="FABA82"/>
+              </a:solidFill>
+              <a:ln w="6350">
+                <a:solidFill>
+                  <a:schemeClr val="bg2">
+                    <a:lumMod val="50000"/>
+                  </a:schemeClr>
+                </a:solidFill>
+              </a:ln>
+            </p:spPr>
+            <p:style>
+              <a:lnRef idx="2">
+                <a:schemeClr val="accent1">
+                  <a:shade val="50000"/>
+                </a:schemeClr>
+              </a:lnRef>
+              <a:fillRef idx="1">
+                <a:schemeClr val="accent1"/>
+              </a:fillRef>
+              <a:effectRef idx="0">
+                <a:schemeClr val="accent1"/>
+              </a:effectRef>
+              <a:fontRef idx="minor">
+                <a:schemeClr val="lt1"/>
+              </a:fontRef>
+            </p:style>
+            <p:txBody>
+              <a:bodyPr rtlCol="0" anchor="ctr"/>
+              <a:lstStyle/>
+              <a:p>
+                <a:pPr algn="ctr"/>
+                <a:endParaRPr lang="en-US"/>
+              </a:p>
+            </p:txBody>
+          </p:sp>
+          <p:sp>
+            <p:nvSpPr>
+              <p:cNvPr id="34" name="TextBox 33">
+                <a:extLst>
+                  <a:ext uri="{FF2B5EF4-FFF2-40B4-BE49-F238E27FC236}">
+                    <a16:creationId xmlns:a16="http://schemas.microsoft.com/office/drawing/2014/main" id="{B300FDA7-CABB-D07B-00B6-04A41C39E428}"/>
+                  </a:ext>
+                </a:extLst>
+              </p:cNvPr>
+              <p:cNvSpPr txBox="1"/>
+              <p:nvPr/>
+            </p:nvSpPr>
+            <p:spPr>
+              <a:xfrm>
+                <a:off x="2264715" y="4275577"/>
+                <a:ext cx="799852" cy="184666"/>
+              </a:xfrm>
+              <a:prstGeom prst="rect">
+                <a:avLst/>
+              </a:prstGeom>
+              <a:noFill/>
+            </p:spPr>
+            <p:txBody>
+              <a:bodyPr wrap="square" lIns="0" tIns="0" rIns="0" bIns="0" rtlCol="0">
+                <a:spAutoFit/>
+              </a:bodyPr>
+              <a:lstStyle/>
+              <a:p>
+                <a:r>
+                  <a:rPr lang="en-US" sz="1200" dirty="0"/>
+                  <a:t>Very High</a:t>
+                </a:r>
+                <a:endParaRPr lang="en-US" sz="1000" dirty="0"/>
+              </a:p>
+            </p:txBody>
+          </p:sp>
+          <p:sp>
+            <p:nvSpPr>
+              <p:cNvPr id="35" name="Rectangle 34">
+                <a:extLst>
+                  <a:ext uri="{FF2B5EF4-FFF2-40B4-BE49-F238E27FC236}">
+                    <a16:creationId xmlns:a16="http://schemas.microsoft.com/office/drawing/2014/main" id="{5402BFCF-F558-E9E9-6D4E-6BE608EC0D71}"/>
+                  </a:ext>
+                </a:extLst>
+              </p:cNvPr>
+              <p:cNvSpPr/>
+              <p:nvPr/>
+            </p:nvSpPr>
+            <p:spPr>
+              <a:xfrm>
+                <a:off x="2109861" y="4474685"/>
+                <a:ext cx="118872" cy="118872"/>
+              </a:xfrm>
+              <a:prstGeom prst="rect">
+                <a:avLst/>
+              </a:prstGeom>
+              <a:solidFill>
+                <a:srgbClr val="DE6F84"/>
+              </a:solidFill>
+              <a:ln w="6350">
+                <a:solidFill>
+                  <a:schemeClr val="bg2">
+                    <a:lumMod val="50000"/>
+                  </a:schemeClr>
+                </a:solidFill>
+              </a:ln>
+            </p:spPr>
+            <p:style>
+              <a:lnRef idx="2">
+                <a:schemeClr val="accent1">
+                  <a:shade val="50000"/>
+                </a:schemeClr>
+              </a:lnRef>
+              <a:fillRef idx="1">
+                <a:schemeClr val="accent1"/>
+              </a:fillRef>
+              <a:effectRef idx="0">
+                <a:schemeClr val="accent1"/>
+              </a:effectRef>
+              <a:fontRef idx="minor">
+                <a:schemeClr val="lt1"/>
+              </a:fontRef>
+            </p:style>
+            <p:txBody>
+              <a:bodyPr rtlCol="0" anchor="ctr"/>
+              <a:lstStyle/>
+              <a:p>
+                <a:pPr algn="ctr"/>
+                <a:endParaRPr lang="en-US"/>
+              </a:p>
+            </p:txBody>
+          </p:sp>
+          <p:sp>
+            <p:nvSpPr>
+              <p:cNvPr id="36" name="TextBox 35">
+                <a:extLst>
+                  <a:ext uri="{FF2B5EF4-FFF2-40B4-BE49-F238E27FC236}">
+                    <a16:creationId xmlns:a16="http://schemas.microsoft.com/office/drawing/2014/main" id="{43AE8A75-FAE6-2440-54E0-E0A4C8E5C651}"/>
+                  </a:ext>
+                </a:extLst>
+              </p:cNvPr>
+              <p:cNvSpPr txBox="1"/>
+              <p:nvPr/>
+            </p:nvSpPr>
+            <p:spPr>
+              <a:xfrm>
+                <a:off x="2268301" y="4442836"/>
+                <a:ext cx="796266" cy="184666"/>
+              </a:xfrm>
+              <a:prstGeom prst="rect">
+                <a:avLst/>
+              </a:prstGeom>
+              <a:noFill/>
+            </p:spPr>
+            <p:txBody>
+              <a:bodyPr wrap="square" lIns="0" tIns="0" rIns="0" bIns="0" rtlCol="0">
+                <a:spAutoFit/>
+              </a:bodyPr>
+              <a:lstStyle/>
+              <a:p>
+                <a:r>
+                  <a:rPr lang="en-US" sz="1200" dirty="0"/>
+                  <a:t>Severe</a:t>
+                </a:r>
+                <a:endParaRPr lang="en-US" sz="1000" dirty="0"/>
+              </a:p>
+            </p:txBody>
+          </p:sp>
+        </p:grpSp>
+        <p:sp>
+          <p:nvSpPr>
+            <p:cNvPr id="38" name="TextBox 37">
+              <a:extLst>
+                <a:ext uri="{FF2B5EF4-FFF2-40B4-BE49-F238E27FC236}">
+                  <a16:creationId xmlns:a16="http://schemas.microsoft.com/office/drawing/2014/main" id="{F6C69BA4-0E6C-1469-0BBC-ECC1160307F8}"/>
+                </a:ext>
+              </a:extLst>
+            </p:cNvPr>
+            <p:cNvSpPr txBox="1"/>
+            <p:nvPr/>
+          </p:nvSpPr>
+          <p:spPr>
+            <a:xfrm>
+              <a:off x="2911279" y="4684851"/>
+              <a:ext cx="1530099" cy="246221"/>
+            </a:xfrm>
+            <a:prstGeom prst="rect">
+              <a:avLst/>
+            </a:prstGeom>
+            <a:noFill/>
+          </p:spPr>
+          <p:txBody>
+            <a:bodyPr wrap="none" lIns="0" tIns="0" rIns="0" bIns="0" rtlCol="0">
+              <a:spAutoFit/>
+            </a:bodyPr>
+            <a:lstStyle/>
+            <a:p>
+              <a:r>
+                <a:rPr lang="en-US" sz="1600" dirty="0"/>
+                <a:t>Fire Severity Index</a:t>
+              </a:r>
+            </a:p>
+          </p:txBody>
+        </p:sp>
+      </p:grpSp>
+      <p:grpSp>
+        <p:nvGrpSpPr>
+          <p:cNvPr id="55" name="Group 54">
+            <a:extLst>
+              <a:ext uri="{FF2B5EF4-FFF2-40B4-BE49-F238E27FC236}">
+                <a16:creationId xmlns:a16="http://schemas.microsoft.com/office/drawing/2014/main" id="{ACBB2640-2C05-EFE6-66C9-33A36DE7EE92}"/>
+              </a:ext>
+            </a:extLst>
+          </p:cNvPr>
+          <p:cNvGrpSpPr/>
+          <p:nvPr/>
+        </p:nvGrpSpPr>
+        <p:grpSpPr>
+          <a:xfrm>
+            <a:off x="903976" y="2651532"/>
+            <a:ext cx="1789103" cy="246221"/>
+            <a:chOff x="903976" y="3320457"/>
+            <a:chExt cx="1789103" cy="246221"/>
+          </a:xfrm>
+        </p:grpSpPr>
+        <p:sp>
+          <p:nvSpPr>
+            <p:cNvPr id="16" name="Rectangle 15">
+              <a:extLst>
+                <a:ext uri="{FF2B5EF4-FFF2-40B4-BE49-F238E27FC236}">
+                  <a16:creationId xmlns:a16="http://schemas.microsoft.com/office/drawing/2014/main" id="{A03E24CE-C164-5340-4870-222EA9A15C90}"/>
+                </a:ext>
+              </a:extLst>
+            </p:cNvPr>
+            <p:cNvSpPr/>
+            <p:nvPr/>
+          </p:nvSpPr>
+          <p:spPr>
+            <a:xfrm>
+              <a:off x="903976" y="3342268"/>
+              <a:ext cx="182880" cy="182880"/>
+            </a:xfrm>
+            <a:prstGeom prst="rect">
+              <a:avLst/>
+            </a:prstGeom>
+            <a:noFill/>
+            <a:ln w="25400">
+              <a:solidFill>
+                <a:schemeClr val="accent6">
+                  <a:lumMod val="75000"/>
+                </a:schemeClr>
+              </a:solidFill>
+              <a:prstDash val="sysDash"/>
+            </a:ln>
+          </p:spPr>
+          <p:style>
+            <a:lnRef idx="2">
+              <a:schemeClr val="accent1">
+                <a:shade val="50000"/>
+              </a:schemeClr>
+            </a:lnRef>
+            <a:fillRef idx="1">
+              <a:schemeClr val="accent1"/>
+            </a:fillRef>
+            <a:effectRef idx="0">
+              <a:schemeClr val="accent1"/>
+            </a:effectRef>
+            <a:fontRef idx="minor">
+              <a:schemeClr val="lt1"/>
+            </a:fontRef>
+          </p:style>
+          <p:txBody>
+            <a:bodyPr rtlCol="0" anchor="ctr"/>
+            <a:lstStyle/>
+            <a:p>
+              <a:pPr algn="ctr"/>
+              <a:endParaRPr lang="en-US"/>
+            </a:p>
+          </p:txBody>
+        </p:sp>
+        <p:sp>
+          <p:nvSpPr>
+            <p:cNvPr id="43" name="TextBox 42">
+              <a:extLst>
+                <a:ext uri="{FF2B5EF4-FFF2-40B4-BE49-F238E27FC236}">
+                  <a16:creationId xmlns:a16="http://schemas.microsoft.com/office/drawing/2014/main" id="{182DDC64-566F-B065-C406-FC6DBF3919C9}"/>
+                </a:ext>
+              </a:extLst>
+            </p:cNvPr>
+            <p:cNvSpPr txBox="1"/>
+            <p:nvPr/>
+          </p:nvSpPr>
+          <p:spPr>
+            <a:xfrm>
+              <a:off x="1184461" y="3320457"/>
+              <a:ext cx="1508618" cy="246221"/>
+            </a:xfrm>
+            <a:prstGeom prst="rect">
+              <a:avLst/>
+            </a:prstGeom>
+            <a:noFill/>
+          </p:spPr>
+          <p:txBody>
+            <a:bodyPr wrap="none" lIns="0" tIns="0" rIns="0" bIns="0" rtlCol="0">
+              <a:spAutoFit/>
+            </a:bodyPr>
+            <a:lstStyle/>
+            <a:p>
+              <a:r>
+                <a:rPr lang="en-US" sz="1600" dirty="0"/>
+                <a:t>Forest Boundaries</a:t>
+              </a:r>
+            </a:p>
+          </p:txBody>
+        </p:sp>
+      </p:grpSp>
+      <p:grpSp>
+        <p:nvGrpSpPr>
+          <p:cNvPr id="56" name="Group 55">
+            <a:extLst>
+              <a:ext uri="{FF2B5EF4-FFF2-40B4-BE49-F238E27FC236}">
+                <a16:creationId xmlns:a16="http://schemas.microsoft.com/office/drawing/2014/main" id="{0B70A098-ACEC-8A54-2E77-5EB062CC339C}"/>
+              </a:ext>
+            </a:extLst>
+          </p:cNvPr>
+          <p:cNvGrpSpPr/>
+          <p:nvPr/>
+        </p:nvGrpSpPr>
+        <p:grpSpPr>
+          <a:xfrm>
+            <a:off x="903976" y="2320850"/>
+            <a:ext cx="1939403" cy="246221"/>
+            <a:chOff x="903976" y="2989733"/>
+            <a:chExt cx="1939403" cy="246221"/>
+          </a:xfrm>
+        </p:grpSpPr>
+        <p:sp>
+          <p:nvSpPr>
+            <p:cNvPr id="14" name="Rectangle 13">
+              <a:extLst>
+                <a:ext uri="{FF2B5EF4-FFF2-40B4-BE49-F238E27FC236}">
+                  <a16:creationId xmlns:a16="http://schemas.microsoft.com/office/drawing/2014/main" id="{F443DB75-FC65-C7F6-47F2-38F2BEC0E9CE}"/>
+                </a:ext>
+              </a:extLst>
+            </p:cNvPr>
+            <p:cNvSpPr/>
+            <p:nvPr/>
+          </p:nvSpPr>
+          <p:spPr>
+            <a:xfrm>
+              <a:off x="903976" y="3005952"/>
+              <a:ext cx="182880" cy="182880"/>
+            </a:xfrm>
+            <a:prstGeom prst="rect">
+              <a:avLst/>
+            </a:prstGeom>
+            <a:pattFill prst="wdUpDiag">
+              <a:fgClr>
+                <a:schemeClr val="bg2">
+                  <a:lumMod val="50000"/>
+                </a:schemeClr>
+              </a:fgClr>
+              <a:bgClr>
+                <a:schemeClr val="bg1"/>
+              </a:bgClr>
+            </a:pattFill>
+            <a:ln w="19050">
+              <a:solidFill>
+                <a:srgbClr val="0070C0"/>
+              </a:solidFill>
+            </a:ln>
+          </p:spPr>
+          <p:style>
+            <a:lnRef idx="2">
+              <a:schemeClr val="accent1">
+                <a:shade val="50000"/>
+              </a:schemeClr>
+            </a:lnRef>
+            <a:fillRef idx="1">
+              <a:schemeClr val="accent1"/>
+            </a:fillRef>
+            <a:effectRef idx="0">
+              <a:schemeClr val="accent1"/>
+            </a:effectRef>
+            <a:fontRef idx="minor">
+              <a:schemeClr val="lt1"/>
+            </a:fontRef>
+          </p:style>
+          <p:txBody>
+            <a:bodyPr rtlCol="0" anchor="ctr"/>
+            <a:lstStyle/>
+            <a:p>
+              <a:pPr algn="ctr"/>
+              <a:endParaRPr lang="en-US"/>
+            </a:p>
+          </p:txBody>
+        </p:sp>
+        <p:sp>
+          <p:nvSpPr>
+            <p:cNvPr id="44" name="TextBox 43">
+              <a:extLst>
+                <a:ext uri="{FF2B5EF4-FFF2-40B4-BE49-F238E27FC236}">
+                  <a16:creationId xmlns:a16="http://schemas.microsoft.com/office/drawing/2014/main" id="{A75CDEC8-317A-A5D8-29B3-47F3AF68BD95}"/>
+                </a:ext>
+              </a:extLst>
+            </p:cNvPr>
+            <p:cNvSpPr txBox="1"/>
+            <p:nvPr/>
+          </p:nvSpPr>
+          <p:spPr>
+            <a:xfrm>
+              <a:off x="1180680" y="2989733"/>
+              <a:ext cx="1662699" cy="246221"/>
+            </a:xfrm>
+            <a:prstGeom prst="rect">
+              <a:avLst/>
+            </a:prstGeom>
+            <a:noFill/>
+          </p:spPr>
+          <p:txBody>
+            <a:bodyPr wrap="none" lIns="0" tIns="0" rIns="0" bIns="0" rtlCol="0">
+              <a:spAutoFit/>
+            </a:bodyPr>
+            <a:lstStyle/>
+            <a:p>
+              <a:r>
+                <a:rPr lang="en-US" sz="1600" dirty="0"/>
+                <a:t>Fire Weather Watch</a:t>
+              </a:r>
+            </a:p>
+          </p:txBody>
+        </p:sp>
+      </p:grpSp>
+      <p:grpSp>
+        <p:nvGrpSpPr>
+          <p:cNvPr id="57" name="Group 56">
+            <a:extLst>
+              <a:ext uri="{FF2B5EF4-FFF2-40B4-BE49-F238E27FC236}">
+                <a16:creationId xmlns:a16="http://schemas.microsoft.com/office/drawing/2014/main" id="{58A6492D-BAC6-CE4A-3D30-14194C913C1A}"/>
+              </a:ext>
+            </a:extLst>
+          </p:cNvPr>
+          <p:cNvGrpSpPr/>
+          <p:nvPr/>
+        </p:nvGrpSpPr>
+        <p:grpSpPr>
+          <a:xfrm>
+            <a:off x="903976" y="1990168"/>
+            <a:ext cx="1726332" cy="246221"/>
+            <a:chOff x="903976" y="2659009"/>
+            <a:chExt cx="1726332" cy="246221"/>
+          </a:xfrm>
+        </p:grpSpPr>
+        <p:sp>
+          <p:nvSpPr>
+            <p:cNvPr id="15" name="Rectangle 14">
+              <a:extLst>
+                <a:ext uri="{FF2B5EF4-FFF2-40B4-BE49-F238E27FC236}">
+                  <a16:creationId xmlns:a16="http://schemas.microsoft.com/office/drawing/2014/main" id="{218DBABC-B0D6-8372-2C26-493640A0320A}"/>
+                </a:ext>
+              </a:extLst>
+            </p:cNvPr>
+            <p:cNvSpPr/>
+            <p:nvPr/>
+          </p:nvSpPr>
+          <p:spPr>
+            <a:xfrm>
+              <a:off x="903976" y="2675244"/>
+              <a:ext cx="182880" cy="182880"/>
+            </a:xfrm>
+            <a:prstGeom prst="rect">
+              <a:avLst/>
+            </a:prstGeom>
+            <a:pattFill prst="wdDnDiag">
+              <a:fgClr>
+                <a:schemeClr val="bg2">
+                  <a:lumMod val="50000"/>
+                </a:schemeClr>
+              </a:fgClr>
+              <a:bgClr>
+                <a:schemeClr val="bg1"/>
+              </a:bgClr>
+            </a:pattFill>
+            <a:ln w="19050">
+              <a:solidFill>
+                <a:srgbClr val="C00000"/>
+              </a:solidFill>
+            </a:ln>
+          </p:spPr>
+          <p:style>
+            <a:lnRef idx="2">
+              <a:schemeClr val="accent1">
+                <a:shade val="50000"/>
+              </a:schemeClr>
+            </a:lnRef>
+            <a:fillRef idx="1">
+              <a:schemeClr val="accent1"/>
+            </a:fillRef>
+            <a:effectRef idx="0">
+              <a:schemeClr val="accent1"/>
+            </a:effectRef>
+            <a:fontRef idx="minor">
+              <a:schemeClr val="lt1"/>
+            </a:fontRef>
+          </p:style>
+          <p:txBody>
+            <a:bodyPr rtlCol="0" anchor="ctr"/>
+            <a:lstStyle/>
+            <a:p>
+              <a:pPr algn="ctr"/>
+              <a:endParaRPr lang="en-US"/>
+            </a:p>
+          </p:txBody>
+        </p:sp>
+        <p:sp>
+          <p:nvSpPr>
+            <p:cNvPr id="45" name="TextBox 44">
+              <a:extLst>
+                <a:ext uri="{FF2B5EF4-FFF2-40B4-BE49-F238E27FC236}">
+                  <a16:creationId xmlns:a16="http://schemas.microsoft.com/office/drawing/2014/main" id="{5C0297D3-61E1-A317-9A4E-E9F1B1214951}"/>
+                </a:ext>
+              </a:extLst>
+            </p:cNvPr>
+            <p:cNvSpPr txBox="1"/>
+            <p:nvPr/>
+          </p:nvSpPr>
+          <p:spPr>
+            <a:xfrm>
+              <a:off x="1180680" y="2659009"/>
+              <a:ext cx="1449628" cy="246221"/>
+            </a:xfrm>
+            <a:prstGeom prst="rect">
+              <a:avLst/>
+            </a:prstGeom>
+            <a:noFill/>
+          </p:spPr>
+          <p:txBody>
+            <a:bodyPr wrap="none" lIns="0" tIns="0" rIns="0" bIns="0" rtlCol="0">
+              <a:spAutoFit/>
+            </a:bodyPr>
+            <a:lstStyle/>
+            <a:p>
+              <a:r>
+                <a:rPr lang="en-US" sz="1600" dirty="0"/>
+                <a:t>Red Flag Warning</a:t>
+              </a:r>
+            </a:p>
+          </p:txBody>
+        </p:sp>
+      </p:grpSp>
+      <p:grpSp>
+        <p:nvGrpSpPr>
+          <p:cNvPr id="51" name="Group 50">
+            <a:extLst>
+              <a:ext uri="{FF2B5EF4-FFF2-40B4-BE49-F238E27FC236}">
+                <a16:creationId xmlns:a16="http://schemas.microsoft.com/office/drawing/2014/main" id="{82DB199C-8391-602B-0DBC-CE6BE41B50BA}"/>
+              </a:ext>
+            </a:extLst>
+          </p:cNvPr>
+          <p:cNvGrpSpPr/>
+          <p:nvPr/>
+        </p:nvGrpSpPr>
+        <p:grpSpPr>
+          <a:xfrm>
+            <a:off x="903976" y="1655181"/>
+            <a:ext cx="1351422" cy="250526"/>
+            <a:chOff x="1018187" y="2307231"/>
+            <a:chExt cx="1351422" cy="250526"/>
+          </a:xfrm>
+        </p:grpSpPr>
+        <p:pic>
+          <p:nvPicPr>
+            <p:cNvPr id="13" name="Picture 12" descr="A red circle with a white circle in the middle&#10;&#10;Description automatically generated with low confidence">
+              <a:extLst>
+                <a:ext uri="{FF2B5EF4-FFF2-40B4-BE49-F238E27FC236}">
+                  <a16:creationId xmlns:a16="http://schemas.microsoft.com/office/drawing/2014/main" id="{68B48F61-F52C-DAA5-A95B-64E8C0FEFA7D}"/>
+                </a:ext>
+              </a:extLst>
+            </p:cNvPr>
+            <p:cNvPicPr>
+              <a:picLocks noChangeAspect="1"/>
+            </p:cNvPicPr>
+            <p:nvPr/>
+          </p:nvPicPr>
+          <p:blipFill>
+            <a:blip r:embed="rId5">
+              <a:extLst>
+                <a:ext uri="{28A0092B-C50C-407E-A947-70E740481C1C}">
+                  <a14:useLocalDpi xmlns:a14="http://schemas.microsoft.com/office/drawing/2010/main" val="0"/>
+                </a:ext>
+              </a:extLst>
+            </a:blip>
+            <a:stretch>
+              <a:fillRect/>
+            </a:stretch>
+          </p:blipFill>
+          <p:spPr>
+            <a:xfrm>
+              <a:off x="1018187" y="2307231"/>
+              <a:ext cx="228600" cy="228600"/>
+            </a:xfrm>
+            <a:prstGeom prst="rect">
+              <a:avLst/>
+            </a:prstGeom>
+          </p:spPr>
+        </p:pic>
+        <p:sp>
+          <p:nvSpPr>
+            <p:cNvPr id="46" name="TextBox 45">
+              <a:extLst>
+                <a:ext uri="{FF2B5EF4-FFF2-40B4-BE49-F238E27FC236}">
+                  <a16:creationId xmlns:a16="http://schemas.microsoft.com/office/drawing/2014/main" id="{425E0E69-8021-FE8D-B5FB-7D6DC22B1126}"/>
+                </a:ext>
+              </a:extLst>
+            </p:cNvPr>
+            <p:cNvSpPr txBox="1"/>
+            <p:nvPr/>
+          </p:nvSpPr>
+          <p:spPr>
+            <a:xfrm>
+              <a:off x="1294891" y="2311536"/>
+              <a:ext cx="1074718" cy="246221"/>
+            </a:xfrm>
+            <a:prstGeom prst="rect">
+              <a:avLst/>
+            </a:prstGeom>
+            <a:noFill/>
+          </p:spPr>
+          <p:txBody>
+            <a:bodyPr wrap="none" lIns="0" tIns="0" rIns="0" bIns="0" rtlCol="0">
+              <a:spAutoFit/>
+            </a:bodyPr>
+            <a:lstStyle/>
+            <a:p>
+              <a:r>
+                <a:rPr lang="en-US" sz="1600" dirty="0"/>
+                <a:t>Current Fires</a:t>
+              </a:r>
+            </a:p>
+          </p:txBody>
+        </p:sp>
+      </p:grpSp>
+      <p:grpSp>
+        <p:nvGrpSpPr>
+          <p:cNvPr id="50" name="Group 49">
+            <a:extLst>
+              <a:ext uri="{FF2B5EF4-FFF2-40B4-BE49-F238E27FC236}">
+                <a16:creationId xmlns:a16="http://schemas.microsoft.com/office/drawing/2014/main" id="{94A87A05-42EB-A5F5-BA87-62292E44865F}"/>
+              </a:ext>
+            </a:extLst>
+          </p:cNvPr>
+          <p:cNvGrpSpPr/>
+          <p:nvPr/>
+        </p:nvGrpSpPr>
+        <p:grpSpPr>
+          <a:xfrm>
+            <a:off x="903976" y="1318229"/>
+            <a:ext cx="1832740" cy="252491"/>
+            <a:chOff x="1028927" y="1967300"/>
+            <a:chExt cx="1832740" cy="252491"/>
+          </a:xfrm>
+        </p:grpSpPr>
+        <p:pic>
+          <p:nvPicPr>
+            <p:cNvPr id="11" name="Picture 10" descr="Icon&#10;&#10;Description automatically generated">
+              <a:extLst>
+                <a:ext uri="{FF2B5EF4-FFF2-40B4-BE49-F238E27FC236}">
+                  <a16:creationId xmlns:a16="http://schemas.microsoft.com/office/drawing/2014/main" id="{3C392174-31B5-2B31-FC8D-564EB5CB1B77}"/>
+                </a:ext>
+              </a:extLst>
+            </p:cNvPr>
+            <p:cNvPicPr>
+              <a:picLocks noChangeAspect="1"/>
+            </p:cNvPicPr>
+            <p:nvPr/>
+          </p:nvPicPr>
+          <p:blipFill>
+            <a:blip r:embed="rId6">
+              <a:extLst>
+                <a:ext uri="{28A0092B-C50C-407E-A947-70E740481C1C}">
+                  <a14:useLocalDpi xmlns:a14="http://schemas.microsoft.com/office/drawing/2010/main" val="0"/>
+                </a:ext>
+              </a:extLst>
+            </a:blip>
+            <a:stretch>
+              <a:fillRect/>
+            </a:stretch>
+          </p:blipFill>
+          <p:spPr>
+            <a:xfrm>
+              <a:off x="1028927" y="1967300"/>
+              <a:ext cx="228600" cy="228600"/>
+            </a:xfrm>
+            <a:prstGeom prst="rect">
+              <a:avLst/>
+            </a:prstGeom>
+          </p:spPr>
+        </p:pic>
+        <p:sp>
+          <p:nvSpPr>
+            <p:cNvPr id="47" name="TextBox 46">
+              <a:extLst>
+                <a:ext uri="{FF2B5EF4-FFF2-40B4-BE49-F238E27FC236}">
+                  <a16:creationId xmlns:a16="http://schemas.microsoft.com/office/drawing/2014/main" id="{5F55370A-C73E-53BB-B435-041354FFE0BD}"/>
+                </a:ext>
+              </a:extLst>
+            </p:cNvPr>
+            <p:cNvSpPr txBox="1"/>
+            <p:nvPr/>
+          </p:nvSpPr>
+          <p:spPr>
+            <a:xfrm>
+              <a:off x="1294891" y="1973570"/>
+              <a:ext cx="1566776" cy="246221"/>
+            </a:xfrm>
+            <a:prstGeom prst="rect">
+              <a:avLst/>
+            </a:prstGeom>
+            <a:noFill/>
+          </p:spPr>
+          <p:txBody>
+            <a:bodyPr wrap="none" lIns="0" tIns="0" rIns="0" bIns="0" rtlCol="0">
+              <a:spAutoFit/>
+            </a:bodyPr>
+            <a:lstStyle/>
+            <a:p>
+              <a:r>
+                <a:rPr lang="en-US" sz="1600" dirty="0"/>
+                <a:t>CalFire Active Fires</a:t>
+              </a:r>
+            </a:p>
+          </p:txBody>
+        </p:sp>
+      </p:grpSp>
+      <p:grpSp>
+        <p:nvGrpSpPr>
+          <p:cNvPr id="49" name="Group 48">
+            <a:extLst>
+              <a:ext uri="{FF2B5EF4-FFF2-40B4-BE49-F238E27FC236}">
+                <a16:creationId xmlns:a16="http://schemas.microsoft.com/office/drawing/2014/main" id="{591CB7D3-B5EF-3765-EBE1-06A26DBBBAED}"/>
+              </a:ext>
+            </a:extLst>
+          </p:cNvPr>
+          <p:cNvGrpSpPr/>
+          <p:nvPr/>
+        </p:nvGrpSpPr>
+        <p:grpSpPr>
+          <a:xfrm>
+            <a:off x="903976" y="987547"/>
+            <a:ext cx="2480135" cy="246221"/>
+            <a:chOff x="1018187" y="1638967"/>
+            <a:chExt cx="2480135" cy="246221"/>
+          </a:xfrm>
+        </p:grpSpPr>
+        <p:pic>
+          <p:nvPicPr>
+            <p:cNvPr id="9" name="Picture 8" descr="A picture containing sunset, light&#10;&#10;Description automatically generated">
+              <a:extLst>
+                <a:ext uri="{FF2B5EF4-FFF2-40B4-BE49-F238E27FC236}">
+                  <a16:creationId xmlns:a16="http://schemas.microsoft.com/office/drawing/2014/main" id="{5D6420CE-B257-78E2-9FF7-764AF2C876FB}"/>
+                </a:ext>
+              </a:extLst>
+            </p:cNvPr>
+            <p:cNvPicPr>
+              <a:picLocks noChangeAspect="1"/>
+            </p:cNvPicPr>
+            <p:nvPr/>
+          </p:nvPicPr>
+          <p:blipFill>
+            <a:blip r:embed="rId7">
+              <a:extLst>
+                <a:ext uri="{28A0092B-C50C-407E-A947-70E740481C1C}">
+                  <a14:useLocalDpi xmlns:a14="http://schemas.microsoft.com/office/drawing/2010/main" val="0"/>
+                </a:ext>
+              </a:extLst>
+            </a:blip>
+            <a:stretch>
+              <a:fillRect/>
+            </a:stretch>
+          </p:blipFill>
+          <p:spPr>
+            <a:xfrm>
+              <a:off x="1018187" y="1644936"/>
+              <a:ext cx="228600" cy="211033"/>
+            </a:xfrm>
+            <a:prstGeom prst="rect">
+              <a:avLst/>
+            </a:prstGeom>
+          </p:spPr>
+        </p:pic>
+        <p:sp>
+          <p:nvSpPr>
+            <p:cNvPr id="48" name="TextBox 47">
+              <a:extLst>
+                <a:ext uri="{FF2B5EF4-FFF2-40B4-BE49-F238E27FC236}">
+                  <a16:creationId xmlns:a16="http://schemas.microsoft.com/office/drawing/2014/main" id="{AAE2288F-D2E5-D9B3-21B1-BECCC3CC89F1}"/>
+                </a:ext>
+              </a:extLst>
+            </p:cNvPr>
+            <p:cNvSpPr txBox="1"/>
+            <p:nvPr/>
+          </p:nvSpPr>
+          <p:spPr>
+            <a:xfrm>
+              <a:off x="1307145" y="1638967"/>
+              <a:ext cx="2191177" cy="246221"/>
+            </a:xfrm>
+            <a:prstGeom prst="rect">
+              <a:avLst/>
+            </a:prstGeom>
+            <a:noFill/>
+          </p:spPr>
+          <p:txBody>
+            <a:bodyPr wrap="none" lIns="0" tIns="0" rIns="0" bIns="0" rtlCol="0">
+              <a:spAutoFit/>
+            </a:bodyPr>
+            <a:lstStyle/>
+            <a:p>
+              <a:r>
+                <a:rPr lang="en-US" sz="1600" dirty="0"/>
+                <a:t>New Fire Starts – 24 hours</a:t>
+              </a:r>
+            </a:p>
+          </p:txBody>
+        </p:sp>
+      </p:grpSp>
+      <p:grpSp>
+        <p:nvGrpSpPr>
+          <p:cNvPr id="63" name="Group 62">
+            <a:extLst>
+              <a:ext uri="{FF2B5EF4-FFF2-40B4-BE49-F238E27FC236}">
+                <a16:creationId xmlns:a16="http://schemas.microsoft.com/office/drawing/2014/main" id="{963FCAA4-BC47-5B58-F243-8F630C9D7847}"/>
+              </a:ext>
+            </a:extLst>
+          </p:cNvPr>
+          <p:cNvGrpSpPr/>
+          <p:nvPr/>
+        </p:nvGrpSpPr>
+        <p:grpSpPr>
+          <a:xfrm>
+            <a:off x="903976" y="3356319"/>
+            <a:ext cx="2385292" cy="246221"/>
+            <a:chOff x="903976" y="3320457"/>
+            <a:chExt cx="2385292" cy="246221"/>
+          </a:xfrm>
+        </p:grpSpPr>
+        <p:sp>
+          <p:nvSpPr>
+            <p:cNvPr id="64" name="Rectangle 63">
+              <a:extLst>
+                <a:ext uri="{FF2B5EF4-FFF2-40B4-BE49-F238E27FC236}">
+                  <a16:creationId xmlns:a16="http://schemas.microsoft.com/office/drawing/2014/main" id="{A3E46E4B-5FF0-2C1C-7D62-7E2AE76169FF}"/>
+                </a:ext>
+              </a:extLst>
+            </p:cNvPr>
+            <p:cNvSpPr/>
+            <p:nvPr/>
+          </p:nvSpPr>
+          <p:spPr>
+            <a:xfrm>
+              <a:off x="903976" y="3342268"/>
+              <a:ext cx="182880" cy="182880"/>
+            </a:xfrm>
+            <a:prstGeom prst="rect">
+              <a:avLst/>
+            </a:prstGeom>
+            <a:noFill/>
+            <a:ln w="25400">
+              <a:solidFill>
+                <a:srgbClr val="6E57D2"/>
+              </a:solidFill>
+              <a:prstDash val="sysDash"/>
+            </a:ln>
+          </p:spPr>
+          <p:style>
+            <a:lnRef idx="2">
+              <a:schemeClr val="accent1">
+                <a:shade val="50000"/>
+              </a:schemeClr>
+            </a:lnRef>
+            <a:fillRef idx="1">
+              <a:schemeClr val="accent1"/>
+            </a:fillRef>
+            <a:effectRef idx="0">
+              <a:schemeClr val="accent1"/>
+            </a:effectRef>
+            <a:fontRef idx="minor">
+              <a:schemeClr val="lt1"/>
+            </a:fontRef>
+          </p:style>
+          <p:txBody>
+            <a:bodyPr rtlCol="0" anchor="ctr"/>
+            <a:lstStyle/>
+            <a:p>
+              <a:pPr algn="ctr"/>
+              <a:endParaRPr lang="en-US" dirty="0"/>
+            </a:p>
+          </p:txBody>
+        </p:sp>
+        <p:sp>
+          <p:nvSpPr>
+            <p:cNvPr id="65" name="TextBox 64">
+              <a:extLst>
+                <a:ext uri="{FF2B5EF4-FFF2-40B4-BE49-F238E27FC236}">
+                  <a16:creationId xmlns:a16="http://schemas.microsoft.com/office/drawing/2014/main" id="{C50169B9-8D43-23CD-42EF-F9D1B82C2097}"/>
+                </a:ext>
+              </a:extLst>
+            </p:cNvPr>
+            <p:cNvSpPr txBox="1"/>
+            <p:nvPr/>
+          </p:nvSpPr>
+          <p:spPr>
+            <a:xfrm>
+              <a:off x="1184461" y="3320457"/>
+              <a:ext cx="2104807" cy="246221"/>
+            </a:xfrm>
+            <a:prstGeom prst="rect">
+              <a:avLst/>
+            </a:prstGeom>
+            <a:noFill/>
+          </p:spPr>
+          <p:txBody>
+            <a:bodyPr wrap="none" lIns="0" tIns="0" rIns="0" bIns="0" rtlCol="0">
+              <a:spAutoFit/>
+            </a:bodyPr>
+            <a:lstStyle/>
+            <a:p>
+              <a:r>
+                <a:rPr lang="en-US" sz="1600" dirty="0"/>
+                <a:t>National Park Boundaries</a:t>
+              </a:r>
+            </a:p>
+          </p:txBody>
+        </p:sp>
+      </p:grpSp>
+      <p:grpSp>
+        <p:nvGrpSpPr>
+          <p:cNvPr id="66" name="Group 65">
+            <a:extLst>
+              <a:ext uri="{FF2B5EF4-FFF2-40B4-BE49-F238E27FC236}">
+                <a16:creationId xmlns:a16="http://schemas.microsoft.com/office/drawing/2014/main" id="{5C0D297D-C4D4-592D-0807-B637212DB59E}"/>
+              </a:ext>
+            </a:extLst>
+          </p:cNvPr>
+          <p:cNvGrpSpPr/>
+          <p:nvPr/>
+        </p:nvGrpSpPr>
+        <p:grpSpPr>
+          <a:xfrm>
+            <a:off x="898251" y="3006751"/>
+            <a:ext cx="2227556" cy="246221"/>
+            <a:chOff x="903976" y="3320457"/>
+            <a:chExt cx="2227556" cy="246221"/>
+          </a:xfrm>
+        </p:grpSpPr>
+        <p:sp>
+          <p:nvSpPr>
+            <p:cNvPr id="67" name="Rectangle 66">
+              <a:extLst>
+                <a:ext uri="{FF2B5EF4-FFF2-40B4-BE49-F238E27FC236}">
+                  <a16:creationId xmlns:a16="http://schemas.microsoft.com/office/drawing/2014/main" id="{B620F8EB-D753-7BC9-B35C-F9D813171B9A}"/>
+                </a:ext>
+              </a:extLst>
+            </p:cNvPr>
+            <p:cNvSpPr/>
+            <p:nvPr/>
+          </p:nvSpPr>
+          <p:spPr>
+            <a:xfrm>
+              <a:off x="903976" y="3342268"/>
+              <a:ext cx="182880" cy="182880"/>
+            </a:xfrm>
+            <a:prstGeom prst="rect">
+              <a:avLst/>
+            </a:prstGeom>
+            <a:solidFill>
+              <a:srgbClr val="F7ADA4">
+                <a:alpha val="50000"/>
+              </a:srgbClr>
+            </a:solidFill>
+            <a:ln w="25400">
+              <a:solidFill>
+                <a:srgbClr val="E60C0C"/>
+              </a:solidFill>
+              <a:prstDash val="solid"/>
+            </a:ln>
+          </p:spPr>
+          <p:style>
+            <a:lnRef idx="2">
+              <a:schemeClr val="accent1">
+                <a:shade val="50000"/>
+              </a:schemeClr>
+            </a:lnRef>
+            <a:fillRef idx="1">
+              <a:schemeClr val="accent1"/>
+            </a:fillRef>
+            <a:effectRef idx="0">
+              <a:schemeClr val="accent1"/>
+            </a:effectRef>
+            <a:fontRef idx="minor">
+              <a:schemeClr val="lt1"/>
+            </a:fontRef>
+          </p:style>
+          <p:txBody>
+            <a:bodyPr rtlCol="0" anchor="ctr"/>
+            <a:lstStyle/>
+            <a:p>
+              <a:pPr algn="ctr"/>
+              <a:endParaRPr lang="en-US"/>
+            </a:p>
+          </p:txBody>
+        </p:sp>
+        <p:sp>
+          <p:nvSpPr>
+            <p:cNvPr id="68" name="TextBox 67">
+              <a:extLst>
+                <a:ext uri="{FF2B5EF4-FFF2-40B4-BE49-F238E27FC236}">
+                  <a16:creationId xmlns:a16="http://schemas.microsoft.com/office/drawing/2014/main" id="{7AF608A2-6058-33E5-8098-8A84E0960561}"/>
+                </a:ext>
+              </a:extLst>
+            </p:cNvPr>
+            <p:cNvSpPr txBox="1"/>
+            <p:nvPr/>
+          </p:nvSpPr>
+          <p:spPr>
+            <a:xfrm>
+              <a:off x="1184461" y="3320457"/>
+              <a:ext cx="1947071" cy="246221"/>
+            </a:xfrm>
+            <a:prstGeom prst="rect">
+              <a:avLst/>
+            </a:prstGeom>
+            <a:noFill/>
+          </p:spPr>
+          <p:txBody>
+            <a:bodyPr wrap="none" lIns="0" tIns="0" rIns="0" bIns="0" rtlCol="0">
+              <a:spAutoFit/>
+            </a:bodyPr>
+            <a:lstStyle/>
+            <a:p>
+              <a:r>
+                <a:rPr lang="en-US" sz="1600" dirty="0"/>
+                <a:t>Current Fire Perimeters</a:t>
+              </a:r>
+            </a:p>
+          </p:txBody>
+        </p:sp>
+      </p:grpSp>
+      <p:grpSp>
+        <p:nvGrpSpPr>
+          <p:cNvPr id="2" name="Group 1">
+            <a:extLst>
+              <a:ext uri="{FF2B5EF4-FFF2-40B4-BE49-F238E27FC236}">
+                <a16:creationId xmlns:a16="http://schemas.microsoft.com/office/drawing/2014/main" id="{39B50A60-1D42-DB5B-26DF-6DD7BA6A8261}"/>
+              </a:ext>
+            </a:extLst>
+          </p:cNvPr>
+          <p:cNvGrpSpPr/>
+          <p:nvPr/>
+        </p:nvGrpSpPr>
+        <p:grpSpPr>
+          <a:xfrm>
+            <a:off x="4110869" y="4378729"/>
+            <a:ext cx="1726332" cy="1346762"/>
+            <a:chOff x="4110869" y="4378729"/>
+            <a:chExt cx="1726332" cy="1346762"/>
+          </a:xfrm>
+        </p:grpSpPr>
+        <p:grpSp>
+          <p:nvGrpSpPr>
+            <p:cNvPr id="52" name="Group 51">
+              <a:extLst>
+                <a:ext uri="{FF2B5EF4-FFF2-40B4-BE49-F238E27FC236}">
+                  <a16:creationId xmlns:a16="http://schemas.microsoft.com/office/drawing/2014/main" id="{E1D377C0-3638-5645-8E9C-7DA1A94B7FD1}"/>
+                </a:ext>
+              </a:extLst>
+            </p:cNvPr>
+            <p:cNvGrpSpPr/>
+            <p:nvPr/>
+          </p:nvGrpSpPr>
+          <p:grpSpPr>
+            <a:xfrm>
+              <a:off x="4110869" y="4644155"/>
               <a:ext cx="1530100" cy="1081336"/>
               <a:chOff x="2911278" y="4684851"/>
               <a:chExt cx="1530100" cy="1081336"/>
@@ -4256,10 +5953,10 @@
           </p:grpSpPr>
           <p:grpSp>
             <p:nvGrpSpPr>
-              <p:cNvPr id="37" name="Group 36">
+              <p:cNvPr id="53" name="Group 52">
                 <a:extLst>
                   <a:ext uri="{FF2B5EF4-FFF2-40B4-BE49-F238E27FC236}">
-                    <a16:creationId xmlns:a16="http://schemas.microsoft.com/office/drawing/2014/main" id="{3388BC74-7711-A4CC-8320-522C58D04B2F}"/>
+                    <a16:creationId xmlns:a16="http://schemas.microsoft.com/office/drawing/2014/main" id="{BA4B2B81-415A-344D-5513-FDEAD59EE6CF}"/>
                   </a:ext>
                 </a:extLst>
               </p:cNvPr>
@@ -4276,10 +5973,10 @@
             </p:grpSpPr>
             <p:sp>
               <p:nvSpPr>
-                <p:cNvPr id="27" name="Rectangle 26">
+                <p:cNvPr id="58" name="Rectangle 57">
                   <a:extLst>
                     <a:ext uri="{FF2B5EF4-FFF2-40B4-BE49-F238E27FC236}">
-                      <a16:creationId xmlns:a16="http://schemas.microsoft.com/office/drawing/2014/main" id="{F5172A64-A4E8-557C-F904-0FB225EAEFCE}"/>
+                      <a16:creationId xmlns:a16="http://schemas.microsoft.com/office/drawing/2014/main" id="{E2902BBF-E38C-3279-B1CB-D3358C5B7ACA}"/>
                     </a:ext>
                   </a:extLst>
                 </p:cNvPr>
@@ -4332,10 +6029,10 @@
             </p:sp>
             <p:sp>
               <p:nvSpPr>
-                <p:cNvPr id="28" name="Rectangle 27">
+                <p:cNvPr id="62" name="Rectangle 61">
                   <a:extLst>
                     <a:ext uri="{FF2B5EF4-FFF2-40B4-BE49-F238E27FC236}">
-                      <a16:creationId xmlns:a16="http://schemas.microsoft.com/office/drawing/2014/main" id="{B11460F8-82E6-3E88-12A8-B9E5E0EEE49F}"/>
+                      <a16:creationId xmlns:a16="http://schemas.microsoft.com/office/drawing/2014/main" id="{1E124869-2A09-3F37-48AF-D0089C59F156}"/>
                     </a:ext>
                   </a:extLst>
                 </p:cNvPr>
@@ -4388,10 +6085,10 @@
             </p:sp>
             <p:sp>
               <p:nvSpPr>
-                <p:cNvPr id="29" name="Rectangle 28">
+                <p:cNvPr id="70" name="Rectangle 69">
                   <a:extLst>
                     <a:ext uri="{FF2B5EF4-FFF2-40B4-BE49-F238E27FC236}">
-                      <a16:creationId xmlns:a16="http://schemas.microsoft.com/office/drawing/2014/main" id="{C06EF9CE-E3FD-EA3E-DF30-02B593A069FE}"/>
+                      <a16:creationId xmlns:a16="http://schemas.microsoft.com/office/drawing/2014/main" id="{24D7A0D8-5CFB-AB7F-3285-4C4DBBE64434}"/>
                     </a:ext>
                   </a:extLst>
                 </p:cNvPr>
@@ -4444,10 +6141,10 @@
             </p:sp>
             <p:sp>
               <p:nvSpPr>
-                <p:cNvPr id="30" name="TextBox 29">
+                <p:cNvPr id="71" name="TextBox 70">
                   <a:extLst>
                     <a:ext uri="{FF2B5EF4-FFF2-40B4-BE49-F238E27FC236}">
-                      <a16:creationId xmlns:a16="http://schemas.microsoft.com/office/drawing/2014/main" id="{768064F0-E435-021A-D5AE-B1B32FADA840}"/>
+                      <a16:creationId xmlns:a16="http://schemas.microsoft.com/office/drawing/2014/main" id="{BC467BB5-A2E9-F4D2-C710-3EDB602DAEDD}"/>
                     </a:ext>
                   </a:extLst>
                 </p:cNvPr>
@@ -4480,10 +6177,10 @@
             </p:sp>
             <p:sp>
               <p:nvSpPr>
-                <p:cNvPr id="31" name="TextBox 30">
+                <p:cNvPr id="72" name="TextBox 71">
                   <a:extLst>
                     <a:ext uri="{FF2B5EF4-FFF2-40B4-BE49-F238E27FC236}">
-                      <a16:creationId xmlns:a16="http://schemas.microsoft.com/office/drawing/2014/main" id="{57F09FB8-412F-4962-43E9-B579ED3F894F}"/>
+                      <a16:creationId xmlns:a16="http://schemas.microsoft.com/office/drawing/2014/main" id="{784B01E1-240B-E710-6F30-2F4CAE7C9749}"/>
                     </a:ext>
                   </a:extLst>
                 </p:cNvPr>
@@ -4516,10 +6213,10 @@
             </p:sp>
             <p:sp>
               <p:nvSpPr>
-                <p:cNvPr id="32" name="TextBox 31">
+                <p:cNvPr id="73" name="TextBox 72">
                   <a:extLst>
                     <a:ext uri="{FF2B5EF4-FFF2-40B4-BE49-F238E27FC236}">
-                      <a16:creationId xmlns:a16="http://schemas.microsoft.com/office/drawing/2014/main" id="{95545502-AA9E-E075-D9DB-7032E0027FE9}"/>
+                      <a16:creationId xmlns:a16="http://schemas.microsoft.com/office/drawing/2014/main" id="{320402CE-D8F0-3D06-B76A-848FC4571B7C}"/>
                     </a:ext>
                   </a:extLst>
                 </p:cNvPr>
@@ -4552,10 +6249,10 @@
             </p:sp>
             <p:sp>
               <p:nvSpPr>
-                <p:cNvPr id="33" name="Rectangle 32">
+                <p:cNvPr id="74" name="Rectangle 73">
                   <a:extLst>
                     <a:ext uri="{FF2B5EF4-FFF2-40B4-BE49-F238E27FC236}">
-                      <a16:creationId xmlns:a16="http://schemas.microsoft.com/office/drawing/2014/main" id="{40DA98E6-0624-F97F-8427-3118ED47C445}"/>
+                      <a16:creationId xmlns:a16="http://schemas.microsoft.com/office/drawing/2014/main" id="{780007B5-C358-A4D4-F8B9-F8392428DDD2}"/>
                     </a:ext>
                   </a:extLst>
                 </p:cNvPr>
@@ -4608,10 +6305,10 @@
             </p:sp>
             <p:sp>
               <p:nvSpPr>
-                <p:cNvPr id="34" name="TextBox 33">
+                <p:cNvPr id="75" name="TextBox 74">
                   <a:extLst>
                     <a:ext uri="{FF2B5EF4-FFF2-40B4-BE49-F238E27FC236}">
-                      <a16:creationId xmlns:a16="http://schemas.microsoft.com/office/drawing/2014/main" id="{B300FDA7-CABB-D07B-00B6-04A41C39E428}"/>
+                      <a16:creationId xmlns:a16="http://schemas.microsoft.com/office/drawing/2014/main" id="{ED12AD40-8EA1-46D4-51EA-C7BBD78543EF}"/>
                     </a:ext>
                   </a:extLst>
                 </p:cNvPr>
@@ -4644,10 +6341,10 @@
             </p:sp>
             <p:sp>
               <p:nvSpPr>
-                <p:cNvPr id="35" name="Rectangle 34">
+                <p:cNvPr id="76" name="Rectangle 75">
                   <a:extLst>
                     <a:ext uri="{FF2B5EF4-FFF2-40B4-BE49-F238E27FC236}">
-                      <a16:creationId xmlns:a16="http://schemas.microsoft.com/office/drawing/2014/main" id="{5402BFCF-F558-E9E9-6D4E-6BE608EC0D71}"/>
+                      <a16:creationId xmlns:a16="http://schemas.microsoft.com/office/drawing/2014/main" id="{0A7F3B7B-ECC6-CAD8-DFB3-5B507D130E7D}"/>
                     </a:ext>
                   </a:extLst>
                 </p:cNvPr>
@@ -4700,10 +6397,10 @@
             </p:sp>
             <p:sp>
               <p:nvSpPr>
-                <p:cNvPr id="36" name="TextBox 35">
+                <p:cNvPr id="77" name="TextBox 76">
                   <a:extLst>
                     <a:ext uri="{FF2B5EF4-FFF2-40B4-BE49-F238E27FC236}">
-                      <a16:creationId xmlns:a16="http://schemas.microsoft.com/office/drawing/2014/main" id="{43AE8A75-FAE6-2440-54E0-E0A4C8E5C651}"/>
+                      <a16:creationId xmlns:a16="http://schemas.microsoft.com/office/drawing/2014/main" id="{BE5912BB-801A-18AA-FEE1-34C56FDF98E5}"/>
                     </a:ext>
                   </a:extLst>
                 </p:cNvPr>
@@ -4737,10 +6434,10 @@
           </p:grpSp>
           <p:sp>
             <p:nvSpPr>
-              <p:cNvPr id="38" name="TextBox 37">
+              <p:cNvPr id="54" name="TextBox 53">
                 <a:extLst>
                   <a:ext uri="{FF2B5EF4-FFF2-40B4-BE49-F238E27FC236}">
-                    <a16:creationId xmlns:a16="http://schemas.microsoft.com/office/drawing/2014/main" id="{F6C69BA4-0E6C-1469-0BBC-ECC1160307F8}"/>
+                    <a16:creationId xmlns:a16="http://schemas.microsoft.com/office/drawing/2014/main" id="{4D58CC69-84AF-1F81-C257-1CF61F091A52}"/>
                   </a:ext>
                 </a:extLst>
               </p:cNvPr>
@@ -4773,10 +6470,10 @@
         </p:grpSp>
         <p:grpSp>
           <p:nvGrpSpPr>
-            <p:cNvPr id="55" name="Group 54">
+            <p:cNvPr id="78" name="Group 77">
               <a:extLst>
                 <a:ext uri="{FF2B5EF4-FFF2-40B4-BE49-F238E27FC236}">
-                  <a16:creationId xmlns:a16="http://schemas.microsoft.com/office/drawing/2014/main" id="{ACBB2640-2C05-EFE6-66C9-33A36DE7EE92}"/>
+                  <a16:creationId xmlns:a16="http://schemas.microsoft.com/office/drawing/2014/main" id="{CE9FBA5F-5AE5-8852-40FA-CC5BE6B046E6}"/>
                 </a:ext>
               </a:extLst>
             </p:cNvPr>
@@ -4785,235 +6482,7 @@
           </p:nvGrpSpPr>
           <p:grpSpPr>
             <a:xfrm>
-              <a:off x="903976" y="2651532"/>
-              <a:ext cx="1789103" cy="246221"/>
-              <a:chOff x="903976" y="3320457"/>
-              <a:chExt cx="1789103" cy="246221"/>
-            </a:xfrm>
-          </p:grpSpPr>
-          <p:sp>
-            <p:nvSpPr>
-              <p:cNvPr id="16" name="Rectangle 15">
-                <a:extLst>
-                  <a:ext uri="{FF2B5EF4-FFF2-40B4-BE49-F238E27FC236}">
-                    <a16:creationId xmlns:a16="http://schemas.microsoft.com/office/drawing/2014/main" id="{A03E24CE-C164-5340-4870-222EA9A15C90}"/>
-                  </a:ext>
-                </a:extLst>
-              </p:cNvPr>
-              <p:cNvSpPr/>
-              <p:nvPr/>
-            </p:nvSpPr>
-            <p:spPr>
-              <a:xfrm>
-                <a:off x="903976" y="3342268"/>
-                <a:ext cx="182880" cy="182880"/>
-              </a:xfrm>
-              <a:prstGeom prst="rect">
-                <a:avLst/>
-              </a:prstGeom>
-              <a:noFill/>
-              <a:ln w="25400">
-                <a:solidFill>
-                  <a:schemeClr val="accent6">
-                    <a:lumMod val="75000"/>
-                  </a:schemeClr>
-                </a:solidFill>
-                <a:prstDash val="sysDash"/>
-              </a:ln>
-            </p:spPr>
-            <p:style>
-              <a:lnRef idx="2">
-                <a:schemeClr val="accent1">
-                  <a:shade val="50000"/>
-                </a:schemeClr>
-              </a:lnRef>
-              <a:fillRef idx="1">
-                <a:schemeClr val="accent1"/>
-              </a:fillRef>
-              <a:effectRef idx="0">
-                <a:schemeClr val="accent1"/>
-              </a:effectRef>
-              <a:fontRef idx="minor">
-                <a:schemeClr val="lt1"/>
-              </a:fontRef>
-            </p:style>
-            <p:txBody>
-              <a:bodyPr rtlCol="0" anchor="ctr"/>
-              <a:lstStyle/>
-              <a:p>
-                <a:pPr algn="ctr"/>
-                <a:endParaRPr lang="en-US"/>
-              </a:p>
-            </p:txBody>
-          </p:sp>
-          <p:sp>
-            <p:nvSpPr>
-              <p:cNvPr id="43" name="TextBox 42">
-                <a:extLst>
-                  <a:ext uri="{FF2B5EF4-FFF2-40B4-BE49-F238E27FC236}">
-                    <a16:creationId xmlns:a16="http://schemas.microsoft.com/office/drawing/2014/main" id="{182DDC64-566F-B065-C406-FC6DBF3919C9}"/>
-                  </a:ext>
-                </a:extLst>
-              </p:cNvPr>
-              <p:cNvSpPr txBox="1"/>
-              <p:nvPr/>
-            </p:nvSpPr>
-            <p:spPr>
-              <a:xfrm>
-                <a:off x="1184461" y="3320457"/>
-                <a:ext cx="1508618" cy="246221"/>
-              </a:xfrm>
-              <a:prstGeom prst="rect">
-                <a:avLst/>
-              </a:prstGeom>
-              <a:noFill/>
-            </p:spPr>
-            <p:txBody>
-              <a:bodyPr wrap="none" lIns="0" tIns="0" rIns="0" bIns="0" rtlCol="0">
-                <a:spAutoFit/>
-              </a:bodyPr>
-              <a:lstStyle/>
-              <a:p>
-                <a:r>
-                  <a:rPr lang="en-US" sz="1600" dirty="0"/>
-                  <a:t>Forest Boundaries</a:t>
-                </a:r>
-              </a:p>
-            </p:txBody>
-          </p:sp>
-        </p:grpSp>
-        <p:grpSp>
-          <p:nvGrpSpPr>
-            <p:cNvPr id="56" name="Group 55">
-              <a:extLst>
-                <a:ext uri="{FF2B5EF4-FFF2-40B4-BE49-F238E27FC236}">
-                  <a16:creationId xmlns:a16="http://schemas.microsoft.com/office/drawing/2014/main" id="{0B70A098-ACEC-8A54-2E77-5EB062CC339C}"/>
-                </a:ext>
-              </a:extLst>
-            </p:cNvPr>
-            <p:cNvGrpSpPr/>
-            <p:nvPr/>
-          </p:nvGrpSpPr>
-          <p:grpSpPr>
-            <a:xfrm>
-              <a:off x="903976" y="2320850"/>
-              <a:ext cx="1939403" cy="246221"/>
-              <a:chOff x="903976" y="2989733"/>
-              <a:chExt cx="1939403" cy="246221"/>
-            </a:xfrm>
-          </p:grpSpPr>
-          <p:sp>
-            <p:nvSpPr>
-              <p:cNvPr id="14" name="Rectangle 13">
-                <a:extLst>
-                  <a:ext uri="{FF2B5EF4-FFF2-40B4-BE49-F238E27FC236}">
-                    <a16:creationId xmlns:a16="http://schemas.microsoft.com/office/drawing/2014/main" id="{F443DB75-FC65-C7F6-47F2-38F2BEC0E9CE}"/>
-                  </a:ext>
-                </a:extLst>
-              </p:cNvPr>
-              <p:cNvSpPr/>
-              <p:nvPr/>
-            </p:nvSpPr>
-            <p:spPr>
-              <a:xfrm>
-                <a:off x="903976" y="3005952"/>
-                <a:ext cx="182880" cy="182880"/>
-              </a:xfrm>
-              <a:prstGeom prst="rect">
-                <a:avLst/>
-              </a:prstGeom>
-              <a:pattFill prst="wdUpDiag">
-                <a:fgClr>
-                  <a:schemeClr val="bg2">
-                    <a:lumMod val="50000"/>
-                  </a:schemeClr>
-                </a:fgClr>
-                <a:bgClr>
-                  <a:schemeClr val="bg1"/>
-                </a:bgClr>
-              </a:pattFill>
-              <a:ln w="19050">
-                <a:solidFill>
-                  <a:srgbClr val="0070C0"/>
-                </a:solidFill>
-              </a:ln>
-            </p:spPr>
-            <p:style>
-              <a:lnRef idx="2">
-                <a:schemeClr val="accent1">
-                  <a:shade val="50000"/>
-                </a:schemeClr>
-              </a:lnRef>
-              <a:fillRef idx="1">
-                <a:schemeClr val="accent1"/>
-              </a:fillRef>
-              <a:effectRef idx="0">
-                <a:schemeClr val="accent1"/>
-              </a:effectRef>
-              <a:fontRef idx="minor">
-                <a:schemeClr val="lt1"/>
-              </a:fontRef>
-            </p:style>
-            <p:txBody>
-              <a:bodyPr rtlCol="0" anchor="ctr"/>
-              <a:lstStyle/>
-              <a:p>
-                <a:pPr algn="ctr"/>
-                <a:endParaRPr lang="en-US"/>
-              </a:p>
-            </p:txBody>
-          </p:sp>
-          <p:sp>
-            <p:nvSpPr>
-              <p:cNvPr id="44" name="TextBox 43">
-                <a:extLst>
-                  <a:ext uri="{FF2B5EF4-FFF2-40B4-BE49-F238E27FC236}">
-                    <a16:creationId xmlns:a16="http://schemas.microsoft.com/office/drawing/2014/main" id="{A75CDEC8-317A-A5D8-29B3-47F3AF68BD95}"/>
-                  </a:ext>
-                </a:extLst>
-              </p:cNvPr>
-              <p:cNvSpPr txBox="1"/>
-              <p:nvPr/>
-            </p:nvSpPr>
-            <p:spPr>
-              <a:xfrm>
-                <a:off x="1180680" y="2989733"/>
-                <a:ext cx="1662699" cy="246221"/>
-              </a:xfrm>
-              <a:prstGeom prst="rect">
-                <a:avLst/>
-              </a:prstGeom>
-              <a:noFill/>
-            </p:spPr>
-            <p:txBody>
-              <a:bodyPr wrap="none" lIns="0" tIns="0" rIns="0" bIns="0" rtlCol="0">
-                <a:spAutoFit/>
-              </a:bodyPr>
-              <a:lstStyle/>
-              <a:p>
-                <a:r>
-                  <a:rPr lang="en-US" sz="1600" dirty="0"/>
-                  <a:t>Fire Weather Watch</a:t>
-                </a:r>
-              </a:p>
-            </p:txBody>
-          </p:sp>
-        </p:grpSp>
-        <p:grpSp>
-          <p:nvGrpSpPr>
-            <p:cNvPr id="57" name="Group 56">
-              <a:extLst>
-                <a:ext uri="{FF2B5EF4-FFF2-40B4-BE49-F238E27FC236}">
-                  <a16:creationId xmlns:a16="http://schemas.microsoft.com/office/drawing/2014/main" id="{58A6492D-BAC6-CE4A-3D30-14194C913C1A}"/>
-                </a:ext>
-              </a:extLst>
-            </p:cNvPr>
-            <p:cNvGrpSpPr/>
-            <p:nvPr/>
-          </p:nvGrpSpPr>
-          <p:grpSpPr>
-            <a:xfrm>
-              <a:off x="903976" y="1990168"/>
+              <a:off x="4110869" y="4378729"/>
               <a:ext cx="1726332" cy="246221"/>
               <a:chOff x="903976" y="2659009"/>
               <a:chExt cx="1726332" cy="246221"/>
@@ -5021,10 +6490,10 @@
           </p:grpSpPr>
           <p:sp>
             <p:nvSpPr>
-              <p:cNvPr id="15" name="Rectangle 14">
+              <p:cNvPr id="79" name="Rectangle 78">
                 <a:extLst>
                   <a:ext uri="{FF2B5EF4-FFF2-40B4-BE49-F238E27FC236}">
-                    <a16:creationId xmlns:a16="http://schemas.microsoft.com/office/drawing/2014/main" id="{218DBABC-B0D6-8372-2C26-493640A0320A}"/>
+                    <a16:creationId xmlns:a16="http://schemas.microsoft.com/office/drawing/2014/main" id="{A7031607-E364-F17E-709A-621BCD0C4674}"/>
                   </a:ext>
                 </a:extLst>
               </p:cNvPr>
@@ -5082,10 +6551,10 @@
           </p:sp>
           <p:sp>
             <p:nvSpPr>
-              <p:cNvPr id="45" name="TextBox 44">
+              <p:cNvPr id="80" name="TextBox 79">
                 <a:extLst>
                   <a:ext uri="{FF2B5EF4-FFF2-40B4-BE49-F238E27FC236}">
-                    <a16:creationId xmlns:a16="http://schemas.microsoft.com/office/drawing/2014/main" id="{5C0297D3-61E1-A317-9A4E-E9F1B1214951}"/>
+                    <a16:creationId xmlns:a16="http://schemas.microsoft.com/office/drawing/2014/main" id="{5D3AFA2D-6F6E-989C-0BBC-EF00BDFE8323}"/>
                   </a:ext>
                 </a:extLst>
               </p:cNvPr>
@@ -5116,509 +6585,1520 @@
             </p:txBody>
           </p:sp>
         </p:grpSp>
-        <p:grpSp>
-          <p:nvGrpSpPr>
-            <p:cNvPr id="51" name="Group 50">
-              <a:extLst>
-                <a:ext uri="{FF2B5EF4-FFF2-40B4-BE49-F238E27FC236}">
-                  <a16:creationId xmlns:a16="http://schemas.microsoft.com/office/drawing/2014/main" id="{82DB199C-8391-602B-0DBC-CE6BE41B50BA}"/>
-                </a:ext>
-              </a:extLst>
-            </p:cNvPr>
-            <p:cNvGrpSpPr/>
-            <p:nvPr/>
-          </p:nvGrpSpPr>
-          <p:grpSpPr>
-            <a:xfrm>
-              <a:off x="903976" y="1655181"/>
-              <a:ext cx="1351422" cy="250526"/>
-              <a:chOff x="1018187" y="2307231"/>
-              <a:chExt cx="1351422" cy="250526"/>
-            </a:xfrm>
-          </p:grpSpPr>
-          <p:pic>
-            <p:nvPicPr>
-              <p:cNvPr id="13" name="Picture 12" descr="A red circle with a white circle in the middle&#10;&#10;Description automatically generated with low confidence">
-                <a:extLst>
-                  <a:ext uri="{FF2B5EF4-FFF2-40B4-BE49-F238E27FC236}">
-                    <a16:creationId xmlns:a16="http://schemas.microsoft.com/office/drawing/2014/main" id="{68B48F61-F52C-DAA5-A95B-64E8C0FEFA7D}"/>
-                  </a:ext>
-                </a:extLst>
-              </p:cNvPr>
-              <p:cNvPicPr>
-                <a:picLocks noChangeAspect="1"/>
-              </p:cNvPicPr>
-              <p:nvPr/>
-            </p:nvPicPr>
-            <p:blipFill>
-              <a:blip r:embed="rId5">
-                <a:extLst>
-                  <a:ext uri="{28A0092B-C50C-407E-A947-70E740481C1C}">
-                    <a14:useLocalDpi xmlns:a14="http://schemas.microsoft.com/office/drawing/2010/main" val="0"/>
-                  </a:ext>
-                </a:extLst>
-              </a:blip>
-              <a:stretch>
-                <a:fillRect/>
-              </a:stretch>
-            </p:blipFill>
-            <p:spPr>
-              <a:xfrm>
-                <a:off x="1018187" y="2307231"/>
-                <a:ext cx="228600" cy="228600"/>
-              </a:xfrm>
-              <a:prstGeom prst="rect">
-                <a:avLst/>
-              </a:prstGeom>
-            </p:spPr>
-          </p:pic>
-          <p:sp>
-            <p:nvSpPr>
-              <p:cNvPr id="46" name="TextBox 45">
-                <a:extLst>
-                  <a:ext uri="{FF2B5EF4-FFF2-40B4-BE49-F238E27FC236}">
-                    <a16:creationId xmlns:a16="http://schemas.microsoft.com/office/drawing/2014/main" id="{425E0E69-8021-FE8D-B5FB-7D6DC22B1126}"/>
-                  </a:ext>
-                </a:extLst>
-              </p:cNvPr>
-              <p:cNvSpPr txBox="1"/>
-              <p:nvPr/>
-            </p:nvSpPr>
-            <p:spPr>
-              <a:xfrm>
-                <a:off x="1294891" y="2311536"/>
-                <a:ext cx="1074718" cy="246221"/>
-              </a:xfrm>
-              <a:prstGeom prst="rect">
-                <a:avLst/>
-              </a:prstGeom>
-              <a:noFill/>
-            </p:spPr>
-            <p:txBody>
-              <a:bodyPr wrap="none" lIns="0" tIns="0" rIns="0" bIns="0" rtlCol="0">
-                <a:spAutoFit/>
-              </a:bodyPr>
-              <a:lstStyle/>
-              <a:p>
-                <a:r>
-                  <a:rPr lang="en-US" sz="1600" dirty="0"/>
-                  <a:t>Current Fires</a:t>
-                </a:r>
-              </a:p>
-            </p:txBody>
-          </p:sp>
-        </p:grpSp>
-        <p:grpSp>
-          <p:nvGrpSpPr>
-            <p:cNvPr id="50" name="Group 49">
-              <a:extLst>
-                <a:ext uri="{FF2B5EF4-FFF2-40B4-BE49-F238E27FC236}">
-                  <a16:creationId xmlns:a16="http://schemas.microsoft.com/office/drawing/2014/main" id="{94A87A05-42EB-A5F5-BA87-62292E44865F}"/>
-                </a:ext>
-              </a:extLst>
-            </p:cNvPr>
-            <p:cNvGrpSpPr/>
-            <p:nvPr/>
-          </p:nvGrpSpPr>
-          <p:grpSpPr>
-            <a:xfrm>
-              <a:off x="903976" y="1318229"/>
-              <a:ext cx="1832740" cy="252491"/>
-              <a:chOff x="1028927" y="1967300"/>
-              <a:chExt cx="1832740" cy="252491"/>
-            </a:xfrm>
-          </p:grpSpPr>
-          <p:pic>
-            <p:nvPicPr>
-              <p:cNvPr id="11" name="Picture 10" descr="Icon&#10;&#10;Description automatically generated">
-                <a:extLst>
-                  <a:ext uri="{FF2B5EF4-FFF2-40B4-BE49-F238E27FC236}">
-                    <a16:creationId xmlns:a16="http://schemas.microsoft.com/office/drawing/2014/main" id="{3C392174-31B5-2B31-FC8D-564EB5CB1B77}"/>
-                  </a:ext>
-                </a:extLst>
-              </p:cNvPr>
-              <p:cNvPicPr>
-                <a:picLocks noChangeAspect="1"/>
-              </p:cNvPicPr>
-              <p:nvPr/>
-            </p:nvPicPr>
-            <p:blipFill>
-              <a:blip r:embed="rId6">
-                <a:extLst>
-                  <a:ext uri="{28A0092B-C50C-407E-A947-70E740481C1C}">
-                    <a14:useLocalDpi xmlns:a14="http://schemas.microsoft.com/office/drawing/2010/main" val="0"/>
-                  </a:ext>
-                </a:extLst>
-              </a:blip>
-              <a:stretch>
-                <a:fillRect/>
-              </a:stretch>
-            </p:blipFill>
-            <p:spPr>
-              <a:xfrm>
-                <a:off x="1028927" y="1967300"/>
-                <a:ext cx="228600" cy="228600"/>
-              </a:xfrm>
-              <a:prstGeom prst="rect">
-                <a:avLst/>
-              </a:prstGeom>
-            </p:spPr>
-          </p:pic>
-          <p:sp>
-            <p:nvSpPr>
-              <p:cNvPr id="47" name="TextBox 46">
-                <a:extLst>
-                  <a:ext uri="{FF2B5EF4-FFF2-40B4-BE49-F238E27FC236}">
-                    <a16:creationId xmlns:a16="http://schemas.microsoft.com/office/drawing/2014/main" id="{5F55370A-C73E-53BB-B435-041354FFE0BD}"/>
-                  </a:ext>
-                </a:extLst>
-              </p:cNvPr>
-              <p:cNvSpPr txBox="1"/>
-              <p:nvPr/>
-            </p:nvSpPr>
-            <p:spPr>
-              <a:xfrm>
-                <a:off x="1294891" y="1973570"/>
-                <a:ext cx="1566776" cy="246221"/>
-              </a:xfrm>
-              <a:prstGeom prst="rect">
-                <a:avLst/>
-              </a:prstGeom>
-              <a:noFill/>
-            </p:spPr>
-            <p:txBody>
-              <a:bodyPr wrap="none" lIns="0" tIns="0" rIns="0" bIns="0" rtlCol="0">
-                <a:spAutoFit/>
-              </a:bodyPr>
-              <a:lstStyle/>
-              <a:p>
-                <a:r>
-                  <a:rPr lang="en-US" sz="1600" dirty="0"/>
-                  <a:t>CalFire Active Fires</a:t>
-                </a:r>
-              </a:p>
-            </p:txBody>
-          </p:sp>
-        </p:grpSp>
-        <p:grpSp>
-          <p:nvGrpSpPr>
-            <p:cNvPr id="49" name="Group 48">
-              <a:extLst>
-                <a:ext uri="{FF2B5EF4-FFF2-40B4-BE49-F238E27FC236}">
-                  <a16:creationId xmlns:a16="http://schemas.microsoft.com/office/drawing/2014/main" id="{591CB7D3-B5EF-3765-EBE1-06A26DBBBAED}"/>
-                </a:ext>
-              </a:extLst>
-            </p:cNvPr>
-            <p:cNvGrpSpPr/>
-            <p:nvPr/>
-          </p:nvGrpSpPr>
-          <p:grpSpPr>
-            <a:xfrm>
-              <a:off x="903976" y="987547"/>
-              <a:ext cx="2480135" cy="246221"/>
-              <a:chOff x="1018187" y="1638967"/>
-              <a:chExt cx="2480135" cy="246221"/>
-            </a:xfrm>
-          </p:grpSpPr>
-          <p:pic>
-            <p:nvPicPr>
-              <p:cNvPr id="9" name="Picture 8" descr="A picture containing sunset, light&#10;&#10;Description automatically generated">
-                <a:extLst>
-                  <a:ext uri="{FF2B5EF4-FFF2-40B4-BE49-F238E27FC236}">
-                    <a16:creationId xmlns:a16="http://schemas.microsoft.com/office/drawing/2014/main" id="{5D6420CE-B257-78E2-9FF7-764AF2C876FB}"/>
-                  </a:ext>
-                </a:extLst>
-              </p:cNvPr>
-              <p:cNvPicPr>
-                <a:picLocks noChangeAspect="1"/>
-              </p:cNvPicPr>
-              <p:nvPr/>
-            </p:nvPicPr>
-            <p:blipFill>
-              <a:blip r:embed="rId7">
-                <a:extLst>
-                  <a:ext uri="{28A0092B-C50C-407E-A947-70E740481C1C}">
-                    <a14:useLocalDpi xmlns:a14="http://schemas.microsoft.com/office/drawing/2010/main" val="0"/>
-                  </a:ext>
-                </a:extLst>
-              </a:blip>
-              <a:stretch>
-                <a:fillRect/>
-              </a:stretch>
-            </p:blipFill>
-            <p:spPr>
-              <a:xfrm>
-                <a:off x="1018187" y="1644936"/>
-                <a:ext cx="228600" cy="211033"/>
-              </a:xfrm>
-              <a:prstGeom prst="rect">
-                <a:avLst/>
-              </a:prstGeom>
-            </p:spPr>
-          </p:pic>
-          <p:sp>
-            <p:nvSpPr>
-              <p:cNvPr id="48" name="TextBox 47">
-                <a:extLst>
-                  <a:ext uri="{FF2B5EF4-FFF2-40B4-BE49-F238E27FC236}">
-                    <a16:creationId xmlns:a16="http://schemas.microsoft.com/office/drawing/2014/main" id="{AAE2288F-D2E5-D9B3-21B1-BECCC3CC89F1}"/>
-                  </a:ext>
-                </a:extLst>
-              </p:cNvPr>
-              <p:cNvSpPr txBox="1"/>
-              <p:nvPr/>
-            </p:nvSpPr>
-            <p:spPr>
-              <a:xfrm>
-                <a:off x="1307145" y="1638967"/>
-                <a:ext cx="2191177" cy="246221"/>
-              </a:xfrm>
-              <a:prstGeom prst="rect">
-                <a:avLst/>
-              </a:prstGeom>
-              <a:noFill/>
-            </p:spPr>
-            <p:txBody>
-              <a:bodyPr wrap="none" lIns="0" tIns="0" rIns="0" bIns="0" rtlCol="0">
-                <a:spAutoFit/>
-              </a:bodyPr>
-              <a:lstStyle/>
-              <a:p>
-                <a:r>
-                  <a:rPr lang="en-US" sz="1600" dirty="0"/>
-                  <a:t>New Fire Starts – 24 hours</a:t>
-                </a:r>
-              </a:p>
-            </p:txBody>
-          </p:sp>
-        </p:grpSp>
-        <p:grpSp>
-          <p:nvGrpSpPr>
-            <p:cNvPr id="63" name="Group 62">
-              <a:extLst>
-                <a:ext uri="{FF2B5EF4-FFF2-40B4-BE49-F238E27FC236}">
-                  <a16:creationId xmlns:a16="http://schemas.microsoft.com/office/drawing/2014/main" id="{963FCAA4-BC47-5B58-F243-8F630C9D7847}"/>
-                </a:ext>
-              </a:extLst>
-            </p:cNvPr>
-            <p:cNvGrpSpPr/>
-            <p:nvPr/>
-          </p:nvGrpSpPr>
-          <p:grpSpPr>
-            <a:xfrm>
-              <a:off x="903976" y="3356319"/>
-              <a:ext cx="2385292" cy="246221"/>
-              <a:chOff x="903976" y="3320457"/>
-              <a:chExt cx="2385292" cy="246221"/>
-            </a:xfrm>
-          </p:grpSpPr>
-          <p:sp>
-            <p:nvSpPr>
-              <p:cNvPr id="64" name="Rectangle 63">
-                <a:extLst>
-                  <a:ext uri="{FF2B5EF4-FFF2-40B4-BE49-F238E27FC236}">
-                    <a16:creationId xmlns:a16="http://schemas.microsoft.com/office/drawing/2014/main" id="{A3E46E4B-5FF0-2C1C-7D62-7E2AE76169FF}"/>
-                  </a:ext>
-                </a:extLst>
-              </p:cNvPr>
-              <p:cNvSpPr/>
-              <p:nvPr/>
-            </p:nvSpPr>
-            <p:spPr>
-              <a:xfrm>
-                <a:off x="903976" y="3342268"/>
-                <a:ext cx="182880" cy="182880"/>
-              </a:xfrm>
-              <a:prstGeom prst="rect">
-                <a:avLst/>
-              </a:prstGeom>
-              <a:noFill/>
-              <a:ln w="25400">
-                <a:solidFill>
-                  <a:srgbClr val="6E57D2"/>
-                </a:solidFill>
-                <a:prstDash val="sysDash"/>
-              </a:ln>
-            </p:spPr>
-            <p:style>
-              <a:lnRef idx="2">
-                <a:schemeClr val="accent1">
-                  <a:shade val="50000"/>
-                </a:schemeClr>
-              </a:lnRef>
-              <a:fillRef idx="1">
-                <a:schemeClr val="accent1"/>
-              </a:fillRef>
-              <a:effectRef idx="0">
-                <a:schemeClr val="accent1"/>
-              </a:effectRef>
-              <a:fontRef idx="minor">
-                <a:schemeClr val="lt1"/>
-              </a:fontRef>
-            </p:style>
-            <p:txBody>
-              <a:bodyPr rtlCol="0" anchor="ctr"/>
-              <a:lstStyle/>
-              <a:p>
-                <a:pPr algn="ctr"/>
-                <a:endParaRPr lang="en-US" dirty="0"/>
-              </a:p>
-            </p:txBody>
-          </p:sp>
-          <p:sp>
-            <p:nvSpPr>
-              <p:cNvPr id="65" name="TextBox 64">
-                <a:extLst>
-                  <a:ext uri="{FF2B5EF4-FFF2-40B4-BE49-F238E27FC236}">
-                    <a16:creationId xmlns:a16="http://schemas.microsoft.com/office/drawing/2014/main" id="{C50169B9-8D43-23CD-42EF-F9D1B82C2097}"/>
-                  </a:ext>
-                </a:extLst>
-              </p:cNvPr>
-              <p:cNvSpPr txBox="1"/>
-              <p:nvPr/>
-            </p:nvSpPr>
-            <p:spPr>
-              <a:xfrm>
-                <a:off x="1184461" y="3320457"/>
-                <a:ext cx="2104807" cy="246221"/>
-              </a:xfrm>
-              <a:prstGeom prst="rect">
-                <a:avLst/>
-              </a:prstGeom>
-              <a:noFill/>
-            </p:spPr>
-            <p:txBody>
-              <a:bodyPr wrap="none" lIns="0" tIns="0" rIns="0" bIns="0" rtlCol="0">
-                <a:spAutoFit/>
-              </a:bodyPr>
-              <a:lstStyle/>
-              <a:p>
-                <a:r>
-                  <a:rPr lang="en-US" sz="1600" dirty="0"/>
-                  <a:t>National Park Boundaries</a:t>
-                </a:r>
-              </a:p>
-            </p:txBody>
-          </p:sp>
-        </p:grpSp>
-        <p:grpSp>
-          <p:nvGrpSpPr>
-            <p:cNvPr id="66" name="Group 65">
-              <a:extLst>
-                <a:ext uri="{FF2B5EF4-FFF2-40B4-BE49-F238E27FC236}">
-                  <a16:creationId xmlns:a16="http://schemas.microsoft.com/office/drawing/2014/main" id="{5C0D297D-C4D4-592D-0807-B637212DB59E}"/>
-                </a:ext>
-              </a:extLst>
-            </p:cNvPr>
-            <p:cNvGrpSpPr/>
-            <p:nvPr/>
-          </p:nvGrpSpPr>
-          <p:grpSpPr>
-            <a:xfrm>
-              <a:off x="898251" y="3006751"/>
-              <a:ext cx="2227556" cy="246221"/>
-              <a:chOff x="903976" y="3320457"/>
-              <a:chExt cx="2227556" cy="246221"/>
-            </a:xfrm>
-          </p:grpSpPr>
-          <p:sp>
-            <p:nvSpPr>
-              <p:cNvPr id="67" name="Rectangle 66">
-                <a:extLst>
-                  <a:ext uri="{FF2B5EF4-FFF2-40B4-BE49-F238E27FC236}">
-                    <a16:creationId xmlns:a16="http://schemas.microsoft.com/office/drawing/2014/main" id="{B620F8EB-D753-7BC9-B35C-F9D813171B9A}"/>
-                  </a:ext>
-                </a:extLst>
-              </p:cNvPr>
-              <p:cNvSpPr/>
-              <p:nvPr/>
-            </p:nvSpPr>
-            <p:spPr>
-              <a:xfrm>
-                <a:off x="903976" y="3342268"/>
-                <a:ext cx="182880" cy="182880"/>
-              </a:xfrm>
-              <a:prstGeom prst="rect">
-                <a:avLst/>
-              </a:prstGeom>
-              <a:solidFill>
-                <a:srgbClr val="F7ADA4">
-                  <a:alpha val="50000"/>
-                </a:srgbClr>
-              </a:solidFill>
-              <a:ln w="25400">
-                <a:solidFill>
-                  <a:srgbClr val="E60C0C"/>
-                </a:solidFill>
-                <a:prstDash val="solid"/>
-              </a:ln>
-            </p:spPr>
-            <p:style>
-              <a:lnRef idx="2">
-                <a:schemeClr val="accent1">
-                  <a:shade val="50000"/>
-                </a:schemeClr>
-              </a:lnRef>
-              <a:fillRef idx="1">
-                <a:schemeClr val="accent1"/>
-              </a:fillRef>
-              <a:effectRef idx="0">
-                <a:schemeClr val="accent1"/>
-              </a:effectRef>
-              <a:fontRef idx="minor">
-                <a:schemeClr val="lt1"/>
-              </a:fontRef>
-            </p:style>
-            <p:txBody>
-              <a:bodyPr rtlCol="0" anchor="ctr"/>
-              <a:lstStyle/>
-              <a:p>
-                <a:pPr algn="ctr"/>
-                <a:endParaRPr lang="en-US"/>
-              </a:p>
-            </p:txBody>
-          </p:sp>
-          <p:sp>
-            <p:nvSpPr>
-              <p:cNvPr id="68" name="TextBox 67">
-                <a:extLst>
-                  <a:ext uri="{FF2B5EF4-FFF2-40B4-BE49-F238E27FC236}">
-                    <a16:creationId xmlns:a16="http://schemas.microsoft.com/office/drawing/2014/main" id="{7AF608A2-6058-33E5-8098-8A84E0960561}"/>
-                  </a:ext>
-                </a:extLst>
-              </p:cNvPr>
-              <p:cNvSpPr txBox="1"/>
-              <p:nvPr/>
-            </p:nvSpPr>
-            <p:spPr>
-              <a:xfrm>
-                <a:off x="1184461" y="3320457"/>
-                <a:ext cx="1947071" cy="246221"/>
-              </a:xfrm>
-              <a:prstGeom prst="rect">
-                <a:avLst/>
-              </a:prstGeom>
-              <a:noFill/>
-            </p:spPr>
-            <p:txBody>
-              <a:bodyPr wrap="none" lIns="0" tIns="0" rIns="0" bIns="0" rtlCol="0">
-                <a:spAutoFit/>
-              </a:bodyPr>
-              <a:lstStyle/>
-              <a:p>
-                <a:r>
-                  <a:rPr lang="en-US" sz="1600" dirty="0"/>
-                  <a:t>Current Fire Perimeters</a:t>
-                </a:r>
-              </a:p>
-            </p:txBody>
-          </p:sp>
-        </p:grpSp>
       </p:grpSp>
     </p:spTree>
     <p:extLst>
       <p:ext uri="{BB962C8B-B14F-4D97-AF65-F5344CB8AC3E}">
         <p14:creationId xmlns:p14="http://schemas.microsoft.com/office/powerpoint/2010/main" val="542090854"/>
+      </p:ext>
+    </p:extLst>
+  </p:cSld>
+  <p:clrMapOvr>
+    <a:masterClrMapping/>
+  </p:clrMapOvr>
+</p:sld>
+</file>
+
+<file path=ppt/slides/slide2.xml><?xml version="1.0" encoding="utf-8"?>
+<p:sld xmlns:a="http://schemas.openxmlformats.org/drawingml/2006/main" xmlns:r="http://schemas.openxmlformats.org/officeDocument/2006/relationships" xmlns:p="http://schemas.openxmlformats.org/presentationml/2006/main">
+  <p:cSld>
+    <p:spTree>
+      <p:nvGrpSpPr>
+        <p:cNvPr id="1" name=""/>
+        <p:cNvGrpSpPr/>
+        <p:nvPr/>
+      </p:nvGrpSpPr>
+      <p:grpSpPr>
+        <a:xfrm>
+          <a:off x="0" y="0"/>
+          <a:ext cx="0" cy="0"/>
+          <a:chOff x="0" y="0"/>
+          <a:chExt cx="0" cy="0"/>
+        </a:xfrm>
+      </p:grpSpPr>
+      <p:pic>
+        <p:nvPicPr>
+          <p:cNvPr id="5" name="Picture 4" descr="Diagram&#10;&#10;Description automatically generated">
+            <a:extLst>
+              <a:ext uri="{FF2B5EF4-FFF2-40B4-BE49-F238E27FC236}">
+                <a16:creationId xmlns:a16="http://schemas.microsoft.com/office/drawing/2014/main" id="{FB318DB4-D8B2-EF7B-9B35-E0864E9A16B3}"/>
+              </a:ext>
+            </a:extLst>
+          </p:cNvPr>
+          <p:cNvPicPr>
+            <a:picLocks noChangeAspect="1"/>
+          </p:cNvPicPr>
+          <p:nvPr/>
+        </p:nvPicPr>
+        <p:blipFill rotWithShape="1">
+          <a:blip r:embed="rId2">
+            <a:extLst>
+              <a:ext uri="{28A0092B-C50C-407E-A947-70E740481C1C}">
+                <a14:useLocalDpi xmlns:a14="http://schemas.microsoft.com/office/drawing/2010/main" val="0"/>
+              </a:ext>
+            </a:extLst>
+          </a:blip>
+          <a:srcRect l="6422" t="25264" r="12596" b="8681"/>
+          <a:stretch/>
+        </p:blipFill>
+        <p:spPr>
+          <a:xfrm>
+            <a:off x="9178506" y="189781"/>
+            <a:ext cx="2527540" cy="2061713"/>
+          </a:xfrm>
+          <a:prstGeom prst="rect">
+            <a:avLst/>
+          </a:prstGeom>
+        </p:spPr>
+      </p:pic>
+      <p:pic>
+        <p:nvPicPr>
+          <p:cNvPr id="9" name="Picture 8" descr="Company name&#10;&#10;Description automatically generated">
+            <a:extLst>
+              <a:ext uri="{FF2B5EF4-FFF2-40B4-BE49-F238E27FC236}">
+                <a16:creationId xmlns:a16="http://schemas.microsoft.com/office/drawing/2014/main" id="{B7FA97DF-C8F6-9303-13DF-68718B20C506}"/>
+              </a:ext>
+            </a:extLst>
+          </p:cNvPr>
+          <p:cNvPicPr>
+            <a:picLocks noChangeAspect="1"/>
+          </p:cNvPicPr>
+          <p:nvPr/>
+        </p:nvPicPr>
+        <p:blipFill>
+          <a:blip r:embed="rId3">
+            <a:extLst>
+              <a:ext uri="{28A0092B-C50C-407E-A947-70E740481C1C}">
+                <a14:useLocalDpi xmlns:a14="http://schemas.microsoft.com/office/drawing/2010/main" val="0"/>
+              </a:ext>
+            </a:extLst>
+          </a:blip>
+          <a:stretch>
+            <a:fillRect/>
+          </a:stretch>
+        </p:blipFill>
+        <p:spPr>
+          <a:xfrm>
+            <a:off x="9969260" y="2023700"/>
+            <a:ext cx="3121152" cy="3121152"/>
+          </a:xfrm>
+          <a:prstGeom prst="rect">
+            <a:avLst/>
+          </a:prstGeom>
+        </p:spPr>
+      </p:pic>
+      <p:pic>
+        <p:nvPicPr>
+          <p:cNvPr id="10" name="Picture 9">
+            <a:extLst>
+              <a:ext uri="{FF2B5EF4-FFF2-40B4-BE49-F238E27FC236}">
+                <a16:creationId xmlns:a16="http://schemas.microsoft.com/office/drawing/2014/main" id="{37EBCC8E-CCC4-0197-F6B3-13B827E5E311}"/>
+              </a:ext>
+            </a:extLst>
+          </p:cNvPr>
+          <p:cNvPicPr>
+            <a:picLocks noChangeAspect="1"/>
+          </p:cNvPicPr>
+          <p:nvPr/>
+        </p:nvPicPr>
+        <p:blipFill rotWithShape="1">
+          <a:blip r:embed="rId4"/>
+          <a:srcRect l="9467" t="59811" r="59581" b="9237"/>
+          <a:stretch/>
+        </p:blipFill>
+        <p:spPr>
+          <a:xfrm rot="831805">
+            <a:off x="7246820" y="1053089"/>
+            <a:ext cx="621104" cy="621103"/>
+          </a:xfrm>
+          <a:prstGeom prst="rect">
+            <a:avLst/>
+          </a:prstGeom>
+        </p:spPr>
+      </p:pic>
+      <p:pic>
+        <p:nvPicPr>
+          <p:cNvPr id="12" name="Graphic 11" descr="Squirrel with solid fill">
+            <a:extLst>
+              <a:ext uri="{FF2B5EF4-FFF2-40B4-BE49-F238E27FC236}">
+                <a16:creationId xmlns:a16="http://schemas.microsoft.com/office/drawing/2014/main" id="{A6623F25-1F80-DD8E-91F7-A8EA1A3ABD06}"/>
+              </a:ext>
+            </a:extLst>
+          </p:cNvPr>
+          <p:cNvPicPr>
+            <a:picLocks noChangeAspect="1"/>
+          </p:cNvPicPr>
+          <p:nvPr/>
+        </p:nvPicPr>
+        <p:blipFill>
+          <a:blip r:embed="rId5">
+            <a:extLst>
+              <a:ext uri="{28A0092B-C50C-407E-A947-70E740481C1C}">
+                <a14:useLocalDpi xmlns:a14="http://schemas.microsoft.com/office/drawing/2010/main" val="0"/>
+              </a:ext>
+              <a:ext uri="{96DAC541-7B7A-43D3-8B79-37D633B846F1}">
+                <asvg:svgBlip xmlns:asvg="http://schemas.microsoft.com/office/drawing/2016/SVG/main" r:embed="rId6"/>
+              </a:ext>
+            </a:extLst>
+          </a:blip>
+          <a:stretch>
+            <a:fillRect/>
+          </a:stretch>
+        </p:blipFill>
+        <p:spPr>
+          <a:xfrm>
+            <a:off x="1423357" y="3241961"/>
+            <a:ext cx="2903536" cy="2903536"/>
+          </a:xfrm>
+          <a:prstGeom prst="rect">
+            <a:avLst/>
+          </a:prstGeom>
+        </p:spPr>
+      </p:pic>
+      <p:grpSp>
+        <p:nvGrpSpPr>
+          <p:cNvPr id="23" name="Graphic 13" descr="Earth globe: Americas with solid fill">
+            <a:extLst>
+              <a:ext uri="{FF2B5EF4-FFF2-40B4-BE49-F238E27FC236}">
+                <a16:creationId xmlns:a16="http://schemas.microsoft.com/office/drawing/2014/main" id="{FB22DE93-6ADB-BBF8-1375-EB42AE103476}"/>
+              </a:ext>
+            </a:extLst>
+          </p:cNvPr>
+          <p:cNvGrpSpPr/>
+          <p:nvPr/>
+        </p:nvGrpSpPr>
+        <p:grpSpPr>
+          <a:xfrm>
+            <a:off x="4155512" y="4237957"/>
+            <a:ext cx="1325409" cy="1252599"/>
+            <a:chOff x="4963919" y="3633551"/>
+            <a:chExt cx="555444" cy="555444"/>
+          </a:xfrm>
+          <a:solidFill>
+            <a:srgbClr val="000000"/>
+          </a:solidFill>
+        </p:grpSpPr>
+        <p:sp>
+          <p:nvSpPr>
+            <p:cNvPr id="24" name="Freeform: Shape 23">
+              <a:extLst>
+                <a:ext uri="{FF2B5EF4-FFF2-40B4-BE49-F238E27FC236}">
+                  <a16:creationId xmlns:a16="http://schemas.microsoft.com/office/drawing/2014/main" id="{F2E7603F-D784-978D-7DEE-72F61C5745AF}"/>
+                </a:ext>
+              </a:extLst>
+            </p:cNvPr>
+            <p:cNvSpPr/>
+            <p:nvPr/>
+          </p:nvSpPr>
+          <p:spPr>
+            <a:xfrm>
+              <a:off x="4963919" y="3633551"/>
+              <a:ext cx="555444" cy="555444"/>
+            </a:xfrm>
+            <a:custGeom>
+              <a:avLst/>
+              <a:gdLst>
+                <a:gd name="connsiteX0" fmla="*/ 277722 w 555444"/>
+                <a:gd name="connsiteY0" fmla="*/ 0 h 555444"/>
+                <a:gd name="connsiteX1" fmla="*/ 0 w 555444"/>
+                <a:gd name="connsiteY1" fmla="*/ 277722 h 555444"/>
+                <a:gd name="connsiteX2" fmla="*/ 277722 w 555444"/>
+                <a:gd name="connsiteY2" fmla="*/ 555444 h 555444"/>
+                <a:gd name="connsiteX3" fmla="*/ 555444 w 555444"/>
+                <a:gd name="connsiteY3" fmla="*/ 277722 h 555444"/>
+                <a:gd name="connsiteX4" fmla="*/ 277722 w 555444"/>
+                <a:gd name="connsiteY4" fmla="*/ 0 h 555444"/>
+                <a:gd name="connsiteX5" fmla="*/ 29234 w 555444"/>
+                <a:gd name="connsiteY5" fmla="*/ 277722 h 555444"/>
+                <a:gd name="connsiteX6" fmla="*/ 95010 w 555444"/>
+                <a:gd name="connsiteY6" fmla="*/ 109627 h 555444"/>
+                <a:gd name="connsiteX7" fmla="*/ 109627 w 555444"/>
+                <a:gd name="connsiteY7" fmla="*/ 124244 h 555444"/>
+                <a:gd name="connsiteX8" fmla="*/ 109627 w 555444"/>
+                <a:gd name="connsiteY8" fmla="*/ 170288 h 555444"/>
+                <a:gd name="connsiteX9" fmla="*/ 112551 w 555444"/>
+                <a:gd name="connsiteY9" fmla="*/ 179058 h 555444"/>
+                <a:gd name="connsiteX10" fmla="*/ 160787 w 555444"/>
+                <a:gd name="connsiteY10" fmla="*/ 241180 h 555444"/>
+                <a:gd name="connsiteX11" fmla="*/ 164441 w 555444"/>
+                <a:gd name="connsiteY11" fmla="*/ 237526 h 555444"/>
+                <a:gd name="connsiteX12" fmla="*/ 165902 w 555444"/>
+                <a:gd name="connsiteY12" fmla="*/ 228755 h 555444"/>
+                <a:gd name="connsiteX13" fmla="*/ 157132 w 555444"/>
+                <a:gd name="connsiteY13" fmla="*/ 214138 h 555444"/>
+                <a:gd name="connsiteX14" fmla="*/ 165902 w 555444"/>
+                <a:gd name="connsiteY14" fmla="*/ 203176 h 555444"/>
+                <a:gd name="connsiteX15" fmla="*/ 170288 w 555444"/>
+                <a:gd name="connsiteY15" fmla="*/ 206830 h 555444"/>
+                <a:gd name="connsiteX16" fmla="*/ 194406 w 555444"/>
+                <a:gd name="connsiteY16" fmla="*/ 254335 h 555444"/>
+                <a:gd name="connsiteX17" fmla="*/ 206830 w 555444"/>
+                <a:gd name="connsiteY17" fmla="*/ 265298 h 555444"/>
+                <a:gd name="connsiteX18" fmla="*/ 238987 w 555444"/>
+                <a:gd name="connsiteY18" fmla="*/ 276261 h 555444"/>
+                <a:gd name="connsiteX19" fmla="*/ 243372 w 555444"/>
+                <a:gd name="connsiteY19" fmla="*/ 279915 h 555444"/>
+                <a:gd name="connsiteX20" fmla="*/ 245565 w 555444"/>
+                <a:gd name="connsiteY20" fmla="*/ 283569 h 555444"/>
+                <a:gd name="connsiteX21" fmla="*/ 258720 w 555444"/>
+                <a:gd name="connsiteY21" fmla="*/ 291608 h 555444"/>
+                <a:gd name="connsiteX22" fmla="*/ 267490 w 555444"/>
+                <a:gd name="connsiteY22" fmla="*/ 291608 h 555444"/>
+                <a:gd name="connsiteX23" fmla="*/ 273337 w 555444"/>
+                <a:gd name="connsiteY23" fmla="*/ 294532 h 555444"/>
+                <a:gd name="connsiteX24" fmla="*/ 282838 w 555444"/>
+                <a:gd name="connsiteY24" fmla="*/ 308418 h 555444"/>
+                <a:gd name="connsiteX25" fmla="*/ 291608 w 555444"/>
+                <a:gd name="connsiteY25" fmla="*/ 314265 h 555444"/>
+                <a:gd name="connsiteX26" fmla="*/ 306956 w 555444"/>
+                <a:gd name="connsiteY26" fmla="*/ 317919 h 555444"/>
+                <a:gd name="connsiteX27" fmla="*/ 312072 w 555444"/>
+                <a:gd name="connsiteY27" fmla="*/ 327420 h 555444"/>
+                <a:gd name="connsiteX28" fmla="*/ 300378 w 555444"/>
+                <a:gd name="connsiteY28" fmla="*/ 355923 h 555444"/>
+                <a:gd name="connsiteX29" fmla="*/ 344229 w 555444"/>
+                <a:gd name="connsiteY29" fmla="*/ 429008 h 555444"/>
+                <a:gd name="connsiteX30" fmla="*/ 337652 w 555444"/>
+                <a:gd name="connsiteY30" fmla="*/ 516709 h 555444"/>
+                <a:gd name="connsiteX31" fmla="*/ 278453 w 555444"/>
+                <a:gd name="connsiteY31" fmla="*/ 524018 h 555444"/>
+                <a:gd name="connsiteX32" fmla="*/ 29234 w 555444"/>
+                <a:gd name="connsiteY32" fmla="*/ 277722 h 555444"/>
+                <a:gd name="connsiteX33" fmla="*/ 371271 w 555444"/>
+                <a:gd name="connsiteY33" fmla="*/ 507939 h 555444"/>
+                <a:gd name="connsiteX34" fmla="*/ 423892 w 555444"/>
+                <a:gd name="connsiteY34" fmla="*/ 460434 h 555444"/>
+                <a:gd name="connsiteX35" fmla="*/ 438509 w 555444"/>
+                <a:gd name="connsiteY35" fmla="*/ 423892 h 555444"/>
+                <a:gd name="connsiteX36" fmla="*/ 489668 w 555444"/>
+                <a:gd name="connsiteY36" fmla="*/ 372732 h 555444"/>
+                <a:gd name="connsiteX37" fmla="*/ 438509 w 555444"/>
+                <a:gd name="connsiteY37" fmla="*/ 336190 h 555444"/>
+                <a:gd name="connsiteX38" fmla="*/ 350807 w 555444"/>
+                <a:gd name="connsiteY38" fmla="*/ 292339 h 555444"/>
+                <a:gd name="connsiteX39" fmla="*/ 314265 w 555444"/>
+                <a:gd name="connsiteY39" fmla="*/ 306956 h 555444"/>
+                <a:gd name="connsiteX40" fmla="*/ 299648 w 555444"/>
+                <a:gd name="connsiteY40" fmla="*/ 299648 h 555444"/>
+                <a:gd name="connsiteX41" fmla="*/ 299648 w 555444"/>
+                <a:gd name="connsiteY41" fmla="*/ 277722 h 555444"/>
+                <a:gd name="connsiteX42" fmla="*/ 292339 w 555444"/>
+                <a:gd name="connsiteY42" fmla="*/ 270414 h 555444"/>
+                <a:gd name="connsiteX43" fmla="*/ 277722 w 555444"/>
+                <a:gd name="connsiteY43" fmla="*/ 270414 h 555444"/>
+                <a:gd name="connsiteX44" fmla="*/ 277722 w 555444"/>
+                <a:gd name="connsiteY44" fmla="*/ 248488 h 555444"/>
+                <a:gd name="connsiteX45" fmla="*/ 270414 w 555444"/>
+                <a:gd name="connsiteY45" fmla="*/ 241180 h 555444"/>
+                <a:gd name="connsiteX46" fmla="*/ 263105 w 555444"/>
+                <a:gd name="connsiteY46" fmla="*/ 241180 h 555444"/>
+                <a:gd name="connsiteX47" fmla="*/ 255066 w 555444"/>
+                <a:gd name="connsiteY47" fmla="*/ 246296 h 555444"/>
+                <a:gd name="connsiteX48" fmla="*/ 233871 w 555444"/>
+                <a:gd name="connsiteY48" fmla="*/ 240449 h 555444"/>
+                <a:gd name="connsiteX49" fmla="*/ 226563 w 555444"/>
+                <a:gd name="connsiteY49" fmla="*/ 225832 h 555444"/>
+                <a:gd name="connsiteX50" fmla="*/ 263105 w 555444"/>
+                <a:gd name="connsiteY50" fmla="*/ 196598 h 555444"/>
+                <a:gd name="connsiteX51" fmla="*/ 279184 w 555444"/>
+                <a:gd name="connsiteY51" fmla="*/ 196598 h 555444"/>
+                <a:gd name="connsiteX52" fmla="*/ 286492 w 555444"/>
+                <a:gd name="connsiteY52" fmla="*/ 202445 h 555444"/>
+                <a:gd name="connsiteX53" fmla="*/ 290877 w 555444"/>
+                <a:gd name="connsiteY53" fmla="*/ 220716 h 555444"/>
+                <a:gd name="connsiteX54" fmla="*/ 298186 w 555444"/>
+                <a:gd name="connsiteY54" fmla="*/ 226563 h 555444"/>
+                <a:gd name="connsiteX55" fmla="*/ 301109 w 555444"/>
+                <a:gd name="connsiteY55" fmla="*/ 226563 h 555444"/>
+                <a:gd name="connsiteX56" fmla="*/ 308418 w 555444"/>
+                <a:gd name="connsiteY56" fmla="*/ 220716 h 555444"/>
+                <a:gd name="connsiteX57" fmla="*/ 313534 w 555444"/>
+                <a:gd name="connsiteY57" fmla="*/ 193675 h 555444"/>
+                <a:gd name="connsiteX58" fmla="*/ 316457 w 555444"/>
+                <a:gd name="connsiteY58" fmla="*/ 187097 h 555444"/>
+                <a:gd name="connsiteX59" fmla="*/ 336921 w 555444"/>
+                <a:gd name="connsiteY59" fmla="*/ 161517 h 555444"/>
+                <a:gd name="connsiteX60" fmla="*/ 353730 w 555444"/>
+                <a:gd name="connsiteY60" fmla="*/ 153478 h 555444"/>
+                <a:gd name="connsiteX61" fmla="*/ 372732 w 555444"/>
+                <a:gd name="connsiteY61" fmla="*/ 153478 h 555444"/>
+                <a:gd name="connsiteX62" fmla="*/ 380041 w 555444"/>
+                <a:gd name="connsiteY62" fmla="*/ 146170 h 555444"/>
+                <a:gd name="connsiteX63" fmla="*/ 380041 w 555444"/>
+                <a:gd name="connsiteY63" fmla="*/ 138861 h 555444"/>
+                <a:gd name="connsiteX64" fmla="*/ 377848 w 555444"/>
+                <a:gd name="connsiteY64" fmla="*/ 136669 h 555444"/>
+                <a:gd name="connsiteX65" fmla="*/ 382964 w 555444"/>
+                <a:gd name="connsiteY65" fmla="*/ 124244 h 555444"/>
+                <a:gd name="connsiteX66" fmla="*/ 387349 w 555444"/>
+                <a:gd name="connsiteY66" fmla="*/ 124244 h 555444"/>
+                <a:gd name="connsiteX67" fmla="*/ 394658 w 555444"/>
+                <a:gd name="connsiteY67" fmla="*/ 131553 h 555444"/>
+                <a:gd name="connsiteX68" fmla="*/ 401966 w 555444"/>
+                <a:gd name="connsiteY68" fmla="*/ 138861 h 555444"/>
+                <a:gd name="connsiteX69" fmla="*/ 409275 w 555444"/>
+                <a:gd name="connsiteY69" fmla="*/ 138861 h 555444"/>
+                <a:gd name="connsiteX70" fmla="*/ 413660 w 555444"/>
+                <a:gd name="connsiteY70" fmla="*/ 119859 h 555444"/>
+                <a:gd name="connsiteX71" fmla="*/ 407082 w 555444"/>
+                <a:gd name="connsiteY71" fmla="*/ 103780 h 555444"/>
+                <a:gd name="connsiteX72" fmla="*/ 344960 w 555444"/>
+                <a:gd name="connsiteY72" fmla="*/ 66507 h 555444"/>
+                <a:gd name="connsiteX73" fmla="*/ 341306 w 555444"/>
+                <a:gd name="connsiteY73" fmla="*/ 65776 h 555444"/>
+                <a:gd name="connsiteX74" fmla="*/ 328882 w 555444"/>
+                <a:gd name="connsiteY74" fmla="*/ 65776 h 555444"/>
+                <a:gd name="connsiteX75" fmla="*/ 314265 w 555444"/>
+                <a:gd name="connsiteY75" fmla="*/ 80393 h 555444"/>
+                <a:gd name="connsiteX76" fmla="*/ 314265 w 555444"/>
+                <a:gd name="connsiteY76" fmla="*/ 87702 h 555444"/>
+                <a:gd name="connsiteX77" fmla="*/ 306956 w 555444"/>
+                <a:gd name="connsiteY77" fmla="*/ 95010 h 555444"/>
+                <a:gd name="connsiteX78" fmla="*/ 299648 w 555444"/>
+                <a:gd name="connsiteY78" fmla="*/ 95010 h 555444"/>
+                <a:gd name="connsiteX79" fmla="*/ 292339 w 555444"/>
+                <a:gd name="connsiteY79" fmla="*/ 87702 h 555444"/>
+                <a:gd name="connsiteX80" fmla="*/ 270414 w 555444"/>
+                <a:gd name="connsiteY80" fmla="*/ 87702 h 555444"/>
+                <a:gd name="connsiteX81" fmla="*/ 263105 w 555444"/>
+                <a:gd name="connsiteY81" fmla="*/ 80393 h 555444"/>
+                <a:gd name="connsiteX82" fmla="*/ 263105 w 555444"/>
+                <a:gd name="connsiteY82" fmla="*/ 62122 h 555444"/>
+                <a:gd name="connsiteX83" fmla="*/ 266029 w 555444"/>
+                <a:gd name="connsiteY83" fmla="*/ 56275 h 555444"/>
+                <a:gd name="connsiteX84" fmla="*/ 312803 w 555444"/>
+                <a:gd name="connsiteY84" fmla="*/ 36542 h 555444"/>
+                <a:gd name="connsiteX85" fmla="*/ 320111 w 555444"/>
+                <a:gd name="connsiteY85" fmla="*/ 48967 h 555444"/>
+                <a:gd name="connsiteX86" fmla="*/ 325227 w 555444"/>
+                <a:gd name="connsiteY86" fmla="*/ 51159 h 555444"/>
+                <a:gd name="connsiteX87" fmla="*/ 343499 w 555444"/>
+                <a:gd name="connsiteY87" fmla="*/ 51159 h 555444"/>
+                <a:gd name="connsiteX88" fmla="*/ 350807 w 555444"/>
+                <a:gd name="connsiteY88" fmla="*/ 43851 h 555444"/>
+                <a:gd name="connsiteX89" fmla="*/ 350807 w 555444"/>
+                <a:gd name="connsiteY89" fmla="*/ 40197 h 555444"/>
+                <a:gd name="connsiteX90" fmla="*/ 526211 w 555444"/>
+                <a:gd name="connsiteY90" fmla="*/ 277722 h 555444"/>
+                <a:gd name="connsiteX91" fmla="*/ 371271 w 555444"/>
+                <a:gd name="connsiteY91" fmla="*/ 507939 h 555444"/>
+              </a:gdLst>
+              <a:ahLst/>
+              <a:cxnLst>
+                <a:cxn ang="0">
+                  <a:pos x="connsiteX0" y="connsiteY0"/>
+                </a:cxn>
+                <a:cxn ang="0">
+                  <a:pos x="connsiteX1" y="connsiteY1"/>
+                </a:cxn>
+                <a:cxn ang="0">
+                  <a:pos x="connsiteX2" y="connsiteY2"/>
+                </a:cxn>
+                <a:cxn ang="0">
+                  <a:pos x="connsiteX3" y="connsiteY3"/>
+                </a:cxn>
+                <a:cxn ang="0">
+                  <a:pos x="connsiteX4" y="connsiteY4"/>
+                </a:cxn>
+                <a:cxn ang="0">
+                  <a:pos x="connsiteX5" y="connsiteY5"/>
+                </a:cxn>
+                <a:cxn ang="0">
+                  <a:pos x="connsiteX6" y="connsiteY6"/>
+                </a:cxn>
+                <a:cxn ang="0">
+                  <a:pos x="connsiteX7" y="connsiteY7"/>
+                </a:cxn>
+                <a:cxn ang="0">
+                  <a:pos x="connsiteX8" y="connsiteY8"/>
+                </a:cxn>
+                <a:cxn ang="0">
+                  <a:pos x="connsiteX9" y="connsiteY9"/>
+                </a:cxn>
+                <a:cxn ang="0">
+                  <a:pos x="connsiteX10" y="connsiteY10"/>
+                </a:cxn>
+                <a:cxn ang="0">
+                  <a:pos x="connsiteX11" y="connsiteY11"/>
+                </a:cxn>
+                <a:cxn ang="0">
+                  <a:pos x="connsiteX12" y="connsiteY12"/>
+                </a:cxn>
+                <a:cxn ang="0">
+                  <a:pos x="connsiteX13" y="connsiteY13"/>
+                </a:cxn>
+                <a:cxn ang="0">
+                  <a:pos x="connsiteX14" y="connsiteY14"/>
+                </a:cxn>
+                <a:cxn ang="0">
+                  <a:pos x="connsiteX15" y="connsiteY15"/>
+                </a:cxn>
+                <a:cxn ang="0">
+                  <a:pos x="connsiteX16" y="connsiteY16"/>
+                </a:cxn>
+                <a:cxn ang="0">
+                  <a:pos x="connsiteX17" y="connsiteY17"/>
+                </a:cxn>
+                <a:cxn ang="0">
+                  <a:pos x="connsiteX18" y="connsiteY18"/>
+                </a:cxn>
+                <a:cxn ang="0">
+                  <a:pos x="connsiteX19" y="connsiteY19"/>
+                </a:cxn>
+                <a:cxn ang="0">
+                  <a:pos x="connsiteX20" y="connsiteY20"/>
+                </a:cxn>
+                <a:cxn ang="0">
+                  <a:pos x="connsiteX21" y="connsiteY21"/>
+                </a:cxn>
+                <a:cxn ang="0">
+                  <a:pos x="connsiteX22" y="connsiteY22"/>
+                </a:cxn>
+                <a:cxn ang="0">
+                  <a:pos x="connsiteX23" y="connsiteY23"/>
+                </a:cxn>
+                <a:cxn ang="0">
+                  <a:pos x="connsiteX24" y="connsiteY24"/>
+                </a:cxn>
+                <a:cxn ang="0">
+                  <a:pos x="connsiteX25" y="connsiteY25"/>
+                </a:cxn>
+                <a:cxn ang="0">
+                  <a:pos x="connsiteX26" y="connsiteY26"/>
+                </a:cxn>
+                <a:cxn ang="0">
+                  <a:pos x="connsiteX27" y="connsiteY27"/>
+                </a:cxn>
+                <a:cxn ang="0">
+                  <a:pos x="connsiteX28" y="connsiteY28"/>
+                </a:cxn>
+                <a:cxn ang="0">
+                  <a:pos x="connsiteX29" y="connsiteY29"/>
+                </a:cxn>
+                <a:cxn ang="0">
+                  <a:pos x="connsiteX30" y="connsiteY30"/>
+                </a:cxn>
+                <a:cxn ang="0">
+                  <a:pos x="connsiteX31" y="connsiteY31"/>
+                </a:cxn>
+                <a:cxn ang="0">
+                  <a:pos x="connsiteX32" y="connsiteY32"/>
+                </a:cxn>
+                <a:cxn ang="0">
+                  <a:pos x="connsiteX33" y="connsiteY33"/>
+                </a:cxn>
+                <a:cxn ang="0">
+                  <a:pos x="connsiteX34" y="connsiteY34"/>
+                </a:cxn>
+                <a:cxn ang="0">
+                  <a:pos x="connsiteX35" y="connsiteY35"/>
+                </a:cxn>
+                <a:cxn ang="0">
+                  <a:pos x="connsiteX36" y="connsiteY36"/>
+                </a:cxn>
+                <a:cxn ang="0">
+                  <a:pos x="connsiteX37" y="connsiteY37"/>
+                </a:cxn>
+                <a:cxn ang="0">
+                  <a:pos x="connsiteX38" y="connsiteY38"/>
+                </a:cxn>
+                <a:cxn ang="0">
+                  <a:pos x="connsiteX39" y="connsiteY39"/>
+                </a:cxn>
+                <a:cxn ang="0">
+                  <a:pos x="connsiteX40" y="connsiteY40"/>
+                </a:cxn>
+                <a:cxn ang="0">
+                  <a:pos x="connsiteX41" y="connsiteY41"/>
+                </a:cxn>
+                <a:cxn ang="0">
+                  <a:pos x="connsiteX42" y="connsiteY42"/>
+                </a:cxn>
+                <a:cxn ang="0">
+                  <a:pos x="connsiteX43" y="connsiteY43"/>
+                </a:cxn>
+                <a:cxn ang="0">
+                  <a:pos x="connsiteX44" y="connsiteY44"/>
+                </a:cxn>
+                <a:cxn ang="0">
+                  <a:pos x="connsiteX45" y="connsiteY45"/>
+                </a:cxn>
+                <a:cxn ang="0">
+                  <a:pos x="connsiteX46" y="connsiteY46"/>
+                </a:cxn>
+                <a:cxn ang="0">
+                  <a:pos x="connsiteX47" y="connsiteY47"/>
+                </a:cxn>
+                <a:cxn ang="0">
+                  <a:pos x="connsiteX48" y="connsiteY48"/>
+                </a:cxn>
+                <a:cxn ang="0">
+                  <a:pos x="connsiteX49" y="connsiteY49"/>
+                </a:cxn>
+                <a:cxn ang="0">
+                  <a:pos x="connsiteX50" y="connsiteY50"/>
+                </a:cxn>
+                <a:cxn ang="0">
+                  <a:pos x="connsiteX51" y="connsiteY51"/>
+                </a:cxn>
+                <a:cxn ang="0">
+                  <a:pos x="connsiteX52" y="connsiteY52"/>
+                </a:cxn>
+                <a:cxn ang="0">
+                  <a:pos x="connsiteX53" y="connsiteY53"/>
+                </a:cxn>
+                <a:cxn ang="0">
+                  <a:pos x="connsiteX54" y="connsiteY54"/>
+                </a:cxn>
+                <a:cxn ang="0">
+                  <a:pos x="connsiteX55" y="connsiteY55"/>
+                </a:cxn>
+                <a:cxn ang="0">
+                  <a:pos x="connsiteX56" y="connsiteY56"/>
+                </a:cxn>
+                <a:cxn ang="0">
+                  <a:pos x="connsiteX57" y="connsiteY57"/>
+                </a:cxn>
+                <a:cxn ang="0">
+                  <a:pos x="connsiteX58" y="connsiteY58"/>
+                </a:cxn>
+                <a:cxn ang="0">
+                  <a:pos x="connsiteX59" y="connsiteY59"/>
+                </a:cxn>
+                <a:cxn ang="0">
+                  <a:pos x="connsiteX60" y="connsiteY60"/>
+                </a:cxn>
+                <a:cxn ang="0">
+                  <a:pos x="connsiteX61" y="connsiteY61"/>
+                </a:cxn>
+                <a:cxn ang="0">
+                  <a:pos x="connsiteX62" y="connsiteY62"/>
+                </a:cxn>
+                <a:cxn ang="0">
+                  <a:pos x="connsiteX63" y="connsiteY63"/>
+                </a:cxn>
+                <a:cxn ang="0">
+                  <a:pos x="connsiteX64" y="connsiteY64"/>
+                </a:cxn>
+                <a:cxn ang="0">
+                  <a:pos x="connsiteX65" y="connsiteY65"/>
+                </a:cxn>
+                <a:cxn ang="0">
+                  <a:pos x="connsiteX66" y="connsiteY66"/>
+                </a:cxn>
+                <a:cxn ang="0">
+                  <a:pos x="connsiteX67" y="connsiteY67"/>
+                </a:cxn>
+                <a:cxn ang="0">
+                  <a:pos x="connsiteX68" y="connsiteY68"/>
+                </a:cxn>
+                <a:cxn ang="0">
+                  <a:pos x="connsiteX69" y="connsiteY69"/>
+                </a:cxn>
+                <a:cxn ang="0">
+                  <a:pos x="connsiteX70" y="connsiteY70"/>
+                </a:cxn>
+                <a:cxn ang="0">
+                  <a:pos x="connsiteX71" y="connsiteY71"/>
+                </a:cxn>
+                <a:cxn ang="0">
+                  <a:pos x="connsiteX72" y="connsiteY72"/>
+                </a:cxn>
+                <a:cxn ang="0">
+                  <a:pos x="connsiteX73" y="connsiteY73"/>
+                </a:cxn>
+                <a:cxn ang="0">
+                  <a:pos x="connsiteX74" y="connsiteY74"/>
+                </a:cxn>
+                <a:cxn ang="0">
+                  <a:pos x="connsiteX75" y="connsiteY75"/>
+                </a:cxn>
+                <a:cxn ang="0">
+                  <a:pos x="connsiteX76" y="connsiteY76"/>
+                </a:cxn>
+                <a:cxn ang="0">
+                  <a:pos x="connsiteX77" y="connsiteY77"/>
+                </a:cxn>
+                <a:cxn ang="0">
+                  <a:pos x="connsiteX78" y="connsiteY78"/>
+                </a:cxn>
+                <a:cxn ang="0">
+                  <a:pos x="connsiteX79" y="connsiteY79"/>
+                </a:cxn>
+                <a:cxn ang="0">
+                  <a:pos x="connsiteX80" y="connsiteY80"/>
+                </a:cxn>
+                <a:cxn ang="0">
+                  <a:pos x="connsiteX81" y="connsiteY81"/>
+                </a:cxn>
+                <a:cxn ang="0">
+                  <a:pos x="connsiteX82" y="connsiteY82"/>
+                </a:cxn>
+                <a:cxn ang="0">
+                  <a:pos x="connsiteX83" y="connsiteY83"/>
+                </a:cxn>
+                <a:cxn ang="0">
+                  <a:pos x="connsiteX84" y="connsiteY84"/>
+                </a:cxn>
+                <a:cxn ang="0">
+                  <a:pos x="connsiteX85" y="connsiteY85"/>
+                </a:cxn>
+                <a:cxn ang="0">
+                  <a:pos x="connsiteX86" y="connsiteY86"/>
+                </a:cxn>
+                <a:cxn ang="0">
+                  <a:pos x="connsiteX87" y="connsiteY87"/>
+                </a:cxn>
+                <a:cxn ang="0">
+                  <a:pos x="connsiteX88" y="connsiteY88"/>
+                </a:cxn>
+                <a:cxn ang="0">
+                  <a:pos x="connsiteX89" y="connsiteY89"/>
+                </a:cxn>
+                <a:cxn ang="0">
+                  <a:pos x="connsiteX90" y="connsiteY90"/>
+                </a:cxn>
+                <a:cxn ang="0">
+                  <a:pos x="connsiteX91" y="connsiteY91"/>
+                </a:cxn>
+              </a:cxnLst>
+              <a:rect l="l" t="t" r="r" b="b"/>
+              <a:pathLst>
+                <a:path w="555444" h="555444">
+                  <a:moveTo>
+                    <a:pt x="277722" y="0"/>
+                  </a:moveTo>
+                  <a:cubicBezTo>
+                    <a:pt x="124244" y="0"/>
+                    <a:pt x="0" y="124244"/>
+                    <a:pt x="0" y="277722"/>
+                  </a:cubicBezTo>
+                  <a:cubicBezTo>
+                    <a:pt x="0" y="431200"/>
+                    <a:pt x="124244" y="555444"/>
+                    <a:pt x="277722" y="555444"/>
+                  </a:cubicBezTo>
+                  <a:cubicBezTo>
+                    <a:pt x="431200" y="555444"/>
+                    <a:pt x="555444" y="431200"/>
+                    <a:pt x="555444" y="277722"/>
+                  </a:cubicBezTo>
+                  <a:cubicBezTo>
+                    <a:pt x="555444" y="124244"/>
+                    <a:pt x="431200" y="0"/>
+                    <a:pt x="277722" y="0"/>
+                  </a:cubicBezTo>
+                  <a:close/>
+                  <a:moveTo>
+                    <a:pt x="29234" y="277722"/>
+                  </a:moveTo>
+                  <a:cubicBezTo>
+                    <a:pt x="29234" y="212677"/>
+                    <a:pt x="54083" y="154209"/>
+                    <a:pt x="95010" y="109627"/>
+                  </a:cubicBezTo>
+                  <a:cubicBezTo>
+                    <a:pt x="101588" y="113281"/>
+                    <a:pt x="108165" y="119128"/>
+                    <a:pt x="109627" y="124244"/>
+                  </a:cubicBezTo>
+                  <a:lnTo>
+                    <a:pt x="109627" y="170288"/>
+                  </a:lnTo>
+                  <a:cubicBezTo>
+                    <a:pt x="109627" y="173211"/>
+                    <a:pt x="110358" y="176865"/>
+                    <a:pt x="112551" y="179058"/>
+                  </a:cubicBezTo>
+                  <a:lnTo>
+                    <a:pt x="160787" y="241180"/>
+                  </a:lnTo>
+                  <a:lnTo>
+                    <a:pt x="164441" y="237526"/>
+                  </a:lnTo>
+                  <a:cubicBezTo>
+                    <a:pt x="166633" y="235333"/>
+                    <a:pt x="167364" y="231679"/>
+                    <a:pt x="165902" y="228755"/>
+                  </a:cubicBezTo>
+                  <a:lnTo>
+                    <a:pt x="157132" y="214138"/>
+                  </a:lnTo>
+                  <a:cubicBezTo>
+                    <a:pt x="153478" y="208292"/>
+                    <a:pt x="159325" y="200983"/>
+                    <a:pt x="165902" y="203176"/>
+                  </a:cubicBezTo>
+                  <a:cubicBezTo>
+                    <a:pt x="168095" y="203907"/>
+                    <a:pt x="169557" y="205368"/>
+                    <a:pt x="170288" y="206830"/>
+                  </a:cubicBezTo>
+                  <a:lnTo>
+                    <a:pt x="194406" y="254335"/>
+                  </a:lnTo>
+                  <a:cubicBezTo>
+                    <a:pt x="197329" y="259451"/>
+                    <a:pt x="201714" y="263836"/>
+                    <a:pt x="206830" y="265298"/>
+                  </a:cubicBezTo>
+                  <a:lnTo>
+                    <a:pt x="238987" y="276261"/>
+                  </a:lnTo>
+                  <a:cubicBezTo>
+                    <a:pt x="241180" y="276991"/>
+                    <a:pt x="242642" y="278453"/>
+                    <a:pt x="243372" y="279915"/>
+                  </a:cubicBezTo>
+                  <a:lnTo>
+                    <a:pt x="245565" y="283569"/>
+                  </a:lnTo>
+                  <a:cubicBezTo>
+                    <a:pt x="247757" y="288685"/>
+                    <a:pt x="252873" y="291608"/>
+                    <a:pt x="258720" y="291608"/>
+                  </a:cubicBezTo>
+                  <a:lnTo>
+                    <a:pt x="267490" y="291608"/>
+                  </a:lnTo>
+                  <a:cubicBezTo>
+                    <a:pt x="269683" y="291608"/>
+                    <a:pt x="271875" y="293070"/>
+                    <a:pt x="273337" y="294532"/>
+                  </a:cubicBezTo>
+                  <a:lnTo>
+                    <a:pt x="282838" y="308418"/>
+                  </a:lnTo>
+                  <a:cubicBezTo>
+                    <a:pt x="285031" y="311341"/>
+                    <a:pt x="287954" y="313534"/>
+                    <a:pt x="291608" y="314265"/>
+                  </a:cubicBezTo>
+                  <a:lnTo>
+                    <a:pt x="306956" y="317919"/>
+                  </a:lnTo>
+                  <a:cubicBezTo>
+                    <a:pt x="311341" y="318650"/>
+                    <a:pt x="313534" y="323766"/>
+                    <a:pt x="312072" y="327420"/>
+                  </a:cubicBezTo>
+                  <a:cubicBezTo>
+                    <a:pt x="312072" y="327420"/>
+                    <a:pt x="300378" y="339113"/>
+                    <a:pt x="300378" y="355923"/>
+                  </a:cubicBezTo>
+                  <a:cubicBezTo>
+                    <a:pt x="300378" y="404159"/>
+                    <a:pt x="344229" y="418045"/>
+                    <a:pt x="344229" y="429008"/>
+                  </a:cubicBezTo>
+                  <a:cubicBezTo>
+                    <a:pt x="344229" y="458973"/>
+                    <a:pt x="339844" y="500631"/>
+                    <a:pt x="337652" y="516709"/>
+                  </a:cubicBezTo>
+                  <a:cubicBezTo>
+                    <a:pt x="318650" y="521095"/>
+                    <a:pt x="298917" y="524018"/>
+                    <a:pt x="278453" y="524018"/>
+                  </a:cubicBezTo>
+                  <a:cubicBezTo>
+                    <a:pt x="141054" y="526211"/>
+                    <a:pt x="29234" y="414391"/>
+                    <a:pt x="29234" y="277722"/>
+                  </a:cubicBezTo>
+                  <a:close/>
+                  <a:moveTo>
+                    <a:pt x="371271" y="507939"/>
+                  </a:moveTo>
+                  <a:cubicBezTo>
+                    <a:pt x="387349" y="494053"/>
+                    <a:pt x="414391" y="470666"/>
+                    <a:pt x="423892" y="460434"/>
+                  </a:cubicBezTo>
+                  <a:cubicBezTo>
+                    <a:pt x="436316" y="446548"/>
+                    <a:pt x="438509" y="423892"/>
+                    <a:pt x="438509" y="423892"/>
+                  </a:cubicBezTo>
+                  <a:cubicBezTo>
+                    <a:pt x="438509" y="423892"/>
+                    <a:pt x="489668" y="410006"/>
+                    <a:pt x="489668" y="372732"/>
+                  </a:cubicBezTo>
+                  <a:cubicBezTo>
+                    <a:pt x="489668" y="347153"/>
+                    <a:pt x="438509" y="336190"/>
+                    <a:pt x="438509" y="336190"/>
+                  </a:cubicBezTo>
+                  <a:cubicBezTo>
+                    <a:pt x="429739" y="307687"/>
+                    <a:pt x="386619" y="292339"/>
+                    <a:pt x="350807" y="292339"/>
+                  </a:cubicBezTo>
+                  <a:cubicBezTo>
+                    <a:pt x="342768" y="292339"/>
+                    <a:pt x="314265" y="306956"/>
+                    <a:pt x="314265" y="306956"/>
+                  </a:cubicBezTo>
+                  <a:lnTo>
+                    <a:pt x="299648" y="299648"/>
+                  </a:lnTo>
+                  <a:lnTo>
+                    <a:pt x="299648" y="277722"/>
+                  </a:lnTo>
+                  <a:cubicBezTo>
+                    <a:pt x="299648" y="273337"/>
+                    <a:pt x="296724" y="270414"/>
+                    <a:pt x="292339" y="270414"/>
+                  </a:cubicBezTo>
+                  <a:lnTo>
+                    <a:pt x="277722" y="270414"/>
+                  </a:lnTo>
+                  <a:lnTo>
+                    <a:pt x="277722" y="248488"/>
+                  </a:lnTo>
+                  <a:cubicBezTo>
+                    <a:pt x="277722" y="244103"/>
+                    <a:pt x="274799" y="241180"/>
+                    <a:pt x="270414" y="241180"/>
+                  </a:cubicBezTo>
+                  <a:lnTo>
+                    <a:pt x="263105" y="241180"/>
+                  </a:lnTo>
+                  <a:lnTo>
+                    <a:pt x="255066" y="246296"/>
+                  </a:lnTo>
+                  <a:cubicBezTo>
+                    <a:pt x="247757" y="251412"/>
+                    <a:pt x="237526" y="248488"/>
+                    <a:pt x="233871" y="240449"/>
+                  </a:cubicBezTo>
+                  <a:cubicBezTo>
+                    <a:pt x="233871" y="240449"/>
+                    <a:pt x="226563" y="230217"/>
+                    <a:pt x="226563" y="225832"/>
+                  </a:cubicBezTo>
+                  <a:cubicBezTo>
+                    <a:pt x="226563" y="194406"/>
+                    <a:pt x="263105" y="196598"/>
+                    <a:pt x="263105" y="196598"/>
+                  </a:cubicBezTo>
+                  <a:lnTo>
+                    <a:pt x="279184" y="196598"/>
+                  </a:lnTo>
+                  <a:cubicBezTo>
+                    <a:pt x="282838" y="196598"/>
+                    <a:pt x="285762" y="198791"/>
+                    <a:pt x="286492" y="202445"/>
+                  </a:cubicBezTo>
+                  <a:lnTo>
+                    <a:pt x="290877" y="220716"/>
+                  </a:lnTo>
+                  <a:cubicBezTo>
+                    <a:pt x="291608" y="223639"/>
+                    <a:pt x="294532" y="226563"/>
+                    <a:pt x="298186" y="226563"/>
+                  </a:cubicBezTo>
+                  <a:lnTo>
+                    <a:pt x="301109" y="226563"/>
+                  </a:lnTo>
+                  <a:cubicBezTo>
+                    <a:pt x="304764" y="226563"/>
+                    <a:pt x="307687" y="224370"/>
+                    <a:pt x="308418" y="220716"/>
+                  </a:cubicBezTo>
+                  <a:lnTo>
+                    <a:pt x="313534" y="193675"/>
+                  </a:lnTo>
+                  <a:cubicBezTo>
+                    <a:pt x="314265" y="191482"/>
+                    <a:pt x="314995" y="189290"/>
+                    <a:pt x="316457" y="187097"/>
+                  </a:cubicBezTo>
+                  <a:lnTo>
+                    <a:pt x="336921" y="161517"/>
+                  </a:lnTo>
+                  <a:cubicBezTo>
+                    <a:pt x="341306" y="156401"/>
+                    <a:pt x="347153" y="153478"/>
+                    <a:pt x="353730" y="153478"/>
+                  </a:cubicBezTo>
+                  <a:lnTo>
+                    <a:pt x="372732" y="153478"/>
+                  </a:lnTo>
+                  <a:cubicBezTo>
+                    <a:pt x="377118" y="153478"/>
+                    <a:pt x="380041" y="150555"/>
+                    <a:pt x="380041" y="146170"/>
+                  </a:cubicBezTo>
+                  <a:lnTo>
+                    <a:pt x="380041" y="138861"/>
+                  </a:lnTo>
+                  <a:lnTo>
+                    <a:pt x="377848" y="136669"/>
+                  </a:lnTo>
+                  <a:cubicBezTo>
+                    <a:pt x="373463" y="132283"/>
+                    <a:pt x="376387" y="124244"/>
+                    <a:pt x="382964" y="124244"/>
+                  </a:cubicBezTo>
+                  <a:lnTo>
+                    <a:pt x="387349" y="124244"/>
+                  </a:lnTo>
+                  <a:cubicBezTo>
+                    <a:pt x="391734" y="124244"/>
+                    <a:pt x="394658" y="127168"/>
+                    <a:pt x="394658" y="131553"/>
+                  </a:cubicBezTo>
+                  <a:cubicBezTo>
+                    <a:pt x="394658" y="135938"/>
+                    <a:pt x="397581" y="138861"/>
+                    <a:pt x="401966" y="138861"/>
+                  </a:cubicBezTo>
+                  <a:lnTo>
+                    <a:pt x="409275" y="138861"/>
+                  </a:lnTo>
+                  <a:lnTo>
+                    <a:pt x="413660" y="119859"/>
+                  </a:lnTo>
+                  <a:cubicBezTo>
+                    <a:pt x="415122" y="113281"/>
+                    <a:pt x="412198" y="107435"/>
+                    <a:pt x="407082" y="103780"/>
+                  </a:cubicBezTo>
+                  <a:lnTo>
+                    <a:pt x="344960" y="66507"/>
+                  </a:lnTo>
+                  <a:cubicBezTo>
+                    <a:pt x="344229" y="65776"/>
+                    <a:pt x="342768" y="65776"/>
+                    <a:pt x="341306" y="65776"/>
+                  </a:cubicBezTo>
+                  <a:lnTo>
+                    <a:pt x="328882" y="65776"/>
+                  </a:lnTo>
+                  <a:cubicBezTo>
+                    <a:pt x="320842" y="65776"/>
+                    <a:pt x="314265" y="72354"/>
+                    <a:pt x="314265" y="80393"/>
+                  </a:cubicBezTo>
+                  <a:lnTo>
+                    <a:pt x="314265" y="87702"/>
+                  </a:lnTo>
+                  <a:cubicBezTo>
+                    <a:pt x="314265" y="92087"/>
+                    <a:pt x="311341" y="95010"/>
+                    <a:pt x="306956" y="95010"/>
+                  </a:cubicBezTo>
+                  <a:lnTo>
+                    <a:pt x="299648" y="95010"/>
+                  </a:lnTo>
+                  <a:lnTo>
+                    <a:pt x="292339" y="87702"/>
+                  </a:lnTo>
+                  <a:lnTo>
+                    <a:pt x="270414" y="87702"/>
+                  </a:lnTo>
+                  <a:cubicBezTo>
+                    <a:pt x="266029" y="87702"/>
+                    <a:pt x="263105" y="84778"/>
+                    <a:pt x="263105" y="80393"/>
+                  </a:cubicBezTo>
+                  <a:lnTo>
+                    <a:pt x="263105" y="62122"/>
+                  </a:lnTo>
+                  <a:cubicBezTo>
+                    <a:pt x="263105" y="59930"/>
+                    <a:pt x="263836" y="57737"/>
+                    <a:pt x="266029" y="56275"/>
+                  </a:cubicBezTo>
+                  <a:lnTo>
+                    <a:pt x="312803" y="36542"/>
+                  </a:lnTo>
+                  <a:lnTo>
+                    <a:pt x="320111" y="48967"/>
+                  </a:lnTo>
+                  <a:cubicBezTo>
+                    <a:pt x="321573" y="50429"/>
+                    <a:pt x="323035" y="51159"/>
+                    <a:pt x="325227" y="51159"/>
+                  </a:cubicBezTo>
+                  <a:lnTo>
+                    <a:pt x="343499" y="51159"/>
+                  </a:lnTo>
+                  <a:cubicBezTo>
+                    <a:pt x="347884" y="51159"/>
+                    <a:pt x="350807" y="48236"/>
+                    <a:pt x="350807" y="43851"/>
+                  </a:cubicBezTo>
+                  <a:lnTo>
+                    <a:pt x="350807" y="40197"/>
+                  </a:lnTo>
+                  <a:cubicBezTo>
+                    <a:pt x="452395" y="71623"/>
+                    <a:pt x="526211" y="165902"/>
+                    <a:pt x="526211" y="277722"/>
+                  </a:cubicBezTo>
+                  <a:cubicBezTo>
+                    <a:pt x="526211" y="381503"/>
+                    <a:pt x="461896" y="470666"/>
+                    <a:pt x="371271" y="507939"/>
+                  </a:cubicBezTo>
+                  <a:close/>
+                </a:path>
+              </a:pathLst>
+            </a:custGeom>
+            <a:solidFill>
+              <a:srgbClr val="000000"/>
+            </a:solidFill>
+            <a:ln w="28575" cap="flat">
+              <a:solidFill>
+                <a:schemeClr val="bg1"/>
+              </a:solidFill>
+              <a:prstDash val="solid"/>
+              <a:miter/>
+            </a:ln>
+          </p:spPr>
+          <p:txBody>
+            <a:bodyPr rtlCol="0" anchor="ctr"/>
+            <a:lstStyle/>
+            <a:p>
+              <a:endParaRPr lang="en-US"/>
+            </a:p>
+          </p:txBody>
+        </p:sp>
+        <p:sp>
+          <p:nvSpPr>
+            <p:cNvPr id="25" name="Freeform: Shape 24">
+              <a:extLst>
+                <a:ext uri="{FF2B5EF4-FFF2-40B4-BE49-F238E27FC236}">
+                  <a16:creationId xmlns:a16="http://schemas.microsoft.com/office/drawing/2014/main" id="{E3908099-2722-D490-223D-5F22205DD3F4}"/>
+                </a:ext>
+              </a:extLst>
+            </p:cNvPr>
+            <p:cNvSpPr/>
+            <p:nvPr/>
+          </p:nvSpPr>
+          <p:spPr>
+            <a:xfrm>
+              <a:off x="5261639" y="3868336"/>
+              <a:ext cx="75012" cy="25046"/>
+            </a:xfrm>
+            <a:custGeom>
+              <a:avLst/>
+              <a:gdLst>
+                <a:gd name="connsiteX0" fmla="*/ 69897 w 75012"/>
+                <a:gd name="connsiteY0" fmla="*/ 12242 h 25046"/>
+                <a:gd name="connsiteX1" fmla="*/ 34816 w 75012"/>
+                <a:gd name="connsiteY1" fmla="*/ 548 h 25046"/>
+                <a:gd name="connsiteX2" fmla="*/ 26777 w 75012"/>
+                <a:gd name="connsiteY2" fmla="*/ 548 h 25046"/>
+                <a:gd name="connsiteX3" fmla="*/ 1928 w 75012"/>
+                <a:gd name="connsiteY3" fmla="*/ 6395 h 25046"/>
+                <a:gd name="connsiteX4" fmla="*/ 1928 w 75012"/>
+                <a:gd name="connsiteY4" fmla="*/ 13703 h 25046"/>
+                <a:gd name="connsiteX5" fmla="*/ 35547 w 75012"/>
+                <a:gd name="connsiteY5" fmla="*/ 13703 h 25046"/>
+                <a:gd name="connsiteX6" fmla="*/ 40663 w 75012"/>
+                <a:gd name="connsiteY6" fmla="*/ 14434 h 25046"/>
+                <a:gd name="connsiteX7" fmla="*/ 66243 w 75012"/>
+                <a:gd name="connsiteY7" fmla="*/ 24666 h 25046"/>
+                <a:gd name="connsiteX8" fmla="*/ 75013 w 75012"/>
+                <a:gd name="connsiteY8" fmla="*/ 18819 h 25046"/>
+                <a:gd name="connsiteX9" fmla="*/ 69897 w 75012"/>
+                <a:gd name="connsiteY9" fmla="*/ 12242 h 25046"/>
+              </a:gdLst>
+              <a:ahLst/>
+              <a:cxnLst>
+                <a:cxn ang="0">
+                  <a:pos x="connsiteX0" y="connsiteY0"/>
+                </a:cxn>
+                <a:cxn ang="0">
+                  <a:pos x="connsiteX1" y="connsiteY1"/>
+                </a:cxn>
+                <a:cxn ang="0">
+                  <a:pos x="connsiteX2" y="connsiteY2"/>
+                </a:cxn>
+                <a:cxn ang="0">
+                  <a:pos x="connsiteX3" y="connsiteY3"/>
+                </a:cxn>
+                <a:cxn ang="0">
+                  <a:pos x="connsiteX4" y="connsiteY4"/>
+                </a:cxn>
+                <a:cxn ang="0">
+                  <a:pos x="connsiteX5" y="connsiteY5"/>
+                </a:cxn>
+                <a:cxn ang="0">
+                  <a:pos x="connsiteX6" y="connsiteY6"/>
+                </a:cxn>
+                <a:cxn ang="0">
+                  <a:pos x="connsiteX7" y="connsiteY7"/>
+                </a:cxn>
+                <a:cxn ang="0">
+                  <a:pos x="connsiteX8" y="connsiteY8"/>
+                </a:cxn>
+                <a:cxn ang="0">
+                  <a:pos x="connsiteX9" y="connsiteY9"/>
+                </a:cxn>
+              </a:cxnLst>
+              <a:rect l="l" t="t" r="r" b="b"/>
+              <a:pathLst>
+                <a:path w="75012" h="25046">
+                  <a:moveTo>
+                    <a:pt x="69897" y="12242"/>
+                  </a:moveTo>
+                  <a:lnTo>
+                    <a:pt x="34816" y="548"/>
+                  </a:lnTo>
+                  <a:cubicBezTo>
+                    <a:pt x="31893" y="-183"/>
+                    <a:pt x="29700" y="-183"/>
+                    <a:pt x="26777" y="548"/>
+                  </a:cubicBezTo>
+                  <a:lnTo>
+                    <a:pt x="1928" y="6395"/>
+                  </a:lnTo>
+                  <a:cubicBezTo>
+                    <a:pt x="-264" y="7857"/>
+                    <a:pt x="-995" y="10780"/>
+                    <a:pt x="1928" y="13703"/>
+                  </a:cubicBezTo>
+                  <a:lnTo>
+                    <a:pt x="35547" y="13703"/>
+                  </a:lnTo>
+                  <a:cubicBezTo>
+                    <a:pt x="37740" y="13703"/>
+                    <a:pt x="39201" y="13703"/>
+                    <a:pt x="40663" y="14434"/>
+                  </a:cubicBezTo>
+                  <a:lnTo>
+                    <a:pt x="66243" y="24666"/>
+                  </a:lnTo>
+                  <a:cubicBezTo>
+                    <a:pt x="70628" y="26128"/>
+                    <a:pt x="75013" y="23204"/>
+                    <a:pt x="75013" y="18819"/>
+                  </a:cubicBezTo>
+                  <a:cubicBezTo>
+                    <a:pt x="75013" y="15896"/>
+                    <a:pt x="72820" y="12973"/>
+                    <a:pt x="69897" y="12242"/>
+                  </a:cubicBezTo>
+                  <a:close/>
+                </a:path>
+              </a:pathLst>
+            </a:custGeom>
+            <a:solidFill>
+              <a:srgbClr val="000000"/>
+            </a:solidFill>
+            <a:ln w="28575" cap="flat">
+              <a:solidFill>
+                <a:schemeClr val="bg1"/>
+              </a:solidFill>
+              <a:prstDash val="solid"/>
+              <a:miter/>
+            </a:ln>
+          </p:spPr>
+          <p:txBody>
+            <a:bodyPr rtlCol="0" anchor="ctr"/>
+            <a:lstStyle/>
+            <a:p>
+              <a:endParaRPr lang="en-US"/>
+            </a:p>
+          </p:txBody>
+        </p:sp>
+      </p:grpSp>
+      <p:pic>
+        <p:nvPicPr>
+          <p:cNvPr id="16" name="Graphic 15" descr="Globe outline">
+            <a:extLst>
+              <a:ext uri="{FF2B5EF4-FFF2-40B4-BE49-F238E27FC236}">
+                <a16:creationId xmlns:a16="http://schemas.microsoft.com/office/drawing/2014/main" id="{D2BED891-8C98-89DF-C232-6FC5B974C883}"/>
+              </a:ext>
+            </a:extLst>
+          </p:cNvPr>
+          <p:cNvPicPr>
+            <a:picLocks noChangeAspect="1"/>
+          </p:cNvPicPr>
+          <p:nvPr/>
+        </p:nvPicPr>
+        <p:blipFill>
+          <a:blip r:embed="rId7">
+            <a:extLst>
+              <a:ext uri="{28A0092B-C50C-407E-A947-70E740481C1C}">
+                <a14:useLocalDpi xmlns:a14="http://schemas.microsoft.com/office/drawing/2010/main" val="0"/>
+              </a:ext>
+              <a:ext uri="{96DAC541-7B7A-43D3-8B79-37D633B846F1}">
+                <asvg:svgBlip xmlns:asvg="http://schemas.microsoft.com/office/drawing/2016/SVG/main" r:embed="rId8"/>
+              </a:ext>
+            </a:extLst>
+          </a:blip>
+          <a:stretch>
+            <a:fillRect/>
+          </a:stretch>
+        </p:blipFill>
+        <p:spPr>
+          <a:xfrm>
+            <a:off x="6937708" y="2251494"/>
+            <a:ext cx="914400" cy="914400"/>
+          </a:xfrm>
+          <a:prstGeom prst="rect">
+            <a:avLst/>
+          </a:prstGeom>
+        </p:spPr>
+      </p:pic>
+      <p:pic>
+        <p:nvPicPr>
+          <p:cNvPr id="18" name="Graphic 17" descr="World with solid fill">
+            <a:extLst>
+              <a:ext uri="{FF2B5EF4-FFF2-40B4-BE49-F238E27FC236}">
+                <a16:creationId xmlns:a16="http://schemas.microsoft.com/office/drawing/2014/main" id="{0AC0D4B8-1831-7DB2-1CE7-2ECD4264E891}"/>
+              </a:ext>
+            </a:extLst>
+          </p:cNvPr>
+          <p:cNvPicPr>
+            <a:picLocks noChangeAspect="1"/>
+          </p:cNvPicPr>
+          <p:nvPr/>
+        </p:nvPicPr>
+        <p:blipFill>
+          <a:blip r:embed="rId9">
+            <a:extLst>
+              <a:ext uri="{28A0092B-C50C-407E-A947-70E740481C1C}">
+                <a14:useLocalDpi xmlns:a14="http://schemas.microsoft.com/office/drawing/2010/main" val="0"/>
+              </a:ext>
+              <a:ext uri="{96DAC541-7B7A-43D3-8B79-37D633B846F1}">
+                <asvg:svgBlip xmlns:asvg="http://schemas.microsoft.com/office/drawing/2016/SVG/main" r:embed="rId10"/>
+              </a:ext>
+            </a:extLst>
+          </a:blip>
+          <a:stretch>
+            <a:fillRect/>
+          </a:stretch>
+        </p:blipFill>
+        <p:spPr>
+          <a:xfrm>
+            <a:off x="7729030" y="3323558"/>
+            <a:ext cx="914400" cy="914400"/>
+          </a:xfrm>
+          <a:prstGeom prst="rect">
+            <a:avLst/>
+          </a:prstGeom>
+        </p:spPr>
+      </p:pic>
+      <p:pic>
+        <p:nvPicPr>
+          <p:cNvPr id="20" name="Graphic 19" descr="World outline">
+            <a:extLst>
+              <a:ext uri="{FF2B5EF4-FFF2-40B4-BE49-F238E27FC236}">
+                <a16:creationId xmlns:a16="http://schemas.microsoft.com/office/drawing/2014/main" id="{4FE77FF6-DAE5-F2AE-03B5-119401C995FA}"/>
+              </a:ext>
+            </a:extLst>
+          </p:cNvPr>
+          <p:cNvPicPr>
+            <a:picLocks noChangeAspect="1"/>
+          </p:cNvPicPr>
+          <p:nvPr/>
+        </p:nvPicPr>
+        <p:blipFill>
+          <a:blip r:embed="rId11">
+            <a:extLst>
+              <a:ext uri="{28A0092B-C50C-407E-A947-70E740481C1C}">
+                <a14:useLocalDpi xmlns:a14="http://schemas.microsoft.com/office/drawing/2010/main" val="0"/>
+              </a:ext>
+              <a:ext uri="{96DAC541-7B7A-43D3-8B79-37D633B846F1}">
+                <asvg:svgBlip xmlns:asvg="http://schemas.microsoft.com/office/drawing/2016/SVG/main" r:embed="rId12"/>
+              </a:ext>
+            </a:extLst>
+          </a:blip>
+          <a:stretch>
+            <a:fillRect/>
+          </a:stretch>
+        </p:blipFill>
+        <p:spPr>
+          <a:xfrm>
+            <a:off x="5519784" y="4334772"/>
+            <a:ext cx="914400" cy="914400"/>
+          </a:xfrm>
+          <a:prstGeom prst="rect">
+            <a:avLst/>
+          </a:prstGeom>
+        </p:spPr>
+      </p:pic>
+      <p:pic>
+        <p:nvPicPr>
+          <p:cNvPr id="7" name="Picture 6" descr="A picture containing text&#10;&#10;Description automatically generated">
+            <a:extLst>
+              <a:ext uri="{FF2B5EF4-FFF2-40B4-BE49-F238E27FC236}">
+                <a16:creationId xmlns:a16="http://schemas.microsoft.com/office/drawing/2014/main" id="{03914BDF-1233-4221-8DDB-D5D9AF8FFF9F}"/>
+              </a:ext>
+            </a:extLst>
+          </p:cNvPr>
+          <p:cNvPicPr>
+            <a:picLocks noChangeAspect="1"/>
+          </p:cNvPicPr>
+          <p:nvPr/>
+        </p:nvPicPr>
+        <p:blipFill rotWithShape="1">
+          <a:blip r:embed="rId13">
+            <a:extLst>
+              <a:ext uri="{28A0092B-C50C-407E-A947-70E740481C1C}">
+                <a14:useLocalDpi xmlns:a14="http://schemas.microsoft.com/office/drawing/2010/main" val="0"/>
+              </a:ext>
+            </a:extLst>
+          </a:blip>
+          <a:srcRect l="18303" t="23753" r="19559" b="23881"/>
+          <a:stretch/>
+        </p:blipFill>
+        <p:spPr>
+          <a:xfrm flipH="1">
+            <a:off x="1423358" y="794361"/>
+            <a:ext cx="1939429" cy="1634414"/>
+          </a:xfrm>
+          <a:prstGeom prst="rect">
+            <a:avLst/>
+          </a:prstGeom>
+        </p:spPr>
+      </p:pic>
+      <p:grpSp>
+        <p:nvGrpSpPr>
+          <p:cNvPr id="28" name="Group 27">
+            <a:extLst>
+              <a:ext uri="{FF2B5EF4-FFF2-40B4-BE49-F238E27FC236}">
+                <a16:creationId xmlns:a16="http://schemas.microsoft.com/office/drawing/2014/main" id="{0F39D4B5-1D69-8471-1F84-A00BC82A97DB}"/>
+              </a:ext>
+            </a:extLst>
+          </p:cNvPr>
+          <p:cNvGrpSpPr/>
+          <p:nvPr/>
+        </p:nvGrpSpPr>
+        <p:grpSpPr>
+          <a:xfrm>
+            <a:off x="4285574" y="2121918"/>
+            <a:ext cx="1413465" cy="1325301"/>
+            <a:chOff x="5127001" y="2223061"/>
+            <a:chExt cx="909829" cy="974834"/>
+          </a:xfrm>
+        </p:grpSpPr>
+        <p:pic>
+          <p:nvPicPr>
+            <p:cNvPr id="22" name="Graphic 21" descr="Acorn outline">
+              <a:extLst>
+                <a:ext uri="{FF2B5EF4-FFF2-40B4-BE49-F238E27FC236}">
+                  <a16:creationId xmlns:a16="http://schemas.microsoft.com/office/drawing/2014/main" id="{ED15DF32-83E3-2276-6E53-FE5F57CA9426}"/>
+                </a:ext>
+              </a:extLst>
+            </p:cNvPr>
+            <p:cNvPicPr>
+              <a:picLocks noChangeAspect="1"/>
+            </p:cNvPicPr>
+            <p:nvPr/>
+          </p:nvPicPr>
+          <p:blipFill rotWithShape="1">
+            <a:blip r:embed="rId14">
+              <a:extLst>
+                <a:ext uri="{28A0092B-C50C-407E-A947-70E740481C1C}">
+                  <a14:useLocalDpi xmlns:a14="http://schemas.microsoft.com/office/drawing/2010/main" val="0"/>
+                </a:ext>
+                <a:ext uri="{96DAC541-7B7A-43D3-8B79-37D633B846F1}">
+                  <asvg:svgBlip xmlns:asvg="http://schemas.microsoft.com/office/drawing/2016/SVG/main" r:embed="rId15"/>
+                </a:ext>
+              </a:extLst>
+            </a:blip>
+            <a:srcRect l="17285" t="15313" r="15497" b="17545"/>
+            <a:stretch/>
+          </p:blipFill>
+          <p:spPr>
+            <a:xfrm rot="18880352">
+              <a:off x="5126482" y="2223580"/>
+              <a:ext cx="910867" cy="909829"/>
+            </a:xfrm>
+            <a:prstGeom prst="rect">
+              <a:avLst/>
+            </a:prstGeom>
+          </p:spPr>
+        </p:pic>
+        <p:pic>
+          <p:nvPicPr>
+            <p:cNvPr id="27" name="Picture 26" descr="Shape&#10;&#10;Description automatically generated with medium confidence">
+              <a:extLst>
+                <a:ext uri="{FF2B5EF4-FFF2-40B4-BE49-F238E27FC236}">
+                  <a16:creationId xmlns:a16="http://schemas.microsoft.com/office/drawing/2014/main" id="{95C7C987-76AA-C500-DE55-21D60E9E1E3C}"/>
+                </a:ext>
+              </a:extLst>
+            </p:cNvPr>
+            <p:cNvPicPr>
+              <a:picLocks noChangeAspect="1"/>
+            </p:cNvPicPr>
+            <p:nvPr/>
+          </p:nvPicPr>
+          <p:blipFill>
+            <a:blip r:embed="rId16">
+              <a:extLst>
+                <a:ext uri="{28A0092B-C50C-407E-A947-70E740481C1C}">
+                  <a14:useLocalDpi xmlns:a14="http://schemas.microsoft.com/office/drawing/2010/main" val="0"/>
+                </a:ext>
+              </a:extLst>
+            </a:blip>
+            <a:stretch>
+              <a:fillRect/>
+            </a:stretch>
+          </p:blipFill>
+          <p:spPr>
+            <a:xfrm>
+              <a:off x="5325945" y="2600430"/>
+              <a:ext cx="471197" cy="597465"/>
+            </a:xfrm>
+            <a:prstGeom prst="rect">
+              <a:avLst/>
+            </a:prstGeom>
+          </p:spPr>
+        </p:pic>
+      </p:grpSp>
+      <p:pic>
+        <p:nvPicPr>
+          <p:cNvPr id="3" name="Graphic 2" descr="Acorn outline">
+            <a:extLst>
+              <a:ext uri="{FF2B5EF4-FFF2-40B4-BE49-F238E27FC236}">
+                <a16:creationId xmlns:a16="http://schemas.microsoft.com/office/drawing/2014/main" id="{8F50E144-2C35-CCED-6E65-685BD4A0FE08}"/>
+              </a:ext>
+            </a:extLst>
+          </p:cNvPr>
+          <p:cNvPicPr>
+            <a:picLocks noChangeAspect="1"/>
+          </p:cNvPicPr>
+          <p:nvPr/>
+        </p:nvPicPr>
+        <p:blipFill>
+          <a:blip r:embed="rId17">
+            <a:extLst>
+              <a:ext uri="{28A0092B-C50C-407E-A947-70E740481C1C}">
+                <a14:useLocalDpi xmlns:a14="http://schemas.microsoft.com/office/drawing/2010/main" val="0"/>
+              </a:ext>
+              <a:ext uri="{96DAC541-7B7A-43D3-8B79-37D633B846F1}">
+                <asvg:svgBlip xmlns:asvg="http://schemas.microsoft.com/office/drawing/2016/SVG/main" r:embed="rId18"/>
+              </a:ext>
+            </a:extLst>
+          </a:blip>
+          <a:stretch>
+            <a:fillRect/>
+          </a:stretch>
+        </p:blipFill>
+        <p:spPr>
+          <a:xfrm>
+            <a:off x="6845781" y="4871021"/>
+            <a:ext cx="1239071" cy="1239071"/>
+          </a:xfrm>
+          <a:prstGeom prst="rect">
+            <a:avLst/>
+          </a:prstGeom>
+        </p:spPr>
+      </p:pic>
+    </p:spTree>
+    <p:extLst>
+      <p:ext uri="{BB962C8B-B14F-4D97-AF65-F5344CB8AC3E}">
+        <p14:creationId xmlns:p14="http://schemas.microsoft.com/office/powerpoint/2010/main" val="2536962033"/>
       </p:ext>
     </p:extLst>
   </p:cSld>
